--- a/lezioni/PASW03c - C++ input output.pptx
+++ b/lezioni/PASW03c - C++ input output.pptx
@@ -5,12 +5,15 @@
     <p:sldMasterId id="2147483649" r:id="rId1"/>
   </p:sldMasterIdLst>
   <p:notesMasterIdLst>
-    <p:notesMasterId r:id="rId5"/>
+    <p:notesMasterId r:id="rId8"/>
   </p:notesMasterIdLst>
   <p:sldIdLst>
     <p:sldId id="258" r:id="rId2"/>
-    <p:sldId id="259" r:id="rId3"/>
-    <p:sldId id="261" r:id="rId4"/>
+    <p:sldId id="262" r:id="rId3"/>
+    <p:sldId id="264" r:id="rId4"/>
+    <p:sldId id="263" r:id="rId5"/>
+    <p:sldId id="259" r:id="rId6"/>
+    <p:sldId id="261" r:id="rId7"/>
   </p:sldIdLst>
   <p:sldSz cx="12192000" cy="6858000"/>
   <p:notesSz cx="6858000" cy="9144000"/>
@@ -240,7 +243,7 @@
           <a:p>
             <a:fld id="{537EE30C-6FCC-4D68-889C-61DBBB4BBB87}" type="datetimeFigureOut">
               <a:rPr lang="it-IT" smtClean="0"/>
-              <a:t>19/02/2018</a:t>
+              <a:t>26/02/2018</a:t>
             </a:fld>
             <a:endParaRPr lang="it-IT"/>
           </a:p>
@@ -864,7 +867,7 @@
           <a:bodyPr/>
           <a:lstStyle>
             <a:lvl1pPr>
-              <a:defRPr/>
+              <a:defRPr sz="2400"/>
             </a:lvl1pPr>
           </a:lstStyle>
           <a:p>
@@ -1491,7 +1494,11 @@
         <p:spPr/>
         <p:txBody>
           <a:bodyPr/>
-          <a:lstStyle/>
+          <a:lstStyle>
+            <a:lvl1pPr>
+              <a:defRPr sz="2400"/>
+            </a:lvl1pPr>
+          </a:lstStyle>
           <a:p>
             <a:r>
               <a:rPr lang="it-IT"/>
@@ -5114,6 +5121,771 @@
           <p:cNvPr id="2" name="Titolo 1">
             <a:extLst>
               <a:ext uri="{FF2B5EF4-FFF2-40B4-BE49-F238E27FC236}">
+                <a16:creationId xmlns:a16="http://schemas.microsoft.com/office/drawing/2014/main" id="{7B42EFDD-EC4E-4BB1-9E11-73ACEE4A70FB}"/>
+              </a:ext>
+            </a:extLst>
+          </p:cNvPr>
+          <p:cNvSpPr>
+            <a:spLocks noGrp="1"/>
+          </p:cNvSpPr>
+          <p:nvPr>
+            <p:ph type="title"/>
+          </p:nvPr>
+        </p:nvSpPr>
+        <p:spPr/>
+        <p:txBody>
+          <a:bodyPr/>
+          <a:lstStyle/>
+          <a:p>
+            <a:r>
+              <a:rPr lang="it-IT" dirty="0"/>
+              <a:t>stream</a:t>
+            </a:r>
+          </a:p>
+        </p:txBody>
+      </p:sp>
+      <p:sp>
+        <p:nvSpPr>
+          <p:cNvPr id="3" name="Segnaposto contenuto 2">
+            <a:extLst>
+              <a:ext uri="{FF2B5EF4-FFF2-40B4-BE49-F238E27FC236}">
+                <a16:creationId xmlns:a16="http://schemas.microsoft.com/office/drawing/2014/main" id="{81FCEE44-D5A6-423D-AF62-62F0FFE98425}"/>
+              </a:ext>
+            </a:extLst>
+          </p:cNvPr>
+          <p:cNvSpPr>
+            <a:spLocks noGrp="1"/>
+          </p:cNvSpPr>
+          <p:nvPr>
+            <p:ph idx="1"/>
+          </p:nvPr>
+        </p:nvSpPr>
+        <p:spPr/>
+        <p:txBody>
+          <a:bodyPr/>
+          <a:lstStyle/>
+          <a:p>
+            <a:r>
+              <a:rPr lang="en-US" sz="2000" dirty="0" err="1"/>
+              <a:t>l’input</a:t>
+            </a:r>
+            <a:r>
+              <a:rPr lang="en-US" sz="2000" dirty="0"/>
+              <a:t>/output del C++ è </a:t>
+            </a:r>
+            <a:r>
+              <a:rPr lang="en-US" sz="2000" dirty="0" err="1"/>
+              <a:t>basato</a:t>
+            </a:r>
+            <a:r>
+              <a:rPr lang="en-US" sz="2000" dirty="0"/>
+              <a:t> </a:t>
+            </a:r>
+            <a:r>
+              <a:rPr lang="en-US" sz="2000" dirty="0" err="1"/>
+              <a:t>sugli</a:t>
+            </a:r>
+            <a:r>
+              <a:rPr lang="en-US" sz="2000" dirty="0"/>
+              <a:t> stream</a:t>
+            </a:r>
+          </a:p>
+          <a:p>
+            <a:r>
+              <a:rPr lang="en-US" sz="2000" dirty="0" err="1"/>
+              <a:t>gli</a:t>
+            </a:r>
+            <a:r>
+              <a:rPr lang="en-US" sz="2000" dirty="0"/>
+              <a:t> stream </a:t>
+            </a:r>
+            <a:r>
+              <a:rPr lang="en-US" sz="2000" dirty="0" err="1"/>
+              <a:t>sono</a:t>
+            </a:r>
+            <a:r>
+              <a:rPr lang="en-US" sz="2000" dirty="0"/>
+              <a:t> </a:t>
+            </a:r>
+            <a:r>
+              <a:rPr lang="en-US" sz="2000" dirty="0" err="1"/>
+              <a:t>sequenze</a:t>
+            </a:r>
+            <a:r>
+              <a:rPr lang="en-US" sz="2000" dirty="0"/>
+              <a:t> di byte </a:t>
+            </a:r>
+            <a:r>
+              <a:rPr lang="en-US" sz="2000" dirty="0" err="1"/>
+              <a:t>che</a:t>
+            </a:r>
+            <a:r>
+              <a:rPr lang="en-US" sz="2000" dirty="0"/>
+              <a:t> </a:t>
+            </a:r>
+            <a:r>
+              <a:rPr lang="en-US" sz="2000" dirty="0" err="1"/>
+              <a:t>rappresentano</a:t>
+            </a:r>
+            <a:r>
+              <a:rPr lang="en-US" sz="2000" dirty="0"/>
+              <a:t> </a:t>
+            </a:r>
+            <a:r>
+              <a:rPr lang="en-US" sz="2000" dirty="0" err="1"/>
+              <a:t>il</a:t>
+            </a:r>
+            <a:r>
+              <a:rPr lang="en-US" sz="2000" dirty="0"/>
+              <a:t> </a:t>
+            </a:r>
+            <a:r>
+              <a:rPr lang="en-US" sz="2000" dirty="0" err="1"/>
+              <a:t>flusso</a:t>
+            </a:r>
+            <a:r>
+              <a:rPr lang="en-US" sz="2000" dirty="0"/>
+              <a:t> in </a:t>
+            </a:r>
+            <a:r>
+              <a:rPr lang="en-US" sz="2000" dirty="0" err="1"/>
+              <a:t>entrata</a:t>
+            </a:r>
+            <a:r>
+              <a:rPr lang="en-US" sz="2000" dirty="0"/>
+              <a:t> o in </a:t>
+            </a:r>
+            <a:r>
+              <a:rPr lang="en-US" sz="2000" dirty="0" err="1"/>
+              <a:t>uscita</a:t>
+            </a:r>
+            <a:r>
+              <a:rPr lang="en-US" sz="2000" dirty="0"/>
+              <a:t> di un </a:t>
+            </a:r>
+            <a:r>
+              <a:rPr lang="en-US" sz="2000" dirty="0" err="1"/>
+              <a:t>programma</a:t>
+            </a:r>
+            <a:endParaRPr lang="en-US" sz="2000" dirty="0"/>
+          </a:p>
+          <a:p>
+            <a:r>
+              <a:rPr lang="en-US" sz="2000" dirty="0" err="1"/>
+              <a:t>gli</a:t>
+            </a:r>
+            <a:r>
+              <a:rPr lang="en-US" sz="2000" dirty="0"/>
+              <a:t> stream </a:t>
+            </a:r>
+            <a:r>
+              <a:rPr lang="en-US" sz="2000" dirty="0" err="1"/>
+              <a:t>fungono</a:t>
+            </a:r>
+            <a:r>
+              <a:rPr lang="en-US" sz="2000" dirty="0"/>
+              <a:t> da intermediary </a:t>
+            </a:r>
+            <a:r>
+              <a:rPr lang="en-US" sz="2000" dirty="0" err="1"/>
+              <a:t>fra</a:t>
+            </a:r>
+            <a:r>
+              <a:rPr lang="en-US" sz="2000" dirty="0"/>
+              <a:t> </a:t>
+            </a:r>
+            <a:r>
+              <a:rPr lang="en-US" sz="2000" dirty="0" err="1"/>
+              <a:t>i</a:t>
+            </a:r>
+            <a:r>
+              <a:rPr lang="en-US" sz="2000" dirty="0"/>
+              <a:t> </a:t>
+            </a:r>
+            <a:r>
+              <a:rPr lang="en-US" sz="2000" dirty="0" err="1"/>
+              <a:t>programmi</a:t>
+            </a:r>
+            <a:r>
+              <a:rPr lang="en-US" sz="2000" dirty="0"/>
+              <a:t> e le </a:t>
+            </a:r>
+            <a:r>
+              <a:rPr lang="en-US" sz="2000" dirty="0" err="1"/>
+              <a:t>periferiche</a:t>
+            </a:r>
+            <a:r>
+              <a:rPr lang="en-US" sz="2000" dirty="0"/>
+              <a:t> di I/O </a:t>
+            </a:r>
+            <a:r>
+              <a:rPr lang="en-US" sz="2000" dirty="0" err="1"/>
+              <a:t>liberando</a:t>
+            </a:r>
+            <a:r>
+              <a:rPr lang="en-US" sz="2000" dirty="0"/>
+              <a:t> </a:t>
+            </a:r>
+            <a:r>
+              <a:rPr lang="en-US" sz="2000" dirty="0" err="1"/>
+              <a:t>il</a:t>
+            </a:r>
+            <a:r>
+              <a:rPr lang="en-US" sz="2000" dirty="0"/>
+              <a:t> </a:t>
+            </a:r>
+            <a:r>
+              <a:rPr lang="en-US" sz="2000" dirty="0" err="1"/>
+              <a:t>programmatore</a:t>
+            </a:r>
+            <a:r>
+              <a:rPr lang="en-US" sz="2000" dirty="0"/>
+              <a:t> </a:t>
+            </a:r>
+            <a:r>
+              <a:rPr lang="en-US" sz="2000" dirty="0" err="1"/>
+              <a:t>dalla</a:t>
+            </a:r>
+            <a:r>
+              <a:rPr lang="en-US" sz="2000" dirty="0"/>
+              <a:t> </a:t>
+            </a:r>
+            <a:r>
+              <a:rPr lang="en-US" sz="2000" dirty="0" err="1"/>
+              <a:t>necessità</a:t>
+            </a:r>
+            <a:r>
+              <a:rPr lang="en-US" sz="2000" dirty="0"/>
+              <a:t> di </a:t>
+            </a:r>
+            <a:r>
+              <a:rPr lang="en-US" sz="2000" dirty="0" err="1"/>
+              <a:t>gestire</a:t>
+            </a:r>
+            <a:r>
+              <a:rPr lang="en-US" sz="2000" dirty="0"/>
+              <a:t> </a:t>
+            </a:r>
+            <a:r>
+              <a:rPr lang="en-US" sz="2000" dirty="0" err="1"/>
+              <a:t>direttamente</a:t>
+            </a:r>
+            <a:r>
+              <a:rPr lang="en-US" sz="2000" dirty="0"/>
+              <a:t> le </a:t>
+            </a:r>
+            <a:r>
+              <a:rPr lang="en-US" sz="2000" dirty="0" err="1"/>
+              <a:t>periferiche</a:t>
+            </a:r>
+            <a:endParaRPr lang="en-US" sz="2000" dirty="0"/>
+          </a:p>
+        </p:txBody>
+      </p:sp>
+      <p:sp>
+        <p:nvSpPr>
+          <p:cNvPr id="4" name="Segnaposto piè di pagina 3">
+            <a:extLst>
+              <a:ext uri="{FF2B5EF4-FFF2-40B4-BE49-F238E27FC236}">
+                <a16:creationId xmlns:a16="http://schemas.microsoft.com/office/drawing/2014/main" id="{1DFA75CA-E78A-415B-A052-770F7F5A909B}"/>
+              </a:ext>
+            </a:extLst>
+          </p:cNvPr>
+          <p:cNvSpPr>
+            <a:spLocks noGrp="1"/>
+          </p:cNvSpPr>
+          <p:nvPr>
+            <p:ph type="ftr" sz="quarter" idx="11"/>
+          </p:nvPr>
+        </p:nvSpPr>
+        <p:spPr/>
+        <p:txBody>
+          <a:bodyPr/>
+          <a:lstStyle/>
+          <a:p>
+            <a:pPr>
+              <a:defRPr/>
+            </a:pPr>
+            <a:r>
+              <a:rPr lang="it-IT"/>
+              <a:t>Alberto Ferrari – Programmazione di applicazioni SW</a:t>
+            </a:r>
+            <a:endParaRPr lang="it-IT" dirty="0"/>
+          </a:p>
+        </p:txBody>
+      </p:sp>
+      <p:pic>
+        <p:nvPicPr>
+          <p:cNvPr id="5" name="Immagine 4">
+            <a:extLst>
+              <a:ext uri="{FF2B5EF4-FFF2-40B4-BE49-F238E27FC236}">
+                <a16:creationId xmlns:a16="http://schemas.microsoft.com/office/drawing/2014/main" id="{5467304E-34CE-4304-8B75-01D0ED1A0600}"/>
+              </a:ext>
+            </a:extLst>
+          </p:cNvPr>
+          <p:cNvPicPr>
+            <a:picLocks noChangeAspect="1"/>
+          </p:cNvPicPr>
+          <p:nvPr/>
+        </p:nvPicPr>
+        <p:blipFill>
+          <a:blip r:embed="rId2"/>
+          <a:stretch>
+            <a:fillRect/>
+          </a:stretch>
+        </p:blipFill>
+        <p:spPr>
+          <a:xfrm>
+            <a:off x="3722953" y="3068960"/>
+            <a:ext cx="4440216" cy="3027040"/>
+          </a:xfrm>
+          <a:prstGeom prst="rect">
+            <a:avLst/>
+          </a:prstGeom>
+        </p:spPr>
+      </p:pic>
+    </p:spTree>
+    <p:extLst>
+      <p:ext uri="{BB962C8B-B14F-4D97-AF65-F5344CB8AC3E}">
+        <p14:creationId xmlns:p14="http://schemas.microsoft.com/office/powerpoint/2010/main" val="922090643"/>
+      </p:ext>
+    </p:extLst>
+  </p:cSld>
+  <p:clrMapOvr>
+    <a:masterClrMapping/>
+  </p:clrMapOvr>
+</p:sld>
+</file>
+
+<file path=ppt/slides/slide3.xml><?xml version="1.0" encoding="utf-8"?>
+<p:sld xmlns:a="http://schemas.openxmlformats.org/drawingml/2006/main" xmlns:r="http://schemas.openxmlformats.org/officeDocument/2006/relationships" xmlns:p="http://schemas.openxmlformats.org/presentationml/2006/main">
+  <p:cSld>
+    <p:spTree>
+      <p:nvGrpSpPr>
+        <p:cNvPr id="1" name=""/>
+        <p:cNvGrpSpPr/>
+        <p:nvPr/>
+      </p:nvGrpSpPr>
+      <p:grpSpPr>
+        <a:xfrm>
+          <a:off x="0" y="0"/>
+          <a:ext cx="0" cy="0"/>
+          <a:chOff x="0" y="0"/>
+          <a:chExt cx="0" cy="0"/>
+        </a:xfrm>
+      </p:grpSpPr>
+      <p:sp>
+        <p:nvSpPr>
+          <p:cNvPr id="2" name="Titolo 1">
+            <a:extLst>
+              <a:ext uri="{FF2B5EF4-FFF2-40B4-BE49-F238E27FC236}">
+                <a16:creationId xmlns:a16="http://schemas.microsoft.com/office/drawing/2014/main" id="{AB98D687-552F-4A8C-97BF-6B6C18B79F0F}"/>
+              </a:ext>
+            </a:extLst>
+          </p:cNvPr>
+          <p:cNvSpPr>
+            <a:spLocks noGrp="1"/>
+          </p:cNvSpPr>
+          <p:nvPr>
+            <p:ph type="title"/>
+          </p:nvPr>
+        </p:nvSpPr>
+        <p:spPr/>
+        <p:txBody>
+          <a:bodyPr/>
+          <a:lstStyle/>
+          <a:p>
+            <a:r>
+              <a:rPr lang="it-IT" dirty="0"/>
+              <a:t>stream di input</a:t>
+            </a:r>
+          </a:p>
+        </p:txBody>
+      </p:sp>
+      <p:sp>
+        <p:nvSpPr>
+          <p:cNvPr id="3" name="Segnaposto contenuto 2">
+            <a:extLst>
+              <a:ext uri="{FF2B5EF4-FFF2-40B4-BE49-F238E27FC236}">
+                <a16:creationId xmlns:a16="http://schemas.microsoft.com/office/drawing/2014/main" id="{0E798CBB-652F-456E-96D0-99F2707D5DB5}"/>
+              </a:ext>
+            </a:extLst>
+          </p:cNvPr>
+          <p:cNvSpPr>
+            <a:spLocks noGrp="1"/>
+          </p:cNvSpPr>
+          <p:nvPr>
+            <p:ph idx="1"/>
+          </p:nvPr>
+        </p:nvSpPr>
+        <p:spPr/>
+        <p:txBody>
+          <a:bodyPr/>
+          <a:lstStyle/>
+          <a:p>
+            <a:r>
+              <a:rPr lang="it-IT" dirty="0"/>
+              <a:t>nelle operazioni di input i dati vanno da una sorgente di input verso il programma</a:t>
+            </a:r>
+          </a:p>
+          <a:p>
+            <a:pPr lvl="1"/>
+            <a:r>
+              <a:rPr lang="it-IT" dirty="0"/>
+              <a:t>una sorgente di input può essere </a:t>
+            </a:r>
+          </a:p>
+          <a:p>
+            <a:pPr lvl="2"/>
+            <a:r>
+              <a:rPr lang="it-IT" dirty="0"/>
+              <a:t>la tastiera</a:t>
+            </a:r>
+          </a:p>
+          <a:p>
+            <a:pPr lvl="2"/>
+            <a:r>
+              <a:rPr lang="it-IT" dirty="0"/>
+              <a:t>un file</a:t>
+            </a:r>
+          </a:p>
+          <a:p>
+            <a:pPr lvl="2"/>
+            <a:r>
+              <a:rPr lang="it-IT" dirty="0"/>
+              <a:t>una risorsa di rete</a:t>
+            </a:r>
+          </a:p>
+          <a:p>
+            <a:pPr lvl="2"/>
+            <a:r>
+              <a:rPr lang="it-IT" dirty="0"/>
+              <a:t>l’output di un altro programma) </a:t>
+            </a:r>
+          </a:p>
+          <a:p>
+            <a:endParaRPr lang="it-IT" dirty="0"/>
+          </a:p>
+        </p:txBody>
+      </p:sp>
+      <p:sp>
+        <p:nvSpPr>
+          <p:cNvPr id="4" name="Segnaposto piè di pagina 3">
+            <a:extLst>
+              <a:ext uri="{FF2B5EF4-FFF2-40B4-BE49-F238E27FC236}">
+                <a16:creationId xmlns:a16="http://schemas.microsoft.com/office/drawing/2014/main" id="{B91D324E-A459-41D3-AF69-7CD2C40F79A5}"/>
+              </a:ext>
+            </a:extLst>
+          </p:cNvPr>
+          <p:cNvSpPr>
+            <a:spLocks noGrp="1"/>
+          </p:cNvSpPr>
+          <p:nvPr>
+            <p:ph type="ftr" sz="quarter" idx="11"/>
+          </p:nvPr>
+        </p:nvSpPr>
+        <p:spPr/>
+        <p:txBody>
+          <a:bodyPr/>
+          <a:lstStyle/>
+          <a:p>
+            <a:pPr>
+              <a:defRPr/>
+            </a:pPr>
+            <a:r>
+              <a:rPr lang="it-IT"/>
+              <a:t>Alberto Ferrari – Programmazione di applicazioni SW</a:t>
+            </a:r>
+            <a:endParaRPr lang="it-IT" dirty="0"/>
+          </a:p>
+        </p:txBody>
+      </p:sp>
+    </p:spTree>
+    <p:extLst>
+      <p:ext uri="{BB962C8B-B14F-4D97-AF65-F5344CB8AC3E}">
+        <p14:creationId xmlns:p14="http://schemas.microsoft.com/office/powerpoint/2010/main" val="1738659340"/>
+      </p:ext>
+    </p:extLst>
+  </p:cSld>
+  <p:clrMapOvr>
+    <a:masterClrMapping/>
+  </p:clrMapOvr>
+</p:sld>
+</file>
+
+<file path=ppt/slides/slide4.xml><?xml version="1.0" encoding="utf-8"?>
+<p:sld xmlns:a="http://schemas.openxmlformats.org/drawingml/2006/main" xmlns:r="http://schemas.openxmlformats.org/officeDocument/2006/relationships" xmlns:p="http://schemas.openxmlformats.org/presentationml/2006/main">
+  <p:cSld>
+    <p:spTree>
+      <p:nvGrpSpPr>
+        <p:cNvPr id="1" name=""/>
+        <p:cNvGrpSpPr/>
+        <p:nvPr/>
+      </p:nvGrpSpPr>
+      <p:grpSpPr>
+        <a:xfrm>
+          <a:off x="0" y="0"/>
+          <a:ext cx="0" cy="0"/>
+          <a:chOff x="0" y="0"/>
+          <a:chExt cx="0" cy="0"/>
+        </a:xfrm>
+      </p:grpSpPr>
+      <p:sp>
+        <p:nvSpPr>
+          <p:cNvPr id="2" name="Titolo 1">
+            <a:extLst>
+              <a:ext uri="{FF2B5EF4-FFF2-40B4-BE49-F238E27FC236}">
+                <a16:creationId xmlns:a16="http://schemas.microsoft.com/office/drawing/2014/main" id="{DF8D4D36-51FA-4D09-808C-27C11A9EA2F2}"/>
+              </a:ext>
+            </a:extLst>
+          </p:cNvPr>
+          <p:cNvSpPr>
+            <a:spLocks noGrp="1"/>
+          </p:cNvSpPr>
+          <p:nvPr>
+            <p:ph type="title"/>
+          </p:nvPr>
+        </p:nvSpPr>
+        <p:spPr/>
+        <p:txBody>
+          <a:bodyPr/>
+          <a:lstStyle/>
+          <a:p>
+            <a:r>
+              <a:rPr lang="it-IT" dirty="0"/>
+              <a:t>stream di output</a:t>
+            </a:r>
+          </a:p>
+        </p:txBody>
+      </p:sp>
+      <p:sp>
+        <p:nvSpPr>
+          <p:cNvPr id="3" name="Segnaposto contenuto 2">
+            <a:extLst>
+              <a:ext uri="{FF2B5EF4-FFF2-40B4-BE49-F238E27FC236}">
+                <a16:creationId xmlns:a16="http://schemas.microsoft.com/office/drawing/2014/main" id="{31F01DF8-0C5D-4387-AE5E-39D357B5DFDD}"/>
+              </a:ext>
+            </a:extLst>
+          </p:cNvPr>
+          <p:cNvSpPr>
+            <a:spLocks noGrp="1"/>
+          </p:cNvSpPr>
+          <p:nvPr>
+            <p:ph idx="1"/>
+          </p:nvPr>
+        </p:nvSpPr>
+        <p:spPr/>
+        <p:txBody>
+          <a:bodyPr/>
+          <a:lstStyle/>
+          <a:p>
+            <a:r>
+              <a:rPr lang="en-US" dirty="0" err="1"/>
+              <a:t>nelle</a:t>
+            </a:r>
+            <a:r>
+              <a:rPr lang="en-US" dirty="0"/>
+              <a:t> </a:t>
+            </a:r>
+            <a:r>
+              <a:rPr lang="en-US" dirty="0" err="1"/>
+              <a:t>operazioni</a:t>
+            </a:r>
+            <a:r>
+              <a:rPr lang="en-US" dirty="0"/>
+              <a:t> di output </a:t>
+            </a:r>
+            <a:r>
+              <a:rPr lang="en-US" dirty="0" err="1"/>
+              <a:t>il</a:t>
+            </a:r>
+            <a:r>
+              <a:rPr lang="en-US" dirty="0"/>
+              <a:t> </a:t>
+            </a:r>
+            <a:r>
+              <a:rPr lang="en-US" dirty="0" err="1"/>
+              <a:t>flusso</a:t>
+            </a:r>
+            <a:r>
+              <a:rPr lang="en-US" dirty="0"/>
+              <a:t> di </a:t>
+            </a:r>
+            <a:r>
+              <a:rPr lang="en-US" dirty="0" err="1"/>
+              <a:t>dati</a:t>
+            </a:r>
+            <a:r>
+              <a:rPr lang="en-US" dirty="0"/>
+              <a:t> </a:t>
+            </a:r>
+            <a:r>
+              <a:rPr lang="en-US" dirty="0" err="1"/>
+              <a:t>che</a:t>
+            </a:r>
+            <a:r>
+              <a:rPr lang="en-US" dirty="0"/>
+              <a:t> ha come </a:t>
+            </a:r>
+            <a:r>
+              <a:rPr lang="en-US" dirty="0" err="1"/>
+              <a:t>sorgente</a:t>
+            </a:r>
+            <a:r>
+              <a:rPr lang="en-US" dirty="0"/>
+              <a:t> </a:t>
+            </a:r>
+            <a:r>
+              <a:rPr lang="en-US" dirty="0" err="1"/>
+              <a:t>il</a:t>
+            </a:r>
+            <a:r>
+              <a:rPr lang="en-US" dirty="0"/>
+              <a:t> </a:t>
+            </a:r>
+            <a:r>
+              <a:rPr lang="en-US" dirty="0" err="1"/>
+              <a:t>programma</a:t>
+            </a:r>
+            <a:r>
+              <a:rPr lang="en-US" dirty="0"/>
+              <a:t> </a:t>
+            </a:r>
+            <a:r>
+              <a:rPr lang="en-US" dirty="0" err="1"/>
+              <a:t>può</a:t>
+            </a:r>
+            <a:r>
+              <a:rPr lang="en-US" dirty="0"/>
+              <a:t> </a:t>
+            </a:r>
+            <a:r>
+              <a:rPr lang="en-US" dirty="0" err="1"/>
+              <a:t>essere</a:t>
+            </a:r>
+            <a:r>
+              <a:rPr lang="en-US" dirty="0"/>
+              <a:t> </a:t>
+            </a:r>
+            <a:r>
+              <a:rPr lang="en-US" dirty="0" err="1"/>
+              <a:t>diretto</a:t>
+            </a:r>
+            <a:r>
+              <a:rPr lang="en-US" dirty="0"/>
+              <a:t> verso:</a:t>
+            </a:r>
+          </a:p>
+          <a:p>
+            <a:pPr lvl="1"/>
+            <a:r>
+              <a:rPr lang="en-US" dirty="0"/>
+              <a:t>la console (video)</a:t>
+            </a:r>
+          </a:p>
+          <a:p>
+            <a:pPr lvl="1"/>
+            <a:r>
+              <a:rPr lang="en-US" dirty="0"/>
+              <a:t>un file </a:t>
+            </a:r>
+          </a:p>
+          <a:p>
+            <a:pPr lvl="1"/>
+            <a:r>
+              <a:rPr lang="en-US" dirty="0"/>
+              <a:t>la rete</a:t>
+            </a:r>
+          </a:p>
+          <a:p>
+            <a:pPr lvl="1"/>
+            <a:r>
+              <a:rPr lang="en-US" dirty="0"/>
+              <a:t>un </a:t>
+            </a:r>
+            <a:r>
+              <a:rPr lang="en-US" dirty="0" err="1"/>
+              <a:t>altro</a:t>
+            </a:r>
+            <a:r>
+              <a:rPr lang="en-US" dirty="0"/>
+              <a:t> </a:t>
+            </a:r>
+            <a:r>
+              <a:rPr lang="en-US" dirty="0" err="1"/>
+              <a:t>programma</a:t>
+            </a:r>
+            <a:endParaRPr lang="en-US" dirty="0"/>
+          </a:p>
+        </p:txBody>
+      </p:sp>
+      <p:sp>
+        <p:nvSpPr>
+          <p:cNvPr id="4" name="Segnaposto piè di pagina 3">
+            <a:extLst>
+              <a:ext uri="{FF2B5EF4-FFF2-40B4-BE49-F238E27FC236}">
+                <a16:creationId xmlns:a16="http://schemas.microsoft.com/office/drawing/2014/main" id="{C18F760D-14DC-4BFF-ADF5-378A690951B3}"/>
+              </a:ext>
+            </a:extLst>
+          </p:cNvPr>
+          <p:cNvSpPr>
+            <a:spLocks noGrp="1"/>
+          </p:cNvSpPr>
+          <p:nvPr>
+            <p:ph type="ftr" sz="quarter" idx="11"/>
+          </p:nvPr>
+        </p:nvSpPr>
+        <p:spPr/>
+        <p:txBody>
+          <a:bodyPr/>
+          <a:lstStyle/>
+          <a:p>
+            <a:pPr>
+              <a:defRPr/>
+            </a:pPr>
+            <a:r>
+              <a:rPr lang="it-IT"/>
+              <a:t>Alberto Ferrari – Programmazione di applicazioni SW</a:t>
+            </a:r>
+            <a:endParaRPr lang="it-IT" dirty="0"/>
+          </a:p>
+        </p:txBody>
+      </p:sp>
+    </p:spTree>
+    <p:extLst>
+      <p:ext uri="{BB962C8B-B14F-4D97-AF65-F5344CB8AC3E}">
+        <p14:creationId xmlns:p14="http://schemas.microsoft.com/office/powerpoint/2010/main" val="1142934016"/>
+      </p:ext>
+    </p:extLst>
+  </p:cSld>
+  <p:clrMapOvr>
+    <a:masterClrMapping/>
+  </p:clrMapOvr>
+</p:sld>
+</file>
+
+<file path=ppt/slides/slide5.xml><?xml version="1.0" encoding="utf-8"?>
+<p:sld xmlns:a="http://schemas.openxmlformats.org/drawingml/2006/main" xmlns:r="http://schemas.openxmlformats.org/officeDocument/2006/relationships" xmlns:p="http://schemas.openxmlformats.org/presentationml/2006/main">
+  <p:cSld>
+    <p:spTree>
+      <p:nvGrpSpPr>
+        <p:cNvPr id="1" name=""/>
+        <p:cNvGrpSpPr/>
+        <p:nvPr/>
+      </p:nvGrpSpPr>
+      <p:grpSpPr>
+        <a:xfrm>
+          <a:off x="0" y="0"/>
+          <a:ext cx="0" cy="0"/>
+          <a:chOff x="0" y="0"/>
+          <a:chExt cx="0" cy="0"/>
+        </a:xfrm>
+      </p:grpSpPr>
+      <p:sp>
+        <p:nvSpPr>
+          <p:cNvPr id="2" name="Titolo 1">
+            <a:extLst>
+              <a:ext uri="{FF2B5EF4-FFF2-40B4-BE49-F238E27FC236}">
                 <a16:creationId xmlns:a16="http://schemas.microsoft.com/office/drawing/2014/main" id="{9BDEFDCD-0917-4A5B-B4AA-34A8FC389E57}"/>
               </a:ext>
             </a:extLst>
@@ -5160,7 +5932,19 @@
           <a:p>
             <a:r>
               <a:rPr lang="it-IT" dirty="0"/>
-              <a:t>&lt;&lt; e &gt;&gt; sono operatori di flusso</a:t>
+              <a:t>&lt;&lt; e &gt;&gt; sono operatori di flusso che operano sugli stream</a:t>
+            </a:r>
+          </a:p>
+          <a:p>
+            <a:r>
+              <a:rPr lang="it-IT" dirty="0"/>
+              <a:t>&lt;&lt; estrazione da uno stream</a:t>
+            </a:r>
+          </a:p>
+          <a:p>
+            <a:r>
+              <a:rPr lang="it-IT" dirty="0"/>
+              <a:t>&gt;&gt; inserimento in uno stream</a:t>
             </a:r>
           </a:p>
           <a:p>
@@ -5182,7 +5966,7 @@
             </a:r>
             <a:r>
               <a:rPr lang="it-IT" dirty="0"/>
-              <a:t>) sono oggetti che rappresentano input, output ed </a:t>
+              <a:t>) sono oggetti che rappresentano stream di input, output ed </a:t>
             </a:r>
             <a:r>
               <a:rPr lang="it-IT" dirty="0" err="1"/>
@@ -5243,7 +6027,7 @@
 </p:sld>
 </file>
 
-<file path=ppt/slides/slide3.xml><?xml version="1.0" encoding="utf-8"?>
+<file path=ppt/slides/slide6.xml><?xml version="1.0" encoding="utf-8"?>
 <p:sld xmlns:a="http://schemas.openxmlformats.org/drawingml/2006/main" xmlns:r="http://schemas.openxmlformats.org/officeDocument/2006/relationships" xmlns:p="http://schemas.openxmlformats.org/presentationml/2006/main">
   <p:cSld>
     <p:spTree>

--- a/lezioni/PASW03c - C++ input output.pptx
+++ b/lezioni/PASW03c - C++ input output.pptx
@@ -5,7 +5,7 @@
     <p:sldMasterId id="2147483649" r:id="rId1"/>
   </p:sldMasterIdLst>
   <p:notesMasterIdLst>
-    <p:notesMasterId r:id="rId8"/>
+    <p:notesMasterId r:id="rId9"/>
   </p:notesMasterIdLst>
   <p:sldIdLst>
     <p:sldId id="258" r:id="rId2"/>
@@ -14,6 +14,7 @@
     <p:sldId id="263" r:id="rId5"/>
     <p:sldId id="259" r:id="rId6"/>
     <p:sldId id="261" r:id="rId7"/>
+    <p:sldId id="265" r:id="rId8"/>
   </p:sldIdLst>
   <p:sldSz cx="12192000" cy="6858000"/>
   <p:notesSz cx="6858000" cy="9144000"/>
@@ -243,7 +244,7 @@
           <a:p>
             <a:fld id="{537EE30C-6FCC-4D68-889C-61DBBB4BBB87}" type="datetimeFigureOut">
               <a:rPr lang="it-IT" smtClean="0"/>
-              <a:t>26/02/2018</a:t>
+              <a:t>10/03/2018</a:t>
             </a:fld>
             <a:endParaRPr lang="it-IT"/>
           </a:p>
@@ -7118,6 +7119,379 @@
     <p:extLst>
       <p:ext uri="{BB962C8B-B14F-4D97-AF65-F5344CB8AC3E}">
         <p14:creationId xmlns:p14="http://schemas.microsoft.com/office/powerpoint/2010/main" val="649465238"/>
+      </p:ext>
+    </p:extLst>
+  </p:cSld>
+  <p:clrMapOvr>
+    <a:masterClrMapping/>
+  </p:clrMapOvr>
+</p:sld>
+</file>
+
+<file path=ppt/slides/slide7.xml><?xml version="1.0" encoding="utf-8"?>
+<p:sld xmlns:a="http://schemas.openxmlformats.org/drawingml/2006/main" xmlns:r="http://schemas.openxmlformats.org/officeDocument/2006/relationships" xmlns:p="http://schemas.openxmlformats.org/presentationml/2006/main">
+  <p:cSld>
+    <p:spTree>
+      <p:nvGrpSpPr>
+        <p:cNvPr id="1" name=""/>
+        <p:cNvGrpSpPr/>
+        <p:nvPr/>
+      </p:nvGrpSpPr>
+      <p:grpSpPr>
+        <a:xfrm>
+          <a:off x="0" y="0"/>
+          <a:ext cx="0" cy="0"/>
+          <a:chOff x="0" y="0"/>
+          <a:chExt cx="0" cy="0"/>
+        </a:xfrm>
+      </p:grpSpPr>
+      <p:sp>
+        <p:nvSpPr>
+          <p:cNvPr id="2" name="Titolo 1">
+            <a:extLst>
+              <a:ext uri="{FF2B5EF4-FFF2-40B4-BE49-F238E27FC236}">
+                <a16:creationId xmlns:a16="http://schemas.microsoft.com/office/drawing/2014/main" id="{044E26B8-7E0D-4472-844C-9164FFBE6F61}"/>
+              </a:ext>
+            </a:extLst>
+          </p:cNvPr>
+          <p:cNvSpPr>
+            <a:spLocks noGrp="1"/>
+          </p:cNvSpPr>
+          <p:nvPr>
+            <p:ph type="title"/>
+          </p:nvPr>
+        </p:nvSpPr>
+        <p:spPr/>
+        <p:txBody>
+          <a:bodyPr/>
+          <a:lstStyle/>
+          <a:p>
+            <a:r>
+              <a:rPr lang="it-IT" dirty="0"/>
+              <a:t>I/O di stringhe</a:t>
+            </a:r>
+          </a:p>
+        </p:txBody>
+      </p:sp>
+      <p:sp>
+        <p:nvSpPr>
+          <p:cNvPr id="3" name="Segnaposto contenuto 2">
+            <a:extLst>
+              <a:ext uri="{FF2B5EF4-FFF2-40B4-BE49-F238E27FC236}">
+                <a16:creationId xmlns:a16="http://schemas.microsoft.com/office/drawing/2014/main" id="{93DD3997-8753-4D67-B087-57E5A92C486E}"/>
+              </a:ext>
+            </a:extLst>
+          </p:cNvPr>
+          <p:cNvSpPr>
+            <a:spLocks noGrp="1"/>
+          </p:cNvSpPr>
+          <p:nvPr>
+            <p:ph idx="1"/>
+          </p:nvPr>
+        </p:nvSpPr>
+        <p:spPr/>
+        <p:txBody>
+          <a:bodyPr/>
+          <a:lstStyle/>
+          <a:p>
+            <a:r>
+              <a:rPr lang="it-IT" dirty="0"/>
+              <a:t>l’operatore </a:t>
+            </a:r>
+            <a:r>
+              <a:rPr lang="it-IT" b="1" dirty="0"/>
+              <a:t>&lt;&lt;</a:t>
+            </a:r>
+            <a:r>
+              <a:rPr lang="it-IT" dirty="0"/>
+              <a:t> consente di </a:t>
+            </a:r>
+            <a:r>
+              <a:rPr lang="it-IT" b="1" i="1" dirty="0"/>
+              <a:t>inserire</a:t>
+            </a:r>
+            <a:r>
+              <a:rPr lang="it-IT" dirty="0"/>
+              <a:t> un oggetto </a:t>
+            </a:r>
+            <a:r>
+              <a:rPr lang="it-IT" dirty="0" err="1"/>
+              <a:t>string</a:t>
+            </a:r>
+            <a:r>
+              <a:rPr lang="it-IT" dirty="0"/>
+              <a:t> in un </a:t>
+            </a:r>
+            <a:r>
+              <a:rPr lang="it-IT" b="1" i="1" dirty="0"/>
+              <a:t>output</a:t>
+            </a:r>
+            <a:r>
+              <a:rPr lang="it-IT" dirty="0"/>
+              <a:t> stream</a:t>
+            </a:r>
+          </a:p>
+          <a:p>
+            <a:r>
+              <a:rPr lang="it-IT" dirty="0"/>
+              <a:t>es:   </a:t>
+            </a:r>
+            <a:r>
+              <a:rPr lang="it-IT" sz="2000" b="1" dirty="0" err="1">
+                <a:latin typeface="Courier New" panose="02070309020205020404" pitchFamily="49" charset="0"/>
+                <a:cs typeface="Courier New" panose="02070309020205020404" pitchFamily="49" charset="0"/>
+              </a:rPr>
+              <a:t>string</a:t>
+            </a:r>
+            <a:r>
+              <a:rPr lang="it-IT" sz="2000" b="1" dirty="0">
+                <a:latin typeface="Courier New" panose="02070309020205020404" pitchFamily="49" charset="0"/>
+                <a:cs typeface="Courier New" panose="02070309020205020404" pitchFamily="49" charset="0"/>
+              </a:rPr>
+              <a:t> </a:t>
+            </a:r>
+            <a:r>
+              <a:rPr lang="it-IT" sz="2000" b="1" dirty="0" err="1">
+                <a:latin typeface="Courier New" panose="02070309020205020404" pitchFamily="49" charset="0"/>
+                <a:cs typeface="Courier New" panose="02070309020205020404" pitchFamily="49" charset="0"/>
+              </a:rPr>
+              <a:t>message</a:t>
+            </a:r>
+            <a:r>
+              <a:rPr lang="it-IT" sz="2000" b="1" dirty="0">
+                <a:latin typeface="Courier New" panose="02070309020205020404" pitchFamily="49" charset="0"/>
+                <a:cs typeface="Courier New" panose="02070309020205020404" pitchFamily="49" charset="0"/>
+              </a:rPr>
+              <a:t>("Hello");</a:t>
+            </a:r>
+            <a:br>
+              <a:rPr lang="it-IT" sz="2000" b="1" dirty="0">
+                <a:latin typeface="Courier New" panose="02070309020205020404" pitchFamily="49" charset="0"/>
+                <a:cs typeface="Courier New" panose="02070309020205020404" pitchFamily="49" charset="0"/>
+              </a:rPr>
+            </a:br>
+            <a:r>
+              <a:rPr lang="it-IT" sz="2000" b="1" dirty="0">
+                <a:latin typeface="Courier New" panose="02070309020205020404" pitchFamily="49" charset="0"/>
+                <a:cs typeface="Courier New" panose="02070309020205020404" pitchFamily="49" charset="0"/>
+              </a:rPr>
+              <a:t>    </a:t>
+            </a:r>
+            <a:r>
+              <a:rPr lang="it-IT" sz="2000" b="1" dirty="0" err="1">
+                <a:latin typeface="Courier New" panose="02070309020205020404" pitchFamily="49" charset="0"/>
+                <a:cs typeface="Courier New" panose="02070309020205020404" pitchFamily="49" charset="0"/>
+              </a:rPr>
+              <a:t>cout</a:t>
+            </a:r>
+            <a:r>
+              <a:rPr lang="it-IT" sz="2000" b="1" dirty="0">
+                <a:latin typeface="Courier New" panose="02070309020205020404" pitchFamily="49" charset="0"/>
+                <a:cs typeface="Courier New" panose="02070309020205020404" pitchFamily="49" charset="0"/>
+              </a:rPr>
+              <a:t> &lt;&lt; </a:t>
+            </a:r>
+            <a:r>
+              <a:rPr lang="it-IT" sz="2000" b="1" dirty="0" err="1">
+                <a:latin typeface="Courier New" panose="02070309020205020404" pitchFamily="49" charset="0"/>
+                <a:cs typeface="Courier New" panose="02070309020205020404" pitchFamily="49" charset="0"/>
+              </a:rPr>
+              <a:t>message</a:t>
+            </a:r>
+            <a:r>
+              <a:rPr lang="it-IT" sz="2000" b="1" dirty="0">
+                <a:latin typeface="Courier New" panose="02070309020205020404" pitchFamily="49" charset="0"/>
+                <a:cs typeface="Courier New" panose="02070309020205020404" pitchFamily="49" charset="0"/>
+              </a:rPr>
+              <a:t>;</a:t>
+            </a:r>
+          </a:p>
+          <a:p>
+            <a:r>
+              <a:rPr lang="it-IT" dirty="0"/>
+              <a:t>l’operatore </a:t>
+            </a:r>
+            <a:r>
+              <a:rPr lang="it-IT" b="1" dirty="0"/>
+              <a:t>&gt;&gt;</a:t>
+            </a:r>
+            <a:r>
+              <a:rPr lang="it-IT" dirty="0"/>
+              <a:t> consente di </a:t>
+            </a:r>
+            <a:r>
+              <a:rPr lang="it-IT" b="1" i="1" dirty="0"/>
+              <a:t>estrarre</a:t>
+            </a:r>
+            <a:r>
+              <a:rPr lang="it-IT" dirty="0"/>
+              <a:t> un oggetto </a:t>
+            </a:r>
+            <a:r>
+              <a:rPr lang="it-IT" dirty="0" err="1"/>
+              <a:t>string</a:t>
+            </a:r>
+            <a:r>
+              <a:rPr lang="it-IT" dirty="0"/>
+              <a:t> da un </a:t>
+            </a:r>
+            <a:r>
+              <a:rPr lang="it-IT" b="1" i="1" dirty="0"/>
+              <a:t>input</a:t>
+            </a:r>
+            <a:r>
+              <a:rPr lang="it-IT" dirty="0"/>
+              <a:t> stream</a:t>
+            </a:r>
+          </a:p>
+          <a:p>
+            <a:r>
+              <a:rPr lang="it-IT" dirty="0"/>
+              <a:t>ignora eventuali caratteri di spaziatura iniziali, la lettura si ferma al primo carattere di </a:t>
+            </a:r>
+            <a:r>
+              <a:rPr lang="it-IT" b="1" i="1" dirty="0"/>
+              <a:t>spaziatura</a:t>
+            </a:r>
+          </a:p>
+          <a:p>
+            <a:r>
+              <a:rPr lang="it-IT" dirty="0"/>
+              <a:t>es:   </a:t>
+            </a:r>
+            <a:r>
+              <a:rPr lang="it-IT" sz="2000" b="1" dirty="0" err="1">
+                <a:latin typeface="Courier New" panose="02070309020205020404" pitchFamily="49" charset="0"/>
+                <a:cs typeface="Courier New" panose="02070309020205020404" pitchFamily="49" charset="0"/>
+              </a:rPr>
+              <a:t>string</a:t>
+            </a:r>
+            <a:r>
+              <a:rPr lang="it-IT" sz="2000" b="1" dirty="0">
+                <a:latin typeface="Courier New" panose="02070309020205020404" pitchFamily="49" charset="0"/>
+                <a:cs typeface="Courier New" panose="02070309020205020404" pitchFamily="49" charset="0"/>
+              </a:rPr>
+              <a:t> s1, s2;</a:t>
+            </a:r>
+          </a:p>
+          <a:p>
+            <a:r>
+              <a:rPr lang="it-IT" sz="2000" b="1" dirty="0">
+                <a:latin typeface="Courier New" panose="02070309020205020404" pitchFamily="49" charset="0"/>
+                <a:cs typeface="Courier New" panose="02070309020205020404" pitchFamily="49" charset="0"/>
+              </a:rPr>
+              <a:t>    cin &gt;&gt; s1 &gt;&gt; s2;</a:t>
+            </a:r>
+          </a:p>
+          <a:p>
+            <a:r>
+              <a:rPr lang="it-IT" dirty="0"/>
+              <a:t>lettura di un’</a:t>
+            </a:r>
+            <a:r>
+              <a:rPr lang="it-IT" b="1" i="1" dirty="0"/>
+              <a:t>intera linea </a:t>
+            </a:r>
+            <a:r>
+              <a:rPr lang="it-IT" dirty="0"/>
+              <a:t>di input con la funzione </a:t>
+            </a:r>
+            <a:br>
+              <a:rPr lang="it-IT" dirty="0"/>
+            </a:br>
+            <a:r>
+              <a:rPr lang="it-IT" sz="2000" b="1" dirty="0" err="1">
+                <a:latin typeface="Courier New" panose="02070309020205020404" pitchFamily="49" charset="0"/>
+                <a:cs typeface="Courier New" panose="02070309020205020404" pitchFamily="49" charset="0"/>
+              </a:rPr>
+              <a:t>getline</a:t>
+            </a:r>
+            <a:r>
+              <a:rPr lang="it-IT" sz="2000" b="1" dirty="0">
+                <a:latin typeface="Courier New" panose="02070309020205020404" pitchFamily="49" charset="0"/>
+                <a:cs typeface="Courier New" panose="02070309020205020404" pitchFamily="49" charset="0"/>
+              </a:rPr>
+              <a:t>(</a:t>
+            </a:r>
+            <a:r>
+              <a:rPr lang="it-IT" sz="2000" b="1" dirty="0" err="1">
+                <a:latin typeface="Courier New" panose="02070309020205020404" pitchFamily="49" charset="0"/>
+                <a:cs typeface="Courier New" panose="02070309020205020404" pitchFamily="49" charset="0"/>
+              </a:rPr>
+              <a:t>aStream</a:t>
+            </a:r>
+            <a:r>
+              <a:rPr lang="it-IT" sz="2000" b="1" dirty="0">
+                <a:latin typeface="Courier New" panose="02070309020205020404" pitchFamily="49" charset="0"/>
+                <a:cs typeface="Courier New" panose="02070309020205020404" pitchFamily="49" charset="0"/>
+              </a:rPr>
+              <a:t>, </a:t>
+            </a:r>
+            <a:r>
+              <a:rPr lang="it-IT" sz="2000" b="1" dirty="0" err="1">
+                <a:latin typeface="Courier New" panose="02070309020205020404" pitchFamily="49" charset="0"/>
+                <a:cs typeface="Courier New" panose="02070309020205020404" pitchFamily="49" charset="0"/>
+              </a:rPr>
+              <a:t>aString</a:t>
+            </a:r>
+            <a:r>
+              <a:rPr lang="it-IT" sz="2000" b="1" dirty="0">
+                <a:latin typeface="Courier New" panose="02070309020205020404" pitchFamily="49" charset="0"/>
+                <a:cs typeface="Courier New" panose="02070309020205020404" pitchFamily="49" charset="0"/>
+              </a:rPr>
+              <a:t>)</a:t>
+            </a:r>
+            <a:r>
+              <a:rPr lang="it-IT" dirty="0"/>
+              <a:t> definita nella libreria </a:t>
+            </a:r>
+            <a:r>
+              <a:rPr lang="it-IT" dirty="0" err="1"/>
+              <a:t>string</a:t>
+            </a:r>
+            <a:endParaRPr lang="it-IT" dirty="0"/>
+          </a:p>
+          <a:p>
+            <a:endParaRPr lang="it-IT" dirty="0"/>
+          </a:p>
+        </p:txBody>
+      </p:sp>
+      <p:sp>
+        <p:nvSpPr>
+          <p:cNvPr id="4" name="Segnaposto piè di pagina 3">
+            <a:extLst>
+              <a:ext uri="{FF2B5EF4-FFF2-40B4-BE49-F238E27FC236}">
+                <a16:creationId xmlns:a16="http://schemas.microsoft.com/office/drawing/2014/main" id="{E2A70C8E-AF51-4748-89DF-10365306E227}"/>
+              </a:ext>
+            </a:extLst>
+          </p:cNvPr>
+          <p:cNvSpPr>
+            <a:spLocks noGrp="1"/>
+          </p:cNvSpPr>
+          <p:nvPr>
+            <p:ph type="ftr" sz="quarter" idx="11"/>
+          </p:nvPr>
+        </p:nvSpPr>
+        <p:spPr/>
+        <p:txBody>
+          <a:bodyPr/>
+          <a:lstStyle/>
+          <a:p>
+            <a:pPr>
+              <a:defRPr/>
+            </a:pPr>
+            <a:r>
+              <a:rPr lang="it-IT"/>
+              <a:t>Alberto Ferrari – Programmazione di applicazioni SW</a:t>
+            </a:r>
+            <a:endParaRPr lang="it-IT" dirty="0"/>
+          </a:p>
+        </p:txBody>
+      </p:sp>
+    </p:spTree>
+    <p:extLst>
+      <p:ext uri="{BB962C8B-B14F-4D97-AF65-F5344CB8AC3E}">
+        <p14:creationId xmlns:p14="http://schemas.microsoft.com/office/powerpoint/2010/main" val="3763043185"/>
       </p:ext>
     </p:extLst>
   </p:cSld>

--- a/lezioni/PASW03c - C++ input output.pptx
+++ b/lezioni/PASW03c - C++ input output.pptx
@@ -5,7 +5,7 @@
     <p:sldMasterId id="2147483649" r:id="rId1"/>
   </p:sldMasterIdLst>
   <p:notesMasterIdLst>
-    <p:notesMasterId r:id="rId9"/>
+    <p:notesMasterId r:id="rId17"/>
   </p:notesMasterIdLst>
   <p:sldIdLst>
     <p:sldId id="258" r:id="rId2"/>
@@ -13,8 +13,16 @@
     <p:sldId id="264" r:id="rId4"/>
     <p:sldId id="263" r:id="rId5"/>
     <p:sldId id="259" r:id="rId6"/>
-    <p:sldId id="261" r:id="rId7"/>
-    <p:sldId id="265" r:id="rId8"/>
+    <p:sldId id="266" r:id="rId7"/>
+    <p:sldId id="261" r:id="rId8"/>
+    <p:sldId id="265" r:id="rId9"/>
+    <p:sldId id="267" r:id="rId10"/>
+    <p:sldId id="268" r:id="rId11"/>
+    <p:sldId id="269" r:id="rId12"/>
+    <p:sldId id="270" r:id="rId13"/>
+    <p:sldId id="271" r:id="rId14"/>
+    <p:sldId id="272" r:id="rId15"/>
+    <p:sldId id="273" r:id="rId16"/>
   </p:sldIdLst>
   <p:sldSz cx="12192000" cy="6858000"/>
   <p:notesSz cx="6858000" cy="9144000"/>
@@ -244,7 +252,7 @@
           <a:p>
             <a:fld id="{537EE30C-6FCC-4D68-889C-61DBBB4BBB87}" type="datetimeFigureOut">
               <a:rPr lang="it-IT" smtClean="0"/>
-              <a:t>10/03/2018</a:t>
+              <a:t>14/03/2018</a:t>
             </a:fld>
             <a:endParaRPr lang="it-IT"/>
           </a:p>
@@ -5100,6 +5108,2932 @@
 </p:sld>
 </file>
 
+<file path=ppt/slides/slide10.xml><?xml version="1.0" encoding="utf-8"?>
+<p:sld xmlns:a="http://schemas.openxmlformats.org/drawingml/2006/main" xmlns:r="http://schemas.openxmlformats.org/officeDocument/2006/relationships" xmlns:p="http://schemas.openxmlformats.org/presentationml/2006/main">
+  <p:cSld>
+    <p:spTree>
+      <p:nvGrpSpPr>
+        <p:cNvPr id="1" name=""/>
+        <p:cNvGrpSpPr/>
+        <p:nvPr/>
+      </p:nvGrpSpPr>
+      <p:grpSpPr>
+        <a:xfrm>
+          <a:off x="0" y="0"/>
+          <a:ext cx="0" cy="0"/>
+          <a:chOff x="0" y="0"/>
+          <a:chExt cx="0" cy="0"/>
+        </a:xfrm>
+      </p:grpSpPr>
+      <p:sp>
+        <p:nvSpPr>
+          <p:cNvPr id="5" name="Titolo 4">
+            <a:extLst>
+              <a:ext uri="{FF2B5EF4-FFF2-40B4-BE49-F238E27FC236}">
+                <a16:creationId xmlns:a16="http://schemas.microsoft.com/office/drawing/2014/main" id="{7724809A-0ED8-4AE8-BF29-D8AE498E2238}"/>
+              </a:ext>
+            </a:extLst>
+          </p:cNvPr>
+          <p:cNvSpPr>
+            <a:spLocks noGrp="1"/>
+          </p:cNvSpPr>
+          <p:nvPr>
+            <p:ph type="title"/>
+          </p:nvPr>
+        </p:nvSpPr>
+        <p:spPr/>
+        <p:txBody>
+          <a:bodyPr/>
+          <a:lstStyle/>
+          <a:p>
+            <a:r>
+              <a:rPr lang="it-IT" dirty="0"/>
+              <a:t>file</a:t>
+            </a:r>
+          </a:p>
+        </p:txBody>
+      </p:sp>
+      <p:sp>
+        <p:nvSpPr>
+          <p:cNvPr id="6" name="Segnaposto contenuto 5">
+            <a:extLst>
+              <a:ext uri="{FF2B5EF4-FFF2-40B4-BE49-F238E27FC236}">
+                <a16:creationId xmlns:a16="http://schemas.microsoft.com/office/drawing/2014/main" id="{8FB73084-CF27-498D-9C50-C26AF55B4914}"/>
+              </a:ext>
+            </a:extLst>
+          </p:cNvPr>
+          <p:cNvSpPr>
+            <a:spLocks noGrp="1"/>
+          </p:cNvSpPr>
+          <p:nvPr>
+            <p:ph idx="1"/>
+          </p:nvPr>
+        </p:nvSpPr>
+        <p:spPr/>
+        <p:txBody>
+          <a:bodyPr/>
+          <a:lstStyle/>
+          <a:p>
+            <a:r>
+              <a:rPr lang="it-IT" dirty="0"/>
+              <a:t>insieme di dati memorizzati su un supporto di memoria non volatile</a:t>
+            </a:r>
+          </a:p>
+          <a:p>
+            <a:r>
+              <a:rPr lang="it-IT" dirty="0"/>
+              <a:t>globale ai programmi</a:t>
+            </a:r>
+          </a:p>
+          <a:p>
+            <a:pPr lvl="1"/>
+            <a:r>
+              <a:rPr lang="it-IT" dirty="0"/>
+              <a:t>un file può essere scritto da un programma e letto da un programma diverso scritto anche in un altro linguaggio di programmazione</a:t>
+            </a:r>
+          </a:p>
+          <a:p>
+            <a:r>
+              <a:rPr lang="it-IT" dirty="0"/>
+              <a:t>la gestione concreta dei file è demandata al file system del sistema operativo</a:t>
+            </a:r>
+          </a:p>
+          <a:p>
+            <a:r>
+              <a:rPr lang="it-IT" dirty="0"/>
+              <a:t>il file system fornisce all’utente una versione astratta dell’organizzazione dei file</a:t>
+            </a:r>
+          </a:p>
+          <a:p>
+            <a:pPr lvl="1"/>
+            <a:r>
+              <a:rPr lang="it-IT" dirty="0"/>
+              <a:t>esistono diversi tipi di file system</a:t>
+            </a:r>
+          </a:p>
+          <a:p>
+            <a:pPr lvl="1"/>
+            <a:r>
+              <a:rPr lang="it-IT" dirty="0"/>
+              <a:t>tutti basati sul concetto di struttura gerarchica di cartelle (directory)</a:t>
+            </a:r>
+          </a:p>
+          <a:p>
+            <a:pPr lvl="2"/>
+            <a:r>
+              <a:rPr lang="it-IT" dirty="0"/>
+              <a:t>le cartelle vengono viste come file speciali</a:t>
+            </a:r>
+          </a:p>
+          <a:p>
+            <a:pPr lvl="1"/>
+            <a:endParaRPr lang="it-IT" dirty="0"/>
+          </a:p>
+        </p:txBody>
+      </p:sp>
+      <p:sp>
+        <p:nvSpPr>
+          <p:cNvPr id="4" name="Segnaposto piè di pagina 3">
+            <a:extLst>
+              <a:ext uri="{FF2B5EF4-FFF2-40B4-BE49-F238E27FC236}">
+                <a16:creationId xmlns:a16="http://schemas.microsoft.com/office/drawing/2014/main" id="{2064C1C5-7392-400F-A8B6-330FB23A52B9}"/>
+              </a:ext>
+            </a:extLst>
+          </p:cNvPr>
+          <p:cNvSpPr>
+            <a:spLocks noGrp="1"/>
+          </p:cNvSpPr>
+          <p:nvPr>
+            <p:ph type="ftr" sz="quarter" idx="11"/>
+          </p:nvPr>
+        </p:nvSpPr>
+        <p:spPr/>
+        <p:txBody>
+          <a:bodyPr/>
+          <a:lstStyle/>
+          <a:p>
+            <a:pPr>
+              <a:defRPr/>
+            </a:pPr>
+            <a:r>
+              <a:rPr lang="it-IT"/>
+              <a:t>Alberto Ferrari – Programmazione di applicazioni SW</a:t>
+            </a:r>
+            <a:endParaRPr lang="it-IT" dirty="0"/>
+          </a:p>
+        </p:txBody>
+      </p:sp>
+    </p:spTree>
+    <p:extLst>
+      <p:ext uri="{BB962C8B-B14F-4D97-AF65-F5344CB8AC3E}">
+        <p14:creationId xmlns:p14="http://schemas.microsoft.com/office/powerpoint/2010/main" val="3012324462"/>
+      </p:ext>
+    </p:extLst>
+  </p:cSld>
+  <p:clrMapOvr>
+    <a:masterClrMapping/>
+  </p:clrMapOvr>
+</p:sld>
+</file>
+
+<file path=ppt/slides/slide11.xml><?xml version="1.0" encoding="utf-8"?>
+<p:sld xmlns:a="http://schemas.openxmlformats.org/drawingml/2006/main" xmlns:r="http://schemas.openxmlformats.org/officeDocument/2006/relationships" xmlns:p="http://schemas.openxmlformats.org/presentationml/2006/main">
+  <p:cSld>
+    <p:spTree>
+      <p:nvGrpSpPr>
+        <p:cNvPr id="1" name=""/>
+        <p:cNvGrpSpPr/>
+        <p:nvPr/>
+      </p:nvGrpSpPr>
+      <p:grpSpPr>
+        <a:xfrm>
+          <a:off x="0" y="0"/>
+          <a:ext cx="0" cy="0"/>
+          <a:chOff x="0" y="0"/>
+          <a:chExt cx="0" cy="0"/>
+        </a:xfrm>
+      </p:grpSpPr>
+      <p:sp>
+        <p:nvSpPr>
+          <p:cNvPr id="2" name="Titolo 1">
+            <a:extLst>
+              <a:ext uri="{FF2B5EF4-FFF2-40B4-BE49-F238E27FC236}">
+                <a16:creationId xmlns:a16="http://schemas.microsoft.com/office/drawing/2014/main" id="{45C5A549-9103-4870-B99E-30EF3AD64722}"/>
+              </a:ext>
+            </a:extLst>
+          </p:cNvPr>
+          <p:cNvSpPr>
+            <a:spLocks noGrp="1"/>
+          </p:cNvSpPr>
+          <p:nvPr>
+            <p:ph type="title"/>
+          </p:nvPr>
+        </p:nvSpPr>
+        <p:spPr/>
+        <p:txBody>
+          <a:bodyPr/>
+          <a:lstStyle/>
+          <a:p>
+            <a:r>
+              <a:rPr lang="it-IT" dirty="0"/>
+              <a:t>operazioni sui file</a:t>
+            </a:r>
+          </a:p>
+        </p:txBody>
+      </p:sp>
+      <p:sp>
+        <p:nvSpPr>
+          <p:cNvPr id="3" name="Segnaposto contenuto 2">
+            <a:extLst>
+              <a:ext uri="{FF2B5EF4-FFF2-40B4-BE49-F238E27FC236}">
+                <a16:creationId xmlns:a16="http://schemas.microsoft.com/office/drawing/2014/main" id="{44CBBB54-DC1A-4B9B-BDA8-7CEB2FFEF488}"/>
+              </a:ext>
+            </a:extLst>
+          </p:cNvPr>
+          <p:cNvSpPr>
+            <a:spLocks noGrp="1"/>
+          </p:cNvSpPr>
+          <p:nvPr>
+            <p:ph idx="1"/>
+          </p:nvPr>
+        </p:nvSpPr>
+        <p:spPr/>
+        <p:txBody>
+          <a:bodyPr/>
+          <a:lstStyle/>
+          <a:p>
+            <a:r>
+              <a:rPr lang="it-IT" sz="1800" b="1" i="1" dirty="0"/>
+              <a:t>apertura</a:t>
+            </a:r>
+          </a:p>
+          <a:p>
+            <a:pPr lvl="1"/>
+            <a:r>
+              <a:rPr lang="it-IT" sz="1600" dirty="0"/>
+              <a:t>necessaria per le successive operazioni di lettura e scrittura</a:t>
+            </a:r>
+          </a:p>
+          <a:p>
+            <a:pPr lvl="1"/>
+            <a:r>
+              <a:rPr lang="it-IT" sz="1600" dirty="0"/>
+              <a:t>controllo dei diritti di accesso e meccanismi di gestione della concorrenza</a:t>
+            </a:r>
+          </a:p>
+          <a:p>
+            <a:pPr lvl="1"/>
+            <a:r>
+              <a:rPr lang="it-IT" sz="1600" dirty="0"/>
+              <a:t>viene creato un buffer in memoria per la gestione dei dati in transito tra il programma e il file</a:t>
+            </a:r>
+          </a:p>
+          <a:p>
+            <a:r>
+              <a:rPr lang="it-IT" sz="1800" b="1" i="1" dirty="0"/>
+              <a:t>chiusura</a:t>
+            </a:r>
+          </a:p>
+          <a:p>
+            <a:pPr lvl="1"/>
+            <a:r>
+              <a:rPr lang="it-IT" sz="1600" dirty="0"/>
+              <a:t>non verranno più effettuate operazioni di lettura e scrittura</a:t>
+            </a:r>
+          </a:p>
+          <a:p>
+            <a:pPr lvl="1"/>
+            <a:r>
+              <a:rPr lang="it-IT" sz="1600" dirty="0"/>
+              <a:t>rilascio del buffer</a:t>
+            </a:r>
+          </a:p>
+          <a:p>
+            <a:pPr lvl="1"/>
+            <a:r>
+              <a:rPr lang="it-IT" sz="1600" dirty="0"/>
+              <a:t>operazione necessaria per la gestione della concorrenza</a:t>
+            </a:r>
+          </a:p>
+          <a:p>
+            <a:r>
+              <a:rPr lang="it-IT" sz="1800" b="1" i="1" dirty="0"/>
+              <a:t>lettura</a:t>
+            </a:r>
+          </a:p>
+          <a:p>
+            <a:pPr lvl="1"/>
+            <a:r>
+              <a:rPr lang="it-IT" sz="1600" dirty="0"/>
+              <a:t>dati trasferiti dal file nel buffer</a:t>
+            </a:r>
+          </a:p>
+          <a:p>
+            <a:pPr lvl="1"/>
+            <a:r>
+              <a:rPr lang="it-IT" sz="1600" dirty="0"/>
+              <a:t>gestione dei dati da parte del programma</a:t>
+            </a:r>
+          </a:p>
+          <a:p>
+            <a:r>
+              <a:rPr lang="it-IT" sz="1800" b="1" i="1" dirty="0"/>
+              <a:t>scrittura</a:t>
+            </a:r>
+          </a:p>
+          <a:p>
+            <a:pPr lvl="1"/>
+            <a:r>
+              <a:rPr lang="it-IT" sz="1400" dirty="0"/>
+              <a:t>dati memorizzati nel buffer (temporaneamente)</a:t>
+            </a:r>
+          </a:p>
+          <a:p>
+            <a:pPr lvl="1"/>
+            <a:r>
+              <a:rPr lang="it-IT" sz="1400" dirty="0"/>
+              <a:t>file system gestisce la scrittura fisica sul file</a:t>
+            </a:r>
+          </a:p>
+        </p:txBody>
+      </p:sp>
+      <p:sp>
+        <p:nvSpPr>
+          <p:cNvPr id="4" name="Segnaposto piè di pagina 3">
+            <a:extLst>
+              <a:ext uri="{FF2B5EF4-FFF2-40B4-BE49-F238E27FC236}">
+                <a16:creationId xmlns:a16="http://schemas.microsoft.com/office/drawing/2014/main" id="{DEECCC3B-4ACA-4070-8C53-19368B7BB820}"/>
+              </a:ext>
+            </a:extLst>
+          </p:cNvPr>
+          <p:cNvSpPr>
+            <a:spLocks noGrp="1"/>
+          </p:cNvSpPr>
+          <p:nvPr>
+            <p:ph type="ftr" sz="quarter" idx="11"/>
+          </p:nvPr>
+        </p:nvSpPr>
+        <p:spPr/>
+        <p:txBody>
+          <a:bodyPr/>
+          <a:lstStyle/>
+          <a:p>
+            <a:pPr>
+              <a:defRPr/>
+            </a:pPr>
+            <a:r>
+              <a:rPr lang="it-IT"/>
+              <a:t>Alberto Ferrari – Programmazione di applicazioni SW</a:t>
+            </a:r>
+            <a:endParaRPr lang="it-IT" dirty="0"/>
+          </a:p>
+        </p:txBody>
+      </p:sp>
+    </p:spTree>
+    <p:extLst>
+      <p:ext uri="{BB962C8B-B14F-4D97-AF65-F5344CB8AC3E}">
+        <p14:creationId xmlns:p14="http://schemas.microsoft.com/office/powerpoint/2010/main" val="2383259776"/>
+      </p:ext>
+    </p:extLst>
+  </p:cSld>
+  <p:clrMapOvr>
+    <a:masterClrMapping/>
+  </p:clrMapOvr>
+</p:sld>
+</file>
+
+<file path=ppt/slides/slide12.xml><?xml version="1.0" encoding="utf-8"?>
+<p:sld xmlns:a="http://schemas.openxmlformats.org/drawingml/2006/main" xmlns:r="http://schemas.openxmlformats.org/officeDocument/2006/relationships" xmlns:p="http://schemas.openxmlformats.org/presentationml/2006/main">
+  <p:cSld>
+    <p:spTree>
+      <p:nvGrpSpPr>
+        <p:cNvPr id="1" name=""/>
+        <p:cNvGrpSpPr/>
+        <p:nvPr/>
+      </p:nvGrpSpPr>
+      <p:grpSpPr>
+        <a:xfrm>
+          <a:off x="0" y="0"/>
+          <a:ext cx="0" cy="0"/>
+          <a:chOff x="0" y="0"/>
+          <a:chExt cx="0" cy="0"/>
+        </a:xfrm>
+      </p:grpSpPr>
+      <p:sp>
+        <p:nvSpPr>
+          <p:cNvPr id="2" name="Titolo 1">
+            <a:extLst>
+              <a:ext uri="{FF2B5EF4-FFF2-40B4-BE49-F238E27FC236}">
+                <a16:creationId xmlns:a16="http://schemas.microsoft.com/office/drawing/2014/main" id="{C2AEEF4B-BC43-48E5-9EA6-3C0D33F7474B}"/>
+              </a:ext>
+            </a:extLst>
+          </p:cNvPr>
+          <p:cNvSpPr>
+            <a:spLocks noGrp="1"/>
+          </p:cNvSpPr>
+          <p:nvPr>
+            <p:ph type="title"/>
+          </p:nvPr>
+        </p:nvSpPr>
+        <p:spPr/>
+        <p:txBody>
+          <a:bodyPr/>
+          <a:lstStyle/>
+          <a:p>
+            <a:r>
+              <a:rPr lang="it-IT" dirty="0"/>
+              <a:t>file di testo in C++</a:t>
+            </a:r>
+          </a:p>
+        </p:txBody>
+      </p:sp>
+      <p:sp>
+        <p:nvSpPr>
+          <p:cNvPr id="3" name="Segnaposto contenuto 2">
+            <a:extLst>
+              <a:ext uri="{FF2B5EF4-FFF2-40B4-BE49-F238E27FC236}">
+                <a16:creationId xmlns:a16="http://schemas.microsoft.com/office/drawing/2014/main" id="{BE3530BF-5A2D-4BB9-B2C4-08B1BC5AC111}"/>
+              </a:ext>
+            </a:extLst>
+          </p:cNvPr>
+          <p:cNvSpPr>
+            <a:spLocks noGrp="1"/>
+          </p:cNvSpPr>
+          <p:nvPr>
+            <p:ph idx="1"/>
+          </p:nvPr>
+        </p:nvSpPr>
+        <p:spPr/>
+        <p:txBody>
+          <a:bodyPr/>
+          <a:lstStyle/>
+          <a:p>
+            <a:r>
+              <a:rPr lang="it-IT" b="1" i="1" dirty="0"/>
+              <a:t>file sequenziali</a:t>
+            </a:r>
+          </a:p>
+          <a:p>
+            <a:pPr lvl="1"/>
+            <a:r>
+              <a:rPr lang="it-IT" dirty="0"/>
+              <a:t>accesso ai dati nello stesso </a:t>
+            </a:r>
+            <a:r>
+              <a:rPr lang="it-IT" b="1" i="1" dirty="0"/>
+              <a:t>ordine</a:t>
+            </a:r>
+            <a:r>
+              <a:rPr lang="it-IT" dirty="0"/>
+              <a:t> in cui sono stati inseriti</a:t>
+            </a:r>
+          </a:p>
+          <a:p>
+            <a:r>
+              <a:rPr lang="it-IT" b="1" i="1" dirty="0" err="1"/>
+              <a:t>ofstream</a:t>
+            </a:r>
+            <a:r>
+              <a:rPr lang="it-IT" dirty="0"/>
+              <a:t> (</a:t>
+            </a:r>
+            <a:r>
+              <a:rPr lang="it-IT" i="1" dirty="0"/>
+              <a:t>output file stream</a:t>
+            </a:r>
+            <a:r>
+              <a:rPr lang="it-IT" dirty="0"/>
+              <a:t>)</a:t>
+            </a:r>
+          </a:p>
+          <a:p>
+            <a:pPr lvl="1"/>
+            <a:r>
+              <a:rPr lang="it-IT" b="1" i="1" dirty="0"/>
+              <a:t>output</a:t>
+            </a:r>
+            <a:r>
+              <a:rPr lang="it-IT" dirty="0"/>
+              <a:t> su memoria di massa</a:t>
+            </a:r>
+          </a:p>
+          <a:p>
+            <a:pPr lvl="1"/>
+            <a:r>
+              <a:rPr lang="it-IT" dirty="0"/>
+              <a:t>file con accesso in </a:t>
+            </a:r>
+            <a:r>
+              <a:rPr lang="it-IT" b="1" i="1" dirty="0"/>
+              <a:t>sola scrittura</a:t>
+            </a:r>
+          </a:p>
+          <a:p>
+            <a:r>
+              <a:rPr lang="it-IT" b="1" i="1" dirty="0" err="1"/>
+              <a:t>ifstream</a:t>
+            </a:r>
+            <a:r>
+              <a:rPr lang="it-IT" dirty="0"/>
+              <a:t> (</a:t>
+            </a:r>
+            <a:r>
+              <a:rPr lang="it-IT" i="1" dirty="0"/>
+              <a:t>input file stream</a:t>
+            </a:r>
+            <a:r>
+              <a:rPr lang="it-IT" dirty="0"/>
+              <a:t>)</a:t>
+            </a:r>
+          </a:p>
+          <a:p>
+            <a:pPr lvl="1"/>
+            <a:r>
+              <a:rPr lang="it-IT" b="1" i="1" dirty="0"/>
+              <a:t>input</a:t>
+            </a:r>
+            <a:r>
+              <a:rPr lang="it-IT" dirty="0"/>
+              <a:t> da memoria di massa</a:t>
+            </a:r>
+          </a:p>
+          <a:p>
+            <a:pPr lvl="1"/>
+            <a:r>
+              <a:rPr lang="it-IT" dirty="0"/>
+              <a:t>file con accesso in </a:t>
+            </a:r>
+            <a:r>
+              <a:rPr lang="it-IT" b="1" i="1" dirty="0"/>
+              <a:t>sola lettura</a:t>
+            </a:r>
+          </a:p>
+          <a:p>
+            <a:r>
+              <a:rPr lang="it-IT" b="1" i="1" dirty="0" err="1"/>
+              <a:t>fstream</a:t>
+            </a:r>
+            <a:r>
+              <a:rPr lang="it-IT" dirty="0"/>
+              <a:t> (</a:t>
+            </a:r>
+            <a:r>
+              <a:rPr lang="it-IT" i="1" dirty="0"/>
+              <a:t>file stream</a:t>
+            </a:r>
+            <a:r>
+              <a:rPr lang="it-IT" dirty="0"/>
+              <a:t>)</a:t>
+            </a:r>
+          </a:p>
+          <a:p>
+            <a:pPr lvl="1"/>
+            <a:r>
+              <a:rPr lang="it-IT" b="1" i="1" dirty="0"/>
+              <a:t>input e output </a:t>
+            </a:r>
+            <a:r>
+              <a:rPr lang="it-IT" dirty="0"/>
+              <a:t>su memoria di massa</a:t>
+            </a:r>
+          </a:p>
+          <a:p>
+            <a:pPr lvl="1"/>
+            <a:r>
+              <a:rPr lang="it-IT" dirty="0"/>
+              <a:t>file con accesso in </a:t>
+            </a:r>
+            <a:r>
+              <a:rPr lang="it-IT" b="1" i="1" dirty="0"/>
+              <a:t>lettura e/o in scrittura</a:t>
+            </a:r>
+          </a:p>
+        </p:txBody>
+      </p:sp>
+      <p:sp>
+        <p:nvSpPr>
+          <p:cNvPr id="4" name="Segnaposto piè di pagina 3">
+            <a:extLst>
+              <a:ext uri="{FF2B5EF4-FFF2-40B4-BE49-F238E27FC236}">
+                <a16:creationId xmlns:a16="http://schemas.microsoft.com/office/drawing/2014/main" id="{983166C0-0A30-4015-A637-A8A16F714A0B}"/>
+              </a:ext>
+            </a:extLst>
+          </p:cNvPr>
+          <p:cNvSpPr>
+            <a:spLocks noGrp="1"/>
+          </p:cNvSpPr>
+          <p:nvPr>
+            <p:ph type="ftr" sz="quarter" idx="11"/>
+          </p:nvPr>
+        </p:nvSpPr>
+        <p:spPr/>
+        <p:txBody>
+          <a:bodyPr/>
+          <a:lstStyle/>
+          <a:p>
+            <a:pPr>
+              <a:defRPr/>
+            </a:pPr>
+            <a:r>
+              <a:rPr lang="it-IT"/>
+              <a:t>Alberto Ferrari – Programmazione di applicazioni SW</a:t>
+            </a:r>
+            <a:endParaRPr lang="it-IT" dirty="0"/>
+          </a:p>
+        </p:txBody>
+      </p:sp>
+    </p:spTree>
+    <p:extLst>
+      <p:ext uri="{BB962C8B-B14F-4D97-AF65-F5344CB8AC3E}">
+        <p14:creationId xmlns:p14="http://schemas.microsoft.com/office/powerpoint/2010/main" val="964516059"/>
+      </p:ext>
+    </p:extLst>
+  </p:cSld>
+  <p:clrMapOvr>
+    <a:masterClrMapping/>
+  </p:clrMapOvr>
+</p:sld>
+</file>
+
+<file path=ppt/slides/slide13.xml><?xml version="1.0" encoding="utf-8"?>
+<p:sld xmlns:a="http://schemas.openxmlformats.org/drawingml/2006/main" xmlns:r="http://schemas.openxmlformats.org/officeDocument/2006/relationships" xmlns:p="http://schemas.openxmlformats.org/presentationml/2006/main">
+  <p:cSld>
+    <p:spTree>
+      <p:nvGrpSpPr>
+        <p:cNvPr id="1" name=""/>
+        <p:cNvGrpSpPr/>
+        <p:nvPr/>
+      </p:nvGrpSpPr>
+      <p:grpSpPr>
+        <a:xfrm>
+          <a:off x="0" y="0"/>
+          <a:ext cx="0" cy="0"/>
+          <a:chOff x="0" y="0"/>
+          <a:chExt cx="0" cy="0"/>
+        </a:xfrm>
+      </p:grpSpPr>
+      <p:sp>
+        <p:nvSpPr>
+          <p:cNvPr id="5" name="Titolo 4">
+            <a:extLst>
+              <a:ext uri="{FF2B5EF4-FFF2-40B4-BE49-F238E27FC236}">
+                <a16:creationId xmlns:a16="http://schemas.microsoft.com/office/drawing/2014/main" id="{150D066D-7AD0-4956-9C64-67421A710012}"/>
+              </a:ext>
+            </a:extLst>
+          </p:cNvPr>
+          <p:cNvSpPr>
+            <a:spLocks noGrp="1"/>
+          </p:cNvSpPr>
+          <p:nvPr>
+            <p:ph type="title"/>
+          </p:nvPr>
+        </p:nvSpPr>
+        <p:spPr/>
+        <p:txBody>
+          <a:bodyPr/>
+          <a:lstStyle/>
+          <a:p>
+            <a:r>
+              <a:rPr lang="it-IT" sz="2400" dirty="0"/>
+              <a:t>es. scrittura file di testo</a:t>
+            </a:r>
+          </a:p>
+        </p:txBody>
+      </p:sp>
+      <p:sp>
+        <p:nvSpPr>
+          <p:cNvPr id="6" name="Segnaposto contenuto 5">
+            <a:extLst>
+              <a:ext uri="{FF2B5EF4-FFF2-40B4-BE49-F238E27FC236}">
+                <a16:creationId xmlns:a16="http://schemas.microsoft.com/office/drawing/2014/main" id="{5CA66846-E614-47F3-A08E-48F40FE52E25}"/>
+              </a:ext>
+            </a:extLst>
+          </p:cNvPr>
+          <p:cNvSpPr>
+            <a:spLocks noGrp="1"/>
+          </p:cNvSpPr>
+          <p:nvPr>
+            <p:ph sz="half" idx="1"/>
+          </p:nvPr>
+        </p:nvSpPr>
+        <p:spPr/>
+        <p:txBody>
+          <a:bodyPr/>
+          <a:lstStyle/>
+          <a:p>
+            <a:pPr marL="0" indent="0">
+              <a:buNone/>
+            </a:pPr>
+            <a:r>
+              <a:rPr lang="it-IT" sz="1600" b="1" dirty="0">
+                <a:latin typeface="Courier New" panose="02070309020205020404" pitchFamily="49" charset="0"/>
+                <a:cs typeface="Courier New" panose="02070309020205020404" pitchFamily="49" charset="0"/>
+              </a:rPr>
+              <a:t>#include &lt;</a:t>
+            </a:r>
+            <a:r>
+              <a:rPr lang="it-IT" sz="1600" b="1" dirty="0" err="1">
+                <a:latin typeface="Courier New" panose="02070309020205020404" pitchFamily="49" charset="0"/>
+                <a:cs typeface="Courier New" panose="02070309020205020404" pitchFamily="49" charset="0"/>
+              </a:rPr>
+              <a:t>iostream</a:t>
+            </a:r>
+            <a:r>
+              <a:rPr lang="it-IT" sz="1600" b="1" dirty="0">
+                <a:latin typeface="Courier New" panose="02070309020205020404" pitchFamily="49" charset="0"/>
+                <a:cs typeface="Courier New" panose="02070309020205020404" pitchFamily="49" charset="0"/>
+              </a:rPr>
+              <a:t>&gt;</a:t>
+            </a:r>
+          </a:p>
+          <a:p>
+            <a:pPr marL="0" indent="0">
+              <a:buNone/>
+            </a:pPr>
+            <a:r>
+              <a:rPr lang="it-IT" sz="1600" b="1" dirty="0">
+                <a:latin typeface="Courier New" panose="02070309020205020404" pitchFamily="49" charset="0"/>
+                <a:cs typeface="Courier New" panose="02070309020205020404" pitchFamily="49" charset="0"/>
+              </a:rPr>
+              <a:t>#include &lt;</a:t>
+            </a:r>
+            <a:r>
+              <a:rPr lang="it-IT" sz="1600" b="1" dirty="0" err="1">
+                <a:latin typeface="Courier New" panose="02070309020205020404" pitchFamily="49" charset="0"/>
+                <a:cs typeface="Courier New" panose="02070309020205020404" pitchFamily="49" charset="0"/>
+              </a:rPr>
+              <a:t>fstream</a:t>
+            </a:r>
+            <a:r>
+              <a:rPr lang="it-IT" sz="1600" b="1" dirty="0">
+                <a:latin typeface="Courier New" panose="02070309020205020404" pitchFamily="49" charset="0"/>
+                <a:cs typeface="Courier New" panose="02070309020205020404" pitchFamily="49" charset="0"/>
+              </a:rPr>
+              <a:t>&gt;</a:t>
+            </a:r>
+          </a:p>
+          <a:p>
+            <a:pPr marL="0" indent="0">
+              <a:buNone/>
+            </a:pPr>
+            <a:endParaRPr lang="it-IT" sz="1600" b="1" dirty="0">
+              <a:latin typeface="Courier New" panose="02070309020205020404" pitchFamily="49" charset="0"/>
+              <a:cs typeface="Courier New" panose="02070309020205020404" pitchFamily="49" charset="0"/>
+            </a:endParaRPr>
+          </a:p>
+          <a:p>
+            <a:pPr marL="0" indent="0">
+              <a:buNone/>
+            </a:pPr>
+            <a:r>
+              <a:rPr lang="it-IT" sz="1600" b="1" dirty="0" err="1">
+                <a:latin typeface="Courier New" panose="02070309020205020404" pitchFamily="49" charset="0"/>
+                <a:cs typeface="Courier New" panose="02070309020205020404" pitchFamily="49" charset="0"/>
+              </a:rPr>
+              <a:t>int</a:t>
+            </a:r>
+            <a:r>
+              <a:rPr lang="it-IT" sz="1600" b="1" dirty="0">
+                <a:latin typeface="Courier New" panose="02070309020205020404" pitchFamily="49" charset="0"/>
+                <a:cs typeface="Courier New" panose="02070309020205020404" pitchFamily="49" charset="0"/>
+              </a:rPr>
+              <a:t> </a:t>
+            </a:r>
+            <a:r>
+              <a:rPr lang="it-IT" sz="1600" b="1" dirty="0" err="1">
+                <a:latin typeface="Courier New" panose="02070309020205020404" pitchFamily="49" charset="0"/>
+                <a:cs typeface="Courier New" panose="02070309020205020404" pitchFamily="49" charset="0"/>
+              </a:rPr>
+              <a:t>main</a:t>
+            </a:r>
+            <a:r>
+              <a:rPr lang="it-IT" sz="1600" b="1" dirty="0">
+                <a:latin typeface="Courier New" panose="02070309020205020404" pitchFamily="49" charset="0"/>
+                <a:cs typeface="Courier New" panose="02070309020205020404" pitchFamily="49" charset="0"/>
+              </a:rPr>
+              <a:t>() {</a:t>
+            </a:r>
+          </a:p>
+          <a:p>
+            <a:pPr marL="0" indent="0">
+              <a:buNone/>
+            </a:pPr>
+            <a:r>
+              <a:rPr lang="it-IT" sz="1600" b="1" dirty="0">
+                <a:latin typeface="Courier New" panose="02070309020205020404" pitchFamily="49" charset="0"/>
+                <a:cs typeface="Courier New" panose="02070309020205020404" pitchFamily="49" charset="0"/>
+              </a:rPr>
+              <a:t>   </a:t>
+            </a:r>
+            <a:r>
+              <a:rPr lang="it-IT" sz="1600" b="1" dirty="0" err="1">
+                <a:latin typeface="Courier New" panose="02070309020205020404" pitchFamily="49" charset="0"/>
+                <a:cs typeface="Courier New" panose="02070309020205020404" pitchFamily="49" charset="0"/>
+              </a:rPr>
+              <a:t>std</a:t>
+            </a:r>
+            <a:r>
+              <a:rPr lang="it-IT" sz="1600" b="1" dirty="0">
+                <a:latin typeface="Courier New" panose="02070309020205020404" pitchFamily="49" charset="0"/>
+                <a:cs typeface="Courier New" panose="02070309020205020404" pitchFamily="49" charset="0"/>
+              </a:rPr>
+              <a:t>::</a:t>
+            </a:r>
+            <a:r>
+              <a:rPr lang="it-IT" sz="1600" b="1" dirty="0" err="1">
+                <a:latin typeface="Courier New" panose="02070309020205020404" pitchFamily="49" charset="0"/>
+                <a:cs typeface="Courier New" panose="02070309020205020404" pitchFamily="49" charset="0"/>
+              </a:rPr>
+              <a:t>ofstream</a:t>
+            </a:r>
+            <a:r>
+              <a:rPr lang="it-IT" sz="1600" b="1" dirty="0">
+                <a:latin typeface="Courier New" panose="02070309020205020404" pitchFamily="49" charset="0"/>
+                <a:cs typeface="Courier New" panose="02070309020205020404" pitchFamily="49" charset="0"/>
+              </a:rPr>
+              <a:t> </a:t>
+            </a:r>
+            <a:r>
+              <a:rPr lang="it-IT" sz="1600" b="1" dirty="0" err="1">
+                <a:latin typeface="Courier New" panose="02070309020205020404" pitchFamily="49" charset="0"/>
+                <a:cs typeface="Courier New" panose="02070309020205020404" pitchFamily="49" charset="0"/>
+              </a:rPr>
+              <a:t>mioFile</a:t>
+            </a:r>
+            <a:r>
+              <a:rPr lang="it-IT" sz="1600" b="1" dirty="0">
+                <a:latin typeface="Courier New" panose="02070309020205020404" pitchFamily="49" charset="0"/>
+                <a:cs typeface="Courier New" panose="02070309020205020404" pitchFamily="49" charset="0"/>
+              </a:rPr>
+              <a:t>;	</a:t>
+            </a:r>
+          </a:p>
+          <a:p>
+            <a:pPr marL="0" indent="0">
+              <a:buNone/>
+            </a:pPr>
+            <a:r>
+              <a:rPr lang="it-IT" sz="1600" b="1" dirty="0">
+                <a:latin typeface="Courier New" panose="02070309020205020404" pitchFamily="49" charset="0"/>
+                <a:cs typeface="Courier New" panose="02070309020205020404" pitchFamily="49" charset="0"/>
+              </a:rPr>
+              <a:t>   </a:t>
+            </a:r>
+            <a:r>
+              <a:rPr lang="it-IT" sz="1600" b="1" dirty="0" err="1">
+                <a:latin typeface="Courier New" panose="02070309020205020404" pitchFamily="49" charset="0"/>
+                <a:cs typeface="Courier New" panose="02070309020205020404" pitchFamily="49" charset="0"/>
+              </a:rPr>
+              <a:t>mioFile.open</a:t>
+            </a:r>
+            <a:r>
+              <a:rPr lang="it-IT" sz="1600" b="1" dirty="0">
+                <a:latin typeface="Courier New" panose="02070309020205020404" pitchFamily="49" charset="0"/>
+                <a:cs typeface="Courier New" panose="02070309020205020404" pitchFamily="49" charset="0"/>
+              </a:rPr>
+              <a:t>("pasw03c02.txt");</a:t>
+            </a:r>
+          </a:p>
+          <a:p>
+            <a:pPr marL="0" indent="0">
+              <a:buNone/>
+            </a:pPr>
+            <a:r>
+              <a:rPr lang="it-IT" sz="1600" b="1" dirty="0">
+                <a:latin typeface="Courier New" panose="02070309020205020404" pitchFamily="49" charset="0"/>
+                <a:cs typeface="Courier New" panose="02070309020205020404" pitchFamily="49" charset="0"/>
+              </a:rPr>
+              <a:t>   </a:t>
+            </a:r>
+            <a:r>
+              <a:rPr lang="it-IT" sz="1600" b="1" dirty="0" err="1">
+                <a:latin typeface="Courier New" panose="02070309020205020404" pitchFamily="49" charset="0"/>
+                <a:cs typeface="Courier New" panose="02070309020205020404" pitchFamily="49" charset="0"/>
+              </a:rPr>
+              <a:t>mioFile</a:t>
+            </a:r>
+            <a:r>
+              <a:rPr lang="it-IT" sz="1600" b="1" dirty="0">
+                <a:latin typeface="Courier New" panose="02070309020205020404" pitchFamily="49" charset="0"/>
+                <a:cs typeface="Courier New" panose="02070309020205020404" pitchFamily="49" charset="0"/>
+              </a:rPr>
+              <a:t> &lt;&lt; "first line" &lt;&lt; </a:t>
+            </a:r>
+            <a:r>
+              <a:rPr lang="it-IT" sz="1600" b="1" dirty="0" err="1">
+                <a:latin typeface="Courier New" panose="02070309020205020404" pitchFamily="49" charset="0"/>
+                <a:cs typeface="Courier New" panose="02070309020205020404" pitchFamily="49" charset="0"/>
+              </a:rPr>
+              <a:t>std</a:t>
+            </a:r>
+            <a:r>
+              <a:rPr lang="it-IT" sz="1600" b="1" dirty="0">
+                <a:latin typeface="Courier New" panose="02070309020205020404" pitchFamily="49" charset="0"/>
+                <a:cs typeface="Courier New" panose="02070309020205020404" pitchFamily="49" charset="0"/>
+              </a:rPr>
+              <a:t>::</a:t>
+            </a:r>
+            <a:r>
+              <a:rPr lang="it-IT" sz="1600" b="1" dirty="0" err="1">
+                <a:latin typeface="Courier New" panose="02070309020205020404" pitchFamily="49" charset="0"/>
+                <a:cs typeface="Courier New" panose="02070309020205020404" pitchFamily="49" charset="0"/>
+              </a:rPr>
+              <a:t>endl</a:t>
+            </a:r>
+            <a:r>
+              <a:rPr lang="it-IT" sz="1600" b="1" dirty="0">
+                <a:latin typeface="Courier New" panose="02070309020205020404" pitchFamily="49" charset="0"/>
+                <a:cs typeface="Courier New" panose="02070309020205020404" pitchFamily="49" charset="0"/>
+              </a:rPr>
+              <a:t>;</a:t>
+            </a:r>
+          </a:p>
+          <a:p>
+            <a:pPr marL="0" indent="0">
+              <a:buNone/>
+            </a:pPr>
+            <a:r>
+              <a:rPr lang="it-IT" sz="1600" b="1" dirty="0">
+                <a:latin typeface="Courier New" panose="02070309020205020404" pitchFamily="49" charset="0"/>
+                <a:cs typeface="Courier New" panose="02070309020205020404" pitchFamily="49" charset="0"/>
+              </a:rPr>
+              <a:t>   </a:t>
+            </a:r>
+            <a:r>
+              <a:rPr lang="it-IT" sz="1600" b="1" dirty="0" err="1">
+                <a:latin typeface="Courier New" panose="02070309020205020404" pitchFamily="49" charset="0"/>
+                <a:cs typeface="Courier New" panose="02070309020205020404" pitchFamily="49" charset="0"/>
+              </a:rPr>
+              <a:t>mioFile</a:t>
+            </a:r>
+            <a:r>
+              <a:rPr lang="it-IT" sz="1600" b="1" dirty="0">
+                <a:latin typeface="Courier New" panose="02070309020205020404" pitchFamily="49" charset="0"/>
+                <a:cs typeface="Courier New" panose="02070309020205020404" pitchFamily="49" charset="0"/>
+              </a:rPr>
+              <a:t> &lt;&lt; "second line" &lt;&lt; </a:t>
+            </a:r>
+            <a:r>
+              <a:rPr lang="it-IT" sz="1600" b="1" dirty="0" err="1">
+                <a:latin typeface="Courier New" panose="02070309020205020404" pitchFamily="49" charset="0"/>
+                <a:cs typeface="Courier New" panose="02070309020205020404" pitchFamily="49" charset="0"/>
+              </a:rPr>
+              <a:t>std</a:t>
+            </a:r>
+            <a:r>
+              <a:rPr lang="it-IT" sz="1600" b="1" dirty="0">
+                <a:latin typeface="Courier New" panose="02070309020205020404" pitchFamily="49" charset="0"/>
+                <a:cs typeface="Courier New" panose="02070309020205020404" pitchFamily="49" charset="0"/>
+              </a:rPr>
+              <a:t>::</a:t>
+            </a:r>
+            <a:r>
+              <a:rPr lang="it-IT" sz="1600" b="1" dirty="0" err="1">
+                <a:latin typeface="Courier New" panose="02070309020205020404" pitchFamily="49" charset="0"/>
+                <a:cs typeface="Courier New" panose="02070309020205020404" pitchFamily="49" charset="0"/>
+              </a:rPr>
+              <a:t>endl</a:t>
+            </a:r>
+            <a:r>
+              <a:rPr lang="it-IT" sz="1600" b="1" dirty="0">
+                <a:latin typeface="Courier New" panose="02070309020205020404" pitchFamily="49" charset="0"/>
+                <a:cs typeface="Courier New" panose="02070309020205020404" pitchFamily="49" charset="0"/>
+              </a:rPr>
+              <a:t>;</a:t>
+            </a:r>
+          </a:p>
+          <a:p>
+            <a:pPr marL="0" indent="0">
+              <a:buNone/>
+            </a:pPr>
+            <a:r>
+              <a:rPr lang="it-IT" sz="1600" b="1" dirty="0">
+                <a:latin typeface="Courier New" panose="02070309020205020404" pitchFamily="49" charset="0"/>
+                <a:cs typeface="Courier New" panose="02070309020205020404" pitchFamily="49" charset="0"/>
+              </a:rPr>
+              <a:t>   </a:t>
+            </a:r>
+            <a:r>
+              <a:rPr lang="it-IT" sz="1600" b="1" dirty="0" err="1">
+                <a:latin typeface="Courier New" panose="02070309020205020404" pitchFamily="49" charset="0"/>
+                <a:cs typeface="Courier New" panose="02070309020205020404" pitchFamily="49" charset="0"/>
+              </a:rPr>
+              <a:t>mioFile.close</a:t>
+            </a:r>
+            <a:r>
+              <a:rPr lang="it-IT" sz="1600" b="1" dirty="0">
+                <a:latin typeface="Courier New" panose="02070309020205020404" pitchFamily="49" charset="0"/>
+                <a:cs typeface="Courier New" panose="02070309020205020404" pitchFamily="49" charset="0"/>
+              </a:rPr>
+              <a:t>();		</a:t>
+            </a:r>
+          </a:p>
+          <a:p>
+            <a:pPr marL="0" indent="0">
+              <a:buNone/>
+            </a:pPr>
+            <a:r>
+              <a:rPr lang="it-IT" sz="1600" b="1" dirty="0">
+                <a:latin typeface="Courier New" panose="02070309020205020404" pitchFamily="49" charset="0"/>
+                <a:cs typeface="Courier New" panose="02070309020205020404" pitchFamily="49" charset="0"/>
+              </a:rPr>
+              <a:t>   </a:t>
+            </a:r>
+            <a:r>
+              <a:rPr lang="it-IT" sz="1600" b="1" dirty="0" err="1">
+                <a:latin typeface="Courier New" panose="02070309020205020404" pitchFamily="49" charset="0"/>
+                <a:cs typeface="Courier New" panose="02070309020205020404" pitchFamily="49" charset="0"/>
+              </a:rPr>
+              <a:t>return</a:t>
+            </a:r>
+            <a:r>
+              <a:rPr lang="it-IT" sz="1600" b="1" dirty="0">
+                <a:latin typeface="Courier New" panose="02070309020205020404" pitchFamily="49" charset="0"/>
+                <a:cs typeface="Courier New" panose="02070309020205020404" pitchFamily="49" charset="0"/>
+              </a:rPr>
+              <a:t> 0;</a:t>
+            </a:r>
+          </a:p>
+          <a:p>
+            <a:pPr marL="0" indent="0">
+              <a:buNone/>
+            </a:pPr>
+            <a:r>
+              <a:rPr lang="it-IT" sz="1600" b="1" dirty="0">
+                <a:latin typeface="Courier New" panose="02070309020205020404" pitchFamily="49" charset="0"/>
+                <a:cs typeface="Courier New" panose="02070309020205020404" pitchFamily="49" charset="0"/>
+              </a:rPr>
+              <a:t>}</a:t>
+            </a:r>
+          </a:p>
+        </p:txBody>
+      </p:sp>
+      <p:sp>
+        <p:nvSpPr>
+          <p:cNvPr id="7" name="Segnaposto contenuto 6">
+            <a:extLst>
+              <a:ext uri="{FF2B5EF4-FFF2-40B4-BE49-F238E27FC236}">
+                <a16:creationId xmlns:a16="http://schemas.microsoft.com/office/drawing/2014/main" id="{178F0DC3-05FA-4F8B-9F61-32BA7C702C2D}"/>
+              </a:ext>
+            </a:extLst>
+          </p:cNvPr>
+          <p:cNvSpPr>
+            <a:spLocks noGrp="1"/>
+          </p:cNvSpPr>
+          <p:nvPr>
+            <p:ph sz="half" idx="2"/>
+          </p:nvPr>
+        </p:nvSpPr>
+        <p:spPr/>
+        <p:txBody>
+          <a:bodyPr/>
+          <a:lstStyle/>
+          <a:p>
+            <a:r>
+              <a:rPr lang="it-IT" sz="2000" dirty="0"/>
+              <a:t>miofile (oggetto </a:t>
+            </a:r>
+            <a:r>
+              <a:rPr lang="it-IT" sz="2000" b="1" i="1" dirty="0" err="1"/>
+              <a:t>ofstream</a:t>
+            </a:r>
+            <a:r>
+              <a:rPr lang="it-IT" sz="2000" dirty="0"/>
+              <a:t>) è il </a:t>
+            </a:r>
+            <a:r>
+              <a:rPr lang="it-IT" sz="2000" b="1" i="1" dirty="0"/>
+              <a:t>nome logico</a:t>
+            </a:r>
+            <a:r>
+              <a:rPr lang="it-IT" sz="2000" dirty="0"/>
+              <a:t> del file</a:t>
+            </a:r>
+          </a:p>
+          <a:p>
+            <a:pPr lvl="1"/>
+            <a:r>
+              <a:rPr lang="it-IT" sz="1800" dirty="0"/>
+              <a:t>nome che lo identifica all’interno del programma</a:t>
+            </a:r>
+          </a:p>
+          <a:p>
+            <a:r>
+              <a:rPr lang="it-IT" sz="2000" b="1" i="1" dirty="0"/>
+              <a:t>open</a:t>
+            </a:r>
+            <a:r>
+              <a:rPr lang="it-IT" sz="2000" dirty="0"/>
+              <a:t> (</a:t>
+            </a:r>
+            <a:r>
+              <a:rPr lang="it-IT" sz="2000" b="1" i="1" dirty="0"/>
+              <a:t>apertura</a:t>
+            </a:r>
+            <a:r>
+              <a:rPr lang="it-IT" sz="2000" dirty="0"/>
+              <a:t> del file e collegamento fra il nome logico e il nome fisico</a:t>
+            </a:r>
+          </a:p>
+          <a:p>
+            <a:pPr lvl="1"/>
+            <a:r>
+              <a:rPr lang="it-IT" sz="1600" dirty="0"/>
+              <a:t>per </a:t>
+            </a:r>
+            <a:r>
+              <a:rPr lang="it-IT" sz="1600" dirty="0" err="1"/>
+              <a:t>ofstream</a:t>
+            </a:r>
+            <a:r>
+              <a:rPr lang="it-IT" sz="1600" dirty="0"/>
+              <a:t> il file viene in ogni caso </a:t>
+            </a:r>
+            <a:r>
+              <a:rPr lang="it-IT" sz="1600" b="1" i="1" dirty="0"/>
+              <a:t>creato</a:t>
+            </a:r>
+            <a:r>
+              <a:rPr lang="it-IT" sz="1600" dirty="0"/>
+              <a:t> e </a:t>
+            </a:r>
+            <a:r>
+              <a:rPr lang="it-IT" sz="1600" b="1" i="1" dirty="0"/>
+              <a:t>riscritto</a:t>
+            </a:r>
+            <a:r>
+              <a:rPr lang="it-IT" sz="1600" dirty="0"/>
+              <a:t> anche se già presente</a:t>
+            </a:r>
+          </a:p>
+          <a:p>
+            <a:r>
+              <a:rPr lang="it-IT" sz="2000" dirty="0"/>
+              <a:t>pasw03c02.txt è il </a:t>
+            </a:r>
+            <a:r>
+              <a:rPr lang="it-IT" sz="2000" b="1" i="1" dirty="0"/>
+              <a:t>nome fisico </a:t>
+            </a:r>
+            <a:r>
+              <a:rPr lang="it-IT" sz="2000" dirty="0"/>
+              <a:t>(nome del file su disco (</a:t>
+            </a:r>
+            <a:r>
+              <a:rPr lang="it-IT" sz="2000" b="1" i="1" dirty="0" err="1"/>
+              <a:t>pathname</a:t>
+            </a:r>
+            <a:r>
+              <a:rPr lang="it-IT" sz="2000" dirty="0"/>
+              <a:t>)</a:t>
+            </a:r>
+          </a:p>
+          <a:p>
+            <a:r>
+              <a:rPr lang="it-IT" sz="2000" b="1" i="1" dirty="0"/>
+              <a:t>&lt;&lt;</a:t>
+            </a:r>
+            <a:r>
+              <a:rPr lang="it-IT" sz="2000" dirty="0"/>
+              <a:t> inserimento in stream (</a:t>
+            </a:r>
+            <a:r>
+              <a:rPr lang="it-IT" sz="2000" b="1" i="1" dirty="0"/>
+              <a:t>scrittura</a:t>
+            </a:r>
+            <a:r>
+              <a:rPr lang="it-IT" sz="2000" dirty="0"/>
+              <a:t>)</a:t>
+            </a:r>
+          </a:p>
+          <a:p>
+            <a:r>
+              <a:rPr lang="it-IT" sz="2000" b="1" i="1" dirty="0" err="1"/>
+              <a:t>close</a:t>
+            </a:r>
+            <a:r>
+              <a:rPr lang="it-IT" sz="2000" dirty="0"/>
+              <a:t> (chiusura)</a:t>
+            </a:r>
+          </a:p>
+          <a:p>
+            <a:pPr lvl="1"/>
+            <a:r>
+              <a:rPr lang="it-IT" sz="1600" dirty="0"/>
+              <a:t>viene eliminato il buffer ed effettuata la scrittura fisica</a:t>
+            </a:r>
+          </a:p>
+          <a:p>
+            <a:endParaRPr lang="it-IT" sz="2000" dirty="0"/>
+          </a:p>
+          <a:p>
+            <a:endParaRPr lang="it-IT" sz="2000" dirty="0"/>
+          </a:p>
+        </p:txBody>
+      </p:sp>
+      <p:sp>
+        <p:nvSpPr>
+          <p:cNvPr id="4" name="Segnaposto piè di pagina 3">
+            <a:extLst>
+              <a:ext uri="{FF2B5EF4-FFF2-40B4-BE49-F238E27FC236}">
+                <a16:creationId xmlns:a16="http://schemas.microsoft.com/office/drawing/2014/main" id="{F0AD45BF-95EE-470A-AD3A-40070868D35F}"/>
+              </a:ext>
+            </a:extLst>
+          </p:cNvPr>
+          <p:cNvSpPr>
+            <a:spLocks noGrp="1"/>
+          </p:cNvSpPr>
+          <p:nvPr>
+            <p:ph type="ftr" sz="quarter" idx="11"/>
+          </p:nvPr>
+        </p:nvSpPr>
+        <p:spPr/>
+        <p:txBody>
+          <a:bodyPr/>
+          <a:lstStyle/>
+          <a:p>
+            <a:pPr>
+              <a:defRPr/>
+            </a:pPr>
+            <a:r>
+              <a:rPr lang="it-IT"/>
+              <a:t>Alberto Ferrari – Programmazione di applicazioni SW</a:t>
+            </a:r>
+            <a:endParaRPr lang="it-IT" dirty="0"/>
+          </a:p>
+        </p:txBody>
+      </p:sp>
+    </p:spTree>
+    <p:extLst>
+      <p:ext uri="{BB962C8B-B14F-4D97-AF65-F5344CB8AC3E}">
+        <p14:creationId xmlns:p14="http://schemas.microsoft.com/office/powerpoint/2010/main" val="3224380423"/>
+      </p:ext>
+    </p:extLst>
+  </p:cSld>
+  <p:clrMapOvr>
+    <a:masterClrMapping/>
+  </p:clrMapOvr>
+</p:sld>
+</file>
+
+<file path=ppt/slides/slide14.xml><?xml version="1.0" encoding="utf-8"?>
+<p:sld xmlns:a="http://schemas.openxmlformats.org/drawingml/2006/main" xmlns:r="http://schemas.openxmlformats.org/officeDocument/2006/relationships" xmlns:p="http://schemas.openxmlformats.org/presentationml/2006/main">
+  <p:cSld>
+    <p:spTree>
+      <p:nvGrpSpPr>
+        <p:cNvPr id="1" name=""/>
+        <p:cNvGrpSpPr/>
+        <p:nvPr/>
+      </p:nvGrpSpPr>
+      <p:grpSpPr>
+        <a:xfrm>
+          <a:off x="0" y="0"/>
+          <a:ext cx="0" cy="0"/>
+          <a:chOff x="0" y="0"/>
+          <a:chExt cx="0" cy="0"/>
+        </a:xfrm>
+      </p:grpSpPr>
+      <p:sp>
+        <p:nvSpPr>
+          <p:cNvPr id="2" name="Titolo 1">
+            <a:extLst>
+              <a:ext uri="{FF2B5EF4-FFF2-40B4-BE49-F238E27FC236}">
+                <a16:creationId xmlns:a16="http://schemas.microsoft.com/office/drawing/2014/main" id="{297B3B15-F07C-4EAF-967B-D6D7B565C7FF}"/>
+              </a:ext>
+            </a:extLst>
+          </p:cNvPr>
+          <p:cNvSpPr>
+            <a:spLocks noGrp="1"/>
+          </p:cNvSpPr>
+          <p:nvPr>
+            <p:ph type="title"/>
+          </p:nvPr>
+        </p:nvSpPr>
+        <p:spPr/>
+        <p:txBody>
+          <a:bodyPr/>
+          <a:lstStyle/>
+          <a:p>
+            <a:r>
+              <a:rPr lang="it-IT" sz="2400" dirty="0"/>
+              <a:t>es. lettura di stringhe da file di testo</a:t>
+            </a:r>
+          </a:p>
+        </p:txBody>
+      </p:sp>
+      <p:sp>
+        <p:nvSpPr>
+          <p:cNvPr id="3" name="Segnaposto contenuto 2">
+            <a:extLst>
+              <a:ext uri="{FF2B5EF4-FFF2-40B4-BE49-F238E27FC236}">
+                <a16:creationId xmlns:a16="http://schemas.microsoft.com/office/drawing/2014/main" id="{56330E9F-B9A6-43AC-9B41-2978893517AD}"/>
+              </a:ext>
+            </a:extLst>
+          </p:cNvPr>
+          <p:cNvSpPr>
+            <a:spLocks noGrp="1"/>
+          </p:cNvSpPr>
+          <p:nvPr>
+            <p:ph sz="half" idx="1"/>
+          </p:nvPr>
+        </p:nvSpPr>
+        <p:spPr/>
+        <p:txBody>
+          <a:bodyPr/>
+          <a:lstStyle/>
+          <a:p>
+            <a:pPr marL="0" indent="0">
+              <a:buNone/>
+            </a:pPr>
+            <a:r>
+              <a:rPr lang="it-IT" sz="1400" b="1" dirty="0">
+                <a:latin typeface="Courier New" panose="02070309020205020404" pitchFamily="49" charset="0"/>
+                <a:cs typeface="Courier New" panose="02070309020205020404" pitchFamily="49" charset="0"/>
+              </a:rPr>
+              <a:t>#include &lt;</a:t>
+            </a:r>
+            <a:r>
+              <a:rPr lang="it-IT" sz="1400" b="1" dirty="0" err="1">
+                <a:latin typeface="Courier New" panose="02070309020205020404" pitchFamily="49" charset="0"/>
+                <a:cs typeface="Courier New" panose="02070309020205020404" pitchFamily="49" charset="0"/>
+              </a:rPr>
+              <a:t>iostream</a:t>
+            </a:r>
+            <a:r>
+              <a:rPr lang="it-IT" sz="1400" b="1" dirty="0">
+                <a:latin typeface="Courier New" panose="02070309020205020404" pitchFamily="49" charset="0"/>
+                <a:cs typeface="Courier New" panose="02070309020205020404" pitchFamily="49" charset="0"/>
+              </a:rPr>
+              <a:t>&gt;</a:t>
+            </a:r>
+          </a:p>
+          <a:p>
+            <a:pPr marL="0" indent="0">
+              <a:buNone/>
+            </a:pPr>
+            <a:r>
+              <a:rPr lang="it-IT" sz="1400" b="1" dirty="0">
+                <a:latin typeface="Courier New" panose="02070309020205020404" pitchFamily="49" charset="0"/>
+                <a:cs typeface="Courier New" panose="02070309020205020404" pitchFamily="49" charset="0"/>
+              </a:rPr>
+              <a:t>#include &lt;</a:t>
+            </a:r>
+            <a:r>
+              <a:rPr lang="it-IT" sz="1400" b="1" dirty="0" err="1">
+                <a:latin typeface="Courier New" panose="02070309020205020404" pitchFamily="49" charset="0"/>
+                <a:cs typeface="Courier New" panose="02070309020205020404" pitchFamily="49" charset="0"/>
+              </a:rPr>
+              <a:t>fstream</a:t>
+            </a:r>
+            <a:r>
+              <a:rPr lang="it-IT" sz="1400" b="1" dirty="0">
+                <a:latin typeface="Courier New" panose="02070309020205020404" pitchFamily="49" charset="0"/>
+                <a:cs typeface="Courier New" panose="02070309020205020404" pitchFamily="49" charset="0"/>
+              </a:rPr>
+              <a:t>&gt;</a:t>
+            </a:r>
+          </a:p>
+          <a:p>
+            <a:pPr marL="0" indent="0">
+              <a:buNone/>
+            </a:pPr>
+            <a:r>
+              <a:rPr lang="it-IT" sz="1400" b="1" dirty="0">
+                <a:latin typeface="Courier New" panose="02070309020205020404" pitchFamily="49" charset="0"/>
+                <a:cs typeface="Courier New" panose="02070309020205020404" pitchFamily="49" charset="0"/>
+              </a:rPr>
+              <a:t>#include &lt;</a:t>
+            </a:r>
+            <a:r>
+              <a:rPr lang="it-IT" sz="1400" b="1" dirty="0" err="1">
+                <a:latin typeface="Courier New" panose="02070309020205020404" pitchFamily="49" charset="0"/>
+                <a:cs typeface="Courier New" panose="02070309020205020404" pitchFamily="49" charset="0"/>
+              </a:rPr>
+              <a:t>string</a:t>
+            </a:r>
+            <a:r>
+              <a:rPr lang="it-IT" sz="1400" b="1" dirty="0">
+                <a:latin typeface="Courier New" panose="02070309020205020404" pitchFamily="49" charset="0"/>
+                <a:cs typeface="Courier New" panose="02070309020205020404" pitchFamily="49" charset="0"/>
+              </a:rPr>
+              <a:t>&gt;</a:t>
+            </a:r>
+          </a:p>
+          <a:p>
+            <a:pPr marL="0" indent="0">
+              <a:buNone/>
+            </a:pPr>
+            <a:r>
+              <a:rPr lang="it-IT" sz="1400" b="1" dirty="0" err="1">
+                <a:latin typeface="Courier New" panose="02070309020205020404" pitchFamily="49" charset="0"/>
+                <a:cs typeface="Courier New" panose="02070309020205020404" pitchFamily="49" charset="0"/>
+              </a:rPr>
+              <a:t>using</a:t>
+            </a:r>
+            <a:r>
+              <a:rPr lang="it-IT" sz="1400" b="1" dirty="0">
+                <a:latin typeface="Courier New" panose="02070309020205020404" pitchFamily="49" charset="0"/>
+                <a:cs typeface="Courier New" panose="02070309020205020404" pitchFamily="49" charset="0"/>
+              </a:rPr>
+              <a:t> </a:t>
+            </a:r>
+            <a:r>
+              <a:rPr lang="it-IT" sz="1400" b="1" dirty="0" err="1">
+                <a:latin typeface="Courier New" panose="02070309020205020404" pitchFamily="49" charset="0"/>
+                <a:cs typeface="Courier New" panose="02070309020205020404" pitchFamily="49" charset="0"/>
+              </a:rPr>
+              <a:t>namespace</a:t>
+            </a:r>
+            <a:r>
+              <a:rPr lang="it-IT" sz="1400" b="1" dirty="0">
+                <a:latin typeface="Courier New" panose="02070309020205020404" pitchFamily="49" charset="0"/>
+                <a:cs typeface="Courier New" panose="02070309020205020404" pitchFamily="49" charset="0"/>
+              </a:rPr>
+              <a:t> </a:t>
+            </a:r>
+            <a:r>
+              <a:rPr lang="it-IT" sz="1400" b="1" dirty="0" err="1">
+                <a:latin typeface="Courier New" panose="02070309020205020404" pitchFamily="49" charset="0"/>
+                <a:cs typeface="Courier New" panose="02070309020205020404" pitchFamily="49" charset="0"/>
+              </a:rPr>
+              <a:t>std</a:t>
+            </a:r>
+            <a:r>
+              <a:rPr lang="it-IT" sz="1400" b="1" dirty="0">
+                <a:latin typeface="Courier New" panose="02070309020205020404" pitchFamily="49" charset="0"/>
+                <a:cs typeface="Courier New" panose="02070309020205020404" pitchFamily="49" charset="0"/>
+              </a:rPr>
+              <a:t>;</a:t>
+            </a:r>
+          </a:p>
+          <a:p>
+            <a:pPr marL="0" indent="0">
+              <a:buNone/>
+            </a:pPr>
+            <a:r>
+              <a:rPr lang="it-IT" sz="1400" b="1" dirty="0" err="1">
+                <a:latin typeface="Courier New" panose="02070309020205020404" pitchFamily="49" charset="0"/>
+                <a:cs typeface="Courier New" panose="02070309020205020404" pitchFamily="49" charset="0"/>
+              </a:rPr>
+              <a:t>int</a:t>
+            </a:r>
+            <a:r>
+              <a:rPr lang="it-IT" sz="1400" b="1" dirty="0">
+                <a:latin typeface="Courier New" panose="02070309020205020404" pitchFamily="49" charset="0"/>
+                <a:cs typeface="Courier New" panose="02070309020205020404" pitchFamily="49" charset="0"/>
+              </a:rPr>
+              <a:t> </a:t>
+            </a:r>
+            <a:r>
+              <a:rPr lang="it-IT" sz="1400" b="1" dirty="0" err="1">
+                <a:latin typeface="Courier New" panose="02070309020205020404" pitchFamily="49" charset="0"/>
+                <a:cs typeface="Courier New" panose="02070309020205020404" pitchFamily="49" charset="0"/>
+              </a:rPr>
+              <a:t>main</a:t>
+            </a:r>
+            <a:r>
+              <a:rPr lang="it-IT" sz="1400" b="1" dirty="0">
+                <a:latin typeface="Courier New" panose="02070309020205020404" pitchFamily="49" charset="0"/>
+                <a:cs typeface="Courier New" panose="02070309020205020404" pitchFamily="49" charset="0"/>
+              </a:rPr>
+              <a:t>() {</a:t>
+            </a:r>
+          </a:p>
+          <a:p>
+            <a:pPr marL="0" indent="0">
+              <a:buNone/>
+            </a:pPr>
+            <a:r>
+              <a:rPr lang="it-IT" sz="1400" b="1" dirty="0">
+                <a:latin typeface="Courier New" panose="02070309020205020404" pitchFamily="49" charset="0"/>
+                <a:cs typeface="Courier New" panose="02070309020205020404" pitchFamily="49" charset="0"/>
+              </a:rPr>
+              <a:t>   </a:t>
+            </a:r>
+            <a:r>
+              <a:rPr lang="it-IT" sz="1400" b="1" dirty="0" err="1">
+                <a:latin typeface="Courier New" panose="02070309020205020404" pitchFamily="49" charset="0"/>
+                <a:cs typeface="Courier New" panose="02070309020205020404" pitchFamily="49" charset="0"/>
+              </a:rPr>
+              <a:t>string</a:t>
+            </a:r>
+            <a:r>
+              <a:rPr lang="it-IT" sz="1400" b="1" dirty="0">
+                <a:latin typeface="Courier New" panose="02070309020205020404" pitchFamily="49" charset="0"/>
+                <a:cs typeface="Courier New" panose="02070309020205020404" pitchFamily="49" charset="0"/>
+              </a:rPr>
+              <a:t> s;</a:t>
+            </a:r>
+          </a:p>
+          <a:p>
+            <a:pPr marL="0" indent="0">
+              <a:buNone/>
+            </a:pPr>
+            <a:r>
+              <a:rPr lang="it-IT" sz="1400" b="1" dirty="0">
+                <a:latin typeface="Courier New" panose="02070309020205020404" pitchFamily="49" charset="0"/>
+                <a:cs typeface="Courier New" panose="02070309020205020404" pitchFamily="49" charset="0"/>
+              </a:rPr>
+              <a:t>   </a:t>
+            </a:r>
+            <a:r>
+              <a:rPr lang="it-IT" sz="1400" b="1" dirty="0" err="1">
+                <a:solidFill>
+                  <a:srgbClr val="FF0000"/>
+                </a:solidFill>
+                <a:latin typeface="Courier New" panose="02070309020205020404" pitchFamily="49" charset="0"/>
+                <a:cs typeface="Courier New" panose="02070309020205020404" pitchFamily="49" charset="0"/>
+              </a:rPr>
+              <a:t>ifstream</a:t>
+            </a:r>
+            <a:r>
+              <a:rPr lang="it-IT" sz="1400" b="1" dirty="0">
+                <a:latin typeface="Courier New" panose="02070309020205020404" pitchFamily="49" charset="0"/>
+                <a:cs typeface="Courier New" panose="02070309020205020404" pitchFamily="49" charset="0"/>
+              </a:rPr>
+              <a:t> </a:t>
+            </a:r>
+            <a:r>
+              <a:rPr lang="it-IT" sz="1400" b="1" dirty="0" err="1">
+                <a:latin typeface="Courier New" panose="02070309020205020404" pitchFamily="49" charset="0"/>
+                <a:cs typeface="Courier New" panose="02070309020205020404" pitchFamily="49" charset="0"/>
+              </a:rPr>
+              <a:t>mioFile</a:t>
+            </a:r>
+            <a:r>
+              <a:rPr lang="it-IT" sz="1400" b="1" dirty="0">
+                <a:latin typeface="Courier New" panose="02070309020205020404" pitchFamily="49" charset="0"/>
+                <a:cs typeface="Courier New" panose="02070309020205020404" pitchFamily="49" charset="0"/>
+              </a:rPr>
+              <a:t>;	</a:t>
+            </a:r>
+          </a:p>
+          <a:p>
+            <a:pPr marL="0" indent="0">
+              <a:buNone/>
+            </a:pPr>
+            <a:r>
+              <a:rPr lang="it-IT" sz="1400" b="1" dirty="0">
+                <a:latin typeface="Courier New" panose="02070309020205020404" pitchFamily="49" charset="0"/>
+                <a:cs typeface="Courier New" panose="02070309020205020404" pitchFamily="49" charset="0"/>
+              </a:rPr>
+              <a:t>   </a:t>
+            </a:r>
+            <a:r>
+              <a:rPr lang="it-IT" sz="1400" b="1" dirty="0" err="1">
+                <a:latin typeface="Courier New" panose="02070309020205020404" pitchFamily="49" charset="0"/>
+                <a:cs typeface="Courier New" panose="02070309020205020404" pitchFamily="49" charset="0"/>
+              </a:rPr>
+              <a:t>mioFile.</a:t>
+            </a:r>
+            <a:r>
+              <a:rPr lang="it-IT" sz="1400" b="1" dirty="0" err="1">
+                <a:solidFill>
+                  <a:srgbClr val="FF0000"/>
+                </a:solidFill>
+                <a:latin typeface="Courier New" panose="02070309020205020404" pitchFamily="49" charset="0"/>
+                <a:cs typeface="Courier New" panose="02070309020205020404" pitchFamily="49" charset="0"/>
+              </a:rPr>
+              <a:t>open</a:t>
+            </a:r>
+            <a:r>
+              <a:rPr lang="it-IT" sz="1400" b="1" dirty="0">
+                <a:latin typeface="Courier New" panose="02070309020205020404" pitchFamily="49" charset="0"/>
+                <a:cs typeface="Courier New" panose="02070309020205020404" pitchFamily="49" charset="0"/>
+              </a:rPr>
+              <a:t>("pasw03c02.txt");</a:t>
+            </a:r>
+          </a:p>
+          <a:p>
+            <a:pPr marL="0" indent="0">
+              <a:buNone/>
+            </a:pPr>
+            <a:r>
+              <a:rPr lang="it-IT" sz="1400" b="1" dirty="0">
+                <a:latin typeface="Courier New" panose="02070309020205020404" pitchFamily="49" charset="0"/>
+                <a:cs typeface="Courier New" panose="02070309020205020404" pitchFamily="49" charset="0"/>
+              </a:rPr>
+              <a:t>   </a:t>
+            </a:r>
+            <a:r>
+              <a:rPr lang="it-IT" sz="1400" b="1" dirty="0" err="1">
+                <a:latin typeface="Courier New" panose="02070309020205020404" pitchFamily="49" charset="0"/>
+                <a:cs typeface="Courier New" panose="02070309020205020404" pitchFamily="49" charset="0"/>
+              </a:rPr>
+              <a:t>if</a:t>
+            </a:r>
+            <a:r>
+              <a:rPr lang="it-IT" sz="1400" b="1" dirty="0">
+                <a:latin typeface="Courier New" panose="02070309020205020404" pitchFamily="49" charset="0"/>
+                <a:cs typeface="Courier New" panose="02070309020205020404" pitchFamily="49" charset="0"/>
+              </a:rPr>
+              <a:t> (</a:t>
+            </a:r>
+            <a:r>
+              <a:rPr lang="it-IT" sz="1400" b="1" dirty="0" err="1">
+                <a:latin typeface="Courier New" panose="02070309020205020404" pitchFamily="49" charset="0"/>
+                <a:cs typeface="Courier New" panose="02070309020205020404" pitchFamily="49" charset="0"/>
+              </a:rPr>
+              <a:t>mioFile.</a:t>
+            </a:r>
+            <a:r>
+              <a:rPr lang="it-IT" sz="1400" b="1" dirty="0" err="1">
+                <a:solidFill>
+                  <a:srgbClr val="FF0000"/>
+                </a:solidFill>
+                <a:latin typeface="Courier New" panose="02070309020205020404" pitchFamily="49" charset="0"/>
+                <a:cs typeface="Courier New" panose="02070309020205020404" pitchFamily="49" charset="0"/>
+              </a:rPr>
+              <a:t>fail</a:t>
+            </a:r>
+            <a:r>
+              <a:rPr lang="it-IT" sz="1400" b="1" dirty="0">
+                <a:latin typeface="Courier New" panose="02070309020205020404" pitchFamily="49" charset="0"/>
+                <a:cs typeface="Courier New" panose="02070309020205020404" pitchFamily="49" charset="0"/>
+              </a:rPr>
+              <a:t>()) {</a:t>
+            </a:r>
+          </a:p>
+          <a:p>
+            <a:pPr marL="0" indent="0">
+              <a:buNone/>
+            </a:pPr>
+            <a:r>
+              <a:rPr lang="it-IT" sz="1400" b="1" dirty="0">
+                <a:latin typeface="Courier New" panose="02070309020205020404" pitchFamily="49" charset="0"/>
+                <a:cs typeface="Courier New" panose="02070309020205020404" pitchFamily="49" charset="0"/>
+              </a:rPr>
+              <a:t>     </a:t>
+            </a:r>
+            <a:r>
+              <a:rPr lang="it-IT" sz="1400" b="1" dirty="0" err="1">
+                <a:latin typeface="Courier New" panose="02070309020205020404" pitchFamily="49" charset="0"/>
+                <a:cs typeface="Courier New" panose="02070309020205020404" pitchFamily="49" charset="0"/>
+              </a:rPr>
+              <a:t>cout</a:t>
+            </a:r>
+            <a:r>
+              <a:rPr lang="it-IT" sz="1400" b="1" dirty="0">
+                <a:latin typeface="Courier New" panose="02070309020205020404" pitchFamily="49" charset="0"/>
+                <a:cs typeface="Courier New" panose="02070309020205020404" pitchFamily="49" charset="0"/>
+              </a:rPr>
+              <a:t> &lt;&lt; "errore file" &lt;&lt; </a:t>
+            </a:r>
+            <a:r>
+              <a:rPr lang="it-IT" sz="1400" b="1" dirty="0" err="1">
+                <a:latin typeface="Courier New" panose="02070309020205020404" pitchFamily="49" charset="0"/>
+                <a:cs typeface="Courier New" panose="02070309020205020404" pitchFamily="49" charset="0"/>
+              </a:rPr>
+              <a:t>endl</a:t>
+            </a:r>
+            <a:r>
+              <a:rPr lang="it-IT" sz="1400" b="1" dirty="0">
+                <a:latin typeface="Courier New" panose="02070309020205020404" pitchFamily="49" charset="0"/>
+                <a:cs typeface="Courier New" panose="02070309020205020404" pitchFamily="49" charset="0"/>
+              </a:rPr>
+              <a:t>;  </a:t>
+            </a:r>
+            <a:r>
+              <a:rPr lang="it-IT" sz="1400" b="1" dirty="0" err="1">
+                <a:latin typeface="Courier New" panose="02070309020205020404" pitchFamily="49" charset="0"/>
+                <a:cs typeface="Courier New" panose="02070309020205020404" pitchFamily="49" charset="0"/>
+              </a:rPr>
+              <a:t>return</a:t>
+            </a:r>
+            <a:r>
+              <a:rPr lang="it-IT" sz="1400" b="1" dirty="0">
+                <a:latin typeface="Courier New" panose="02070309020205020404" pitchFamily="49" charset="0"/>
+                <a:cs typeface="Courier New" panose="02070309020205020404" pitchFamily="49" charset="0"/>
+              </a:rPr>
+              <a:t> 1;</a:t>
+            </a:r>
+          </a:p>
+          <a:p>
+            <a:pPr marL="0" indent="0">
+              <a:buNone/>
+            </a:pPr>
+            <a:r>
+              <a:rPr lang="it-IT" sz="1400" b="1" dirty="0">
+                <a:latin typeface="Courier New" panose="02070309020205020404" pitchFamily="49" charset="0"/>
+                <a:cs typeface="Courier New" panose="02070309020205020404" pitchFamily="49" charset="0"/>
+              </a:rPr>
+              <a:t>   }</a:t>
+            </a:r>
+          </a:p>
+          <a:p>
+            <a:pPr marL="0" indent="0">
+              <a:buNone/>
+            </a:pPr>
+            <a:r>
+              <a:rPr lang="it-IT" sz="1400" b="1" dirty="0">
+                <a:latin typeface="Courier New" panose="02070309020205020404" pitchFamily="49" charset="0"/>
+                <a:cs typeface="Courier New" panose="02070309020205020404" pitchFamily="49" charset="0"/>
+              </a:rPr>
+              <a:t>   </a:t>
+            </a:r>
+            <a:r>
+              <a:rPr lang="it-IT" sz="1400" b="1" dirty="0" err="1">
+                <a:latin typeface="Courier New" panose="02070309020205020404" pitchFamily="49" charset="0"/>
+                <a:cs typeface="Courier New" panose="02070309020205020404" pitchFamily="49" charset="0"/>
+              </a:rPr>
+              <a:t>mioFile</a:t>
+            </a:r>
+            <a:r>
+              <a:rPr lang="it-IT" sz="1400" b="1" dirty="0">
+                <a:latin typeface="Courier New" panose="02070309020205020404" pitchFamily="49" charset="0"/>
+                <a:cs typeface="Courier New" panose="02070309020205020404" pitchFamily="49" charset="0"/>
+              </a:rPr>
+              <a:t> &gt;&gt; s;</a:t>
+            </a:r>
+          </a:p>
+          <a:p>
+            <a:pPr marL="0" indent="0">
+              <a:buNone/>
+            </a:pPr>
+            <a:r>
+              <a:rPr lang="it-IT" sz="1400" b="1" dirty="0">
+                <a:latin typeface="Courier New" panose="02070309020205020404" pitchFamily="49" charset="0"/>
+                <a:cs typeface="Courier New" panose="02070309020205020404" pitchFamily="49" charset="0"/>
+              </a:rPr>
+              <a:t>   </a:t>
+            </a:r>
+            <a:r>
+              <a:rPr lang="it-IT" sz="1400" b="1" dirty="0" err="1">
+                <a:latin typeface="Courier New" panose="02070309020205020404" pitchFamily="49" charset="0"/>
+                <a:cs typeface="Courier New" panose="02070309020205020404" pitchFamily="49" charset="0"/>
+              </a:rPr>
+              <a:t>while</a:t>
+            </a:r>
+            <a:r>
+              <a:rPr lang="it-IT" sz="1400" b="1" dirty="0">
+                <a:latin typeface="Courier New" panose="02070309020205020404" pitchFamily="49" charset="0"/>
+                <a:cs typeface="Courier New" panose="02070309020205020404" pitchFamily="49" charset="0"/>
+              </a:rPr>
+              <a:t>(!</a:t>
+            </a:r>
+            <a:r>
+              <a:rPr lang="it-IT" sz="1400" b="1" dirty="0" err="1">
+                <a:latin typeface="Courier New" panose="02070309020205020404" pitchFamily="49" charset="0"/>
+                <a:cs typeface="Courier New" panose="02070309020205020404" pitchFamily="49" charset="0"/>
+              </a:rPr>
+              <a:t>mioFile.</a:t>
+            </a:r>
+            <a:r>
+              <a:rPr lang="it-IT" sz="1400" b="1" dirty="0" err="1">
+                <a:solidFill>
+                  <a:srgbClr val="FF0000"/>
+                </a:solidFill>
+                <a:latin typeface="Courier New" panose="02070309020205020404" pitchFamily="49" charset="0"/>
+                <a:cs typeface="Courier New" panose="02070309020205020404" pitchFamily="49" charset="0"/>
+              </a:rPr>
+              <a:t>eof</a:t>
+            </a:r>
+            <a:r>
+              <a:rPr lang="it-IT" sz="1400" b="1" dirty="0">
+                <a:latin typeface="Courier New" panose="02070309020205020404" pitchFamily="49" charset="0"/>
+                <a:cs typeface="Courier New" panose="02070309020205020404" pitchFamily="49" charset="0"/>
+              </a:rPr>
+              <a:t>()) {</a:t>
+            </a:r>
+          </a:p>
+          <a:p>
+            <a:pPr marL="0" indent="0">
+              <a:buNone/>
+            </a:pPr>
+            <a:r>
+              <a:rPr lang="it-IT" sz="1400" b="1" dirty="0">
+                <a:latin typeface="Courier New" panose="02070309020205020404" pitchFamily="49" charset="0"/>
+                <a:cs typeface="Courier New" panose="02070309020205020404" pitchFamily="49" charset="0"/>
+              </a:rPr>
+              <a:t>     </a:t>
+            </a:r>
+            <a:r>
+              <a:rPr lang="it-IT" sz="1400" b="1" dirty="0" err="1">
+                <a:latin typeface="Courier New" panose="02070309020205020404" pitchFamily="49" charset="0"/>
+                <a:cs typeface="Courier New" panose="02070309020205020404" pitchFamily="49" charset="0"/>
+              </a:rPr>
+              <a:t>cout</a:t>
+            </a:r>
+            <a:r>
+              <a:rPr lang="it-IT" sz="1400" b="1" dirty="0">
+                <a:latin typeface="Courier New" panose="02070309020205020404" pitchFamily="49" charset="0"/>
+                <a:cs typeface="Courier New" panose="02070309020205020404" pitchFamily="49" charset="0"/>
+              </a:rPr>
+              <a:t> &lt;&lt; s &lt;&lt; </a:t>
+            </a:r>
+            <a:r>
+              <a:rPr lang="it-IT" sz="1400" b="1" dirty="0" err="1">
+                <a:latin typeface="Courier New" panose="02070309020205020404" pitchFamily="49" charset="0"/>
+                <a:cs typeface="Courier New" panose="02070309020205020404" pitchFamily="49" charset="0"/>
+              </a:rPr>
+              <a:t>endl</a:t>
+            </a:r>
+            <a:r>
+              <a:rPr lang="it-IT" sz="1400" b="1" dirty="0">
+                <a:latin typeface="Courier New" panose="02070309020205020404" pitchFamily="49" charset="0"/>
+                <a:cs typeface="Courier New" panose="02070309020205020404" pitchFamily="49" charset="0"/>
+              </a:rPr>
+              <a:t>;</a:t>
+            </a:r>
+          </a:p>
+          <a:p>
+            <a:pPr marL="0" indent="0">
+              <a:buNone/>
+            </a:pPr>
+            <a:r>
+              <a:rPr lang="it-IT" sz="1400" b="1" dirty="0">
+                <a:latin typeface="Courier New" panose="02070309020205020404" pitchFamily="49" charset="0"/>
+                <a:cs typeface="Courier New" panose="02070309020205020404" pitchFamily="49" charset="0"/>
+              </a:rPr>
+              <a:t>     </a:t>
+            </a:r>
+            <a:r>
+              <a:rPr lang="it-IT" sz="1400" b="1" dirty="0" err="1">
+                <a:latin typeface="Courier New" panose="02070309020205020404" pitchFamily="49" charset="0"/>
+                <a:cs typeface="Courier New" panose="02070309020205020404" pitchFamily="49" charset="0"/>
+              </a:rPr>
+              <a:t>mioFile</a:t>
+            </a:r>
+            <a:r>
+              <a:rPr lang="it-IT" sz="1400" b="1" dirty="0">
+                <a:latin typeface="Courier New" panose="02070309020205020404" pitchFamily="49" charset="0"/>
+                <a:cs typeface="Courier New" panose="02070309020205020404" pitchFamily="49" charset="0"/>
+              </a:rPr>
+              <a:t> &gt;&gt; s;</a:t>
+            </a:r>
+          </a:p>
+          <a:p>
+            <a:pPr marL="0" indent="0">
+              <a:buNone/>
+            </a:pPr>
+            <a:r>
+              <a:rPr lang="it-IT" sz="1400" b="1" dirty="0">
+                <a:latin typeface="Courier New" panose="02070309020205020404" pitchFamily="49" charset="0"/>
+                <a:cs typeface="Courier New" panose="02070309020205020404" pitchFamily="49" charset="0"/>
+              </a:rPr>
+              <a:t>   }</a:t>
+            </a:r>
+          </a:p>
+          <a:p>
+            <a:pPr marL="0" indent="0">
+              <a:buNone/>
+            </a:pPr>
+            <a:r>
+              <a:rPr lang="it-IT" sz="1400" b="1" dirty="0">
+                <a:latin typeface="Courier New" panose="02070309020205020404" pitchFamily="49" charset="0"/>
+                <a:cs typeface="Courier New" panose="02070309020205020404" pitchFamily="49" charset="0"/>
+              </a:rPr>
+              <a:t>   </a:t>
+            </a:r>
+            <a:r>
+              <a:rPr lang="it-IT" sz="1400" b="1" dirty="0" err="1">
+                <a:latin typeface="Courier New" panose="02070309020205020404" pitchFamily="49" charset="0"/>
+                <a:cs typeface="Courier New" panose="02070309020205020404" pitchFamily="49" charset="0"/>
+              </a:rPr>
+              <a:t>mioFile.close</a:t>
+            </a:r>
+            <a:r>
+              <a:rPr lang="it-IT" sz="1400" b="1" dirty="0">
+                <a:latin typeface="Courier New" panose="02070309020205020404" pitchFamily="49" charset="0"/>
+                <a:cs typeface="Courier New" panose="02070309020205020404" pitchFamily="49" charset="0"/>
+              </a:rPr>
+              <a:t>();</a:t>
+            </a:r>
+          </a:p>
+          <a:p>
+            <a:pPr marL="0" indent="0">
+              <a:buNone/>
+            </a:pPr>
+            <a:r>
+              <a:rPr lang="it-IT" sz="1400" b="1" dirty="0">
+                <a:latin typeface="Courier New" panose="02070309020205020404" pitchFamily="49" charset="0"/>
+                <a:cs typeface="Courier New" panose="02070309020205020404" pitchFamily="49" charset="0"/>
+              </a:rPr>
+              <a:t>   </a:t>
+            </a:r>
+            <a:r>
+              <a:rPr lang="it-IT" sz="1400" b="1" dirty="0" err="1">
+                <a:latin typeface="Courier New" panose="02070309020205020404" pitchFamily="49" charset="0"/>
+                <a:cs typeface="Courier New" panose="02070309020205020404" pitchFamily="49" charset="0"/>
+              </a:rPr>
+              <a:t>return</a:t>
+            </a:r>
+            <a:r>
+              <a:rPr lang="it-IT" sz="1400" b="1" dirty="0">
+                <a:latin typeface="Courier New" panose="02070309020205020404" pitchFamily="49" charset="0"/>
+                <a:cs typeface="Courier New" panose="02070309020205020404" pitchFamily="49" charset="0"/>
+              </a:rPr>
+              <a:t> 0;</a:t>
+            </a:r>
+          </a:p>
+          <a:p>
+            <a:pPr marL="0" indent="0">
+              <a:buNone/>
+            </a:pPr>
+            <a:r>
+              <a:rPr lang="it-IT" sz="1400" b="1" dirty="0">
+                <a:latin typeface="Courier New" panose="02070309020205020404" pitchFamily="49" charset="0"/>
+                <a:cs typeface="Courier New" panose="02070309020205020404" pitchFamily="49" charset="0"/>
+              </a:rPr>
+              <a:t>}</a:t>
+            </a:r>
+          </a:p>
+        </p:txBody>
+      </p:sp>
+      <p:sp>
+        <p:nvSpPr>
+          <p:cNvPr id="4" name="Segnaposto contenuto 3">
+            <a:extLst>
+              <a:ext uri="{FF2B5EF4-FFF2-40B4-BE49-F238E27FC236}">
+                <a16:creationId xmlns:a16="http://schemas.microsoft.com/office/drawing/2014/main" id="{96A38C42-313B-4315-821E-D25C2D162524}"/>
+              </a:ext>
+            </a:extLst>
+          </p:cNvPr>
+          <p:cNvSpPr>
+            <a:spLocks noGrp="1"/>
+          </p:cNvSpPr>
+          <p:nvPr>
+            <p:ph sz="half" idx="2"/>
+          </p:nvPr>
+        </p:nvSpPr>
+        <p:spPr/>
+        <p:txBody>
+          <a:bodyPr/>
+          <a:lstStyle/>
+          <a:p>
+            <a:r>
+              <a:rPr lang="it-IT" sz="2000" b="1" i="1" dirty="0" err="1"/>
+              <a:t>ifstream</a:t>
+            </a:r>
+            <a:r>
+              <a:rPr lang="it-IT" sz="2000" dirty="0"/>
+              <a:t> (input file stream)</a:t>
+            </a:r>
+          </a:p>
+          <a:p>
+            <a:r>
+              <a:rPr lang="it-IT" sz="2000" b="1" i="1" dirty="0"/>
+              <a:t>open</a:t>
+            </a:r>
+            <a:r>
+              <a:rPr lang="it-IT" sz="2000" dirty="0"/>
+              <a:t> apertura e associazione </a:t>
+            </a:r>
+            <a:r>
+              <a:rPr lang="it-IT" sz="2000" b="1" i="1" dirty="0"/>
+              <a:t>nome logico - nome fisico</a:t>
+            </a:r>
+          </a:p>
+          <a:p>
+            <a:r>
+              <a:rPr lang="it-IT" sz="2000" dirty="0"/>
+              <a:t>il file deve esistere (non viene creato) </a:t>
+            </a:r>
+            <a:r>
+              <a:rPr lang="it-IT" sz="2000" b="1" i="1" dirty="0" err="1"/>
+              <a:t>fail</a:t>
+            </a:r>
+            <a:r>
+              <a:rPr lang="it-IT" sz="2000" dirty="0"/>
+              <a:t> verifica se l’apertura ha avuto successo</a:t>
+            </a:r>
+          </a:p>
+          <a:p>
+            <a:r>
+              <a:rPr lang="it-IT" sz="2000" b="1" dirty="0"/>
+              <a:t>&gt;&gt;</a:t>
+            </a:r>
+            <a:r>
+              <a:rPr lang="it-IT" sz="2000" dirty="0"/>
+              <a:t> estrazione (</a:t>
+            </a:r>
+            <a:r>
+              <a:rPr lang="it-IT" sz="2000" i="1" dirty="0"/>
+              <a:t>stringa</a:t>
+            </a:r>
+            <a:r>
+              <a:rPr lang="it-IT" sz="2000" dirty="0"/>
+              <a:t>) dallo stream</a:t>
+            </a:r>
+          </a:p>
+          <a:p>
+            <a:pPr lvl="1"/>
+            <a:r>
+              <a:rPr lang="it-IT" sz="1600" dirty="0"/>
+              <a:t>il separatore può essere </a:t>
+            </a:r>
+            <a:r>
+              <a:rPr lang="it-IT" sz="1600" b="1" i="1" dirty="0"/>
+              <a:t>spazio</a:t>
+            </a:r>
+            <a:r>
+              <a:rPr lang="it-IT" sz="1600" dirty="0"/>
+              <a:t> o </a:t>
+            </a:r>
+            <a:r>
+              <a:rPr lang="it-IT" sz="1600" b="1" i="1" dirty="0" err="1"/>
+              <a:t>endline</a:t>
+            </a:r>
+            <a:endParaRPr lang="it-IT" sz="1600" b="1" i="1" dirty="0"/>
+          </a:p>
+          <a:p>
+            <a:r>
+              <a:rPr lang="it-IT" sz="2400" dirty="0"/>
+              <a:t>l’operazione di lettura può rivelare che il file è terminato</a:t>
+            </a:r>
+          </a:p>
+          <a:p>
+            <a:r>
+              <a:rPr lang="it-IT" sz="2000" b="1" i="1" dirty="0" err="1"/>
+              <a:t>eof</a:t>
+            </a:r>
+            <a:r>
+              <a:rPr lang="it-IT" sz="2000" dirty="0"/>
+              <a:t> (</a:t>
+            </a:r>
+            <a:r>
+              <a:rPr lang="it-IT" sz="2000" b="1" i="1" dirty="0"/>
+              <a:t>end of file</a:t>
+            </a:r>
+            <a:r>
+              <a:rPr lang="it-IT" sz="2000" dirty="0"/>
+              <a:t>) vale </a:t>
+            </a:r>
+            <a:r>
+              <a:rPr lang="it-IT" sz="2000" dirty="0" err="1"/>
+              <a:t>true</a:t>
+            </a:r>
+            <a:r>
+              <a:rPr lang="it-IT" sz="2000" dirty="0"/>
+              <a:t> se si è raggiunta la </a:t>
+            </a:r>
+            <a:r>
+              <a:rPr lang="it-IT" sz="2000" b="1" i="1" dirty="0"/>
+              <a:t>fine del file</a:t>
+            </a:r>
+          </a:p>
+          <a:p>
+            <a:r>
+              <a:rPr lang="it-IT" sz="2000" b="1" i="1" dirty="0" err="1"/>
+              <a:t>close</a:t>
+            </a:r>
+            <a:r>
+              <a:rPr lang="it-IT" sz="2000" dirty="0"/>
+              <a:t> (chiusura file)</a:t>
+            </a:r>
+            <a:endParaRPr lang="it-IT" sz="1600" dirty="0"/>
+          </a:p>
+        </p:txBody>
+      </p:sp>
+      <p:sp>
+        <p:nvSpPr>
+          <p:cNvPr id="5" name="Segnaposto piè di pagina 4">
+            <a:extLst>
+              <a:ext uri="{FF2B5EF4-FFF2-40B4-BE49-F238E27FC236}">
+                <a16:creationId xmlns:a16="http://schemas.microsoft.com/office/drawing/2014/main" id="{6FCFEE22-26D1-46F4-8E55-17BE8F449854}"/>
+              </a:ext>
+            </a:extLst>
+          </p:cNvPr>
+          <p:cNvSpPr>
+            <a:spLocks noGrp="1"/>
+          </p:cNvSpPr>
+          <p:nvPr>
+            <p:ph type="ftr" sz="quarter" idx="11"/>
+          </p:nvPr>
+        </p:nvSpPr>
+        <p:spPr/>
+        <p:txBody>
+          <a:bodyPr/>
+          <a:lstStyle/>
+          <a:p>
+            <a:pPr>
+              <a:defRPr/>
+            </a:pPr>
+            <a:r>
+              <a:rPr lang="it-IT"/>
+              <a:t>Alberto Ferrari – Programmazione di applicazioni SW</a:t>
+            </a:r>
+            <a:endParaRPr lang="it-IT" dirty="0"/>
+          </a:p>
+        </p:txBody>
+      </p:sp>
+    </p:spTree>
+    <p:extLst>
+      <p:ext uri="{BB962C8B-B14F-4D97-AF65-F5344CB8AC3E}">
+        <p14:creationId xmlns:p14="http://schemas.microsoft.com/office/powerpoint/2010/main" val="3704907808"/>
+      </p:ext>
+    </p:extLst>
+  </p:cSld>
+  <p:clrMapOvr>
+    <a:masterClrMapping/>
+  </p:clrMapOvr>
+</p:sld>
+</file>
+
+<file path=ppt/slides/slide15.xml><?xml version="1.0" encoding="utf-8"?>
+<p:sld xmlns:a="http://schemas.openxmlformats.org/drawingml/2006/main" xmlns:r="http://schemas.openxmlformats.org/officeDocument/2006/relationships" xmlns:p="http://schemas.openxmlformats.org/presentationml/2006/main">
+  <p:cSld>
+    <p:spTree>
+      <p:nvGrpSpPr>
+        <p:cNvPr id="1" name=""/>
+        <p:cNvGrpSpPr/>
+        <p:nvPr/>
+      </p:nvGrpSpPr>
+      <p:grpSpPr>
+        <a:xfrm>
+          <a:off x="0" y="0"/>
+          <a:ext cx="0" cy="0"/>
+          <a:chOff x="0" y="0"/>
+          <a:chExt cx="0" cy="0"/>
+        </a:xfrm>
+      </p:grpSpPr>
+      <p:sp>
+        <p:nvSpPr>
+          <p:cNvPr id="2" name="Titolo 1">
+            <a:extLst>
+              <a:ext uri="{FF2B5EF4-FFF2-40B4-BE49-F238E27FC236}">
+                <a16:creationId xmlns:a16="http://schemas.microsoft.com/office/drawing/2014/main" id="{297B3B15-F07C-4EAF-967B-D6D7B565C7FF}"/>
+              </a:ext>
+            </a:extLst>
+          </p:cNvPr>
+          <p:cNvSpPr>
+            <a:spLocks noGrp="1"/>
+          </p:cNvSpPr>
+          <p:nvPr>
+            <p:ph type="title"/>
+          </p:nvPr>
+        </p:nvSpPr>
+        <p:spPr/>
+        <p:txBody>
+          <a:bodyPr/>
+          <a:lstStyle/>
+          <a:p>
+            <a:r>
+              <a:rPr lang="it-IT" sz="2400" dirty="0"/>
+              <a:t>es. lettura e scrittura</a:t>
+            </a:r>
+          </a:p>
+        </p:txBody>
+      </p:sp>
+      <p:sp>
+        <p:nvSpPr>
+          <p:cNvPr id="3" name="Segnaposto contenuto 2">
+            <a:extLst>
+              <a:ext uri="{FF2B5EF4-FFF2-40B4-BE49-F238E27FC236}">
+                <a16:creationId xmlns:a16="http://schemas.microsoft.com/office/drawing/2014/main" id="{56330E9F-B9A6-43AC-9B41-2978893517AD}"/>
+              </a:ext>
+            </a:extLst>
+          </p:cNvPr>
+          <p:cNvSpPr>
+            <a:spLocks noGrp="1"/>
+          </p:cNvSpPr>
+          <p:nvPr>
+            <p:ph sz="half" idx="1"/>
+          </p:nvPr>
+        </p:nvSpPr>
+        <p:spPr/>
+        <p:txBody>
+          <a:bodyPr/>
+          <a:lstStyle/>
+          <a:p>
+            <a:pPr marL="0" indent="0">
+              <a:buNone/>
+            </a:pPr>
+            <a:r>
+              <a:rPr lang="it-IT" sz="1200" b="1" dirty="0">
+                <a:latin typeface="Courier New" panose="02070309020205020404" pitchFamily="49" charset="0"/>
+                <a:cs typeface="Courier New" panose="02070309020205020404" pitchFamily="49" charset="0"/>
+              </a:rPr>
+              <a:t>#include &lt;</a:t>
+            </a:r>
+            <a:r>
+              <a:rPr lang="it-IT" sz="1200" b="1" dirty="0" err="1">
+                <a:latin typeface="Courier New" panose="02070309020205020404" pitchFamily="49" charset="0"/>
+                <a:cs typeface="Courier New" panose="02070309020205020404" pitchFamily="49" charset="0"/>
+              </a:rPr>
+              <a:t>iostream</a:t>
+            </a:r>
+            <a:r>
+              <a:rPr lang="it-IT" sz="1200" b="1" dirty="0">
+                <a:latin typeface="Courier New" panose="02070309020205020404" pitchFamily="49" charset="0"/>
+                <a:cs typeface="Courier New" panose="02070309020205020404" pitchFamily="49" charset="0"/>
+              </a:rPr>
+              <a:t>&gt;</a:t>
+            </a:r>
+          </a:p>
+          <a:p>
+            <a:pPr marL="0" indent="0">
+              <a:buNone/>
+            </a:pPr>
+            <a:r>
+              <a:rPr lang="it-IT" sz="1200" b="1" dirty="0">
+                <a:latin typeface="Courier New" panose="02070309020205020404" pitchFamily="49" charset="0"/>
+                <a:cs typeface="Courier New" panose="02070309020205020404" pitchFamily="49" charset="0"/>
+              </a:rPr>
+              <a:t>#include &lt;</a:t>
+            </a:r>
+            <a:r>
+              <a:rPr lang="it-IT" sz="1200" b="1" dirty="0" err="1">
+                <a:latin typeface="Courier New" panose="02070309020205020404" pitchFamily="49" charset="0"/>
+                <a:cs typeface="Courier New" panose="02070309020205020404" pitchFamily="49" charset="0"/>
+              </a:rPr>
+              <a:t>fstream</a:t>
+            </a:r>
+            <a:r>
+              <a:rPr lang="it-IT" sz="1200" b="1" dirty="0">
+                <a:latin typeface="Courier New" panose="02070309020205020404" pitchFamily="49" charset="0"/>
+                <a:cs typeface="Courier New" panose="02070309020205020404" pitchFamily="49" charset="0"/>
+              </a:rPr>
+              <a:t>&gt;</a:t>
+            </a:r>
+          </a:p>
+          <a:p>
+            <a:pPr marL="0" indent="0">
+              <a:buNone/>
+            </a:pPr>
+            <a:r>
+              <a:rPr lang="it-IT" sz="1200" b="1" dirty="0" err="1">
+                <a:latin typeface="Courier New" panose="02070309020205020404" pitchFamily="49" charset="0"/>
+                <a:cs typeface="Courier New" panose="02070309020205020404" pitchFamily="49" charset="0"/>
+              </a:rPr>
+              <a:t>using</a:t>
+            </a:r>
+            <a:r>
+              <a:rPr lang="it-IT" sz="1200" b="1" dirty="0">
+                <a:latin typeface="Courier New" panose="02070309020205020404" pitchFamily="49" charset="0"/>
+                <a:cs typeface="Courier New" panose="02070309020205020404" pitchFamily="49" charset="0"/>
+              </a:rPr>
+              <a:t> </a:t>
+            </a:r>
+            <a:r>
+              <a:rPr lang="it-IT" sz="1200" b="1" dirty="0" err="1">
+                <a:latin typeface="Courier New" panose="02070309020205020404" pitchFamily="49" charset="0"/>
+                <a:cs typeface="Courier New" panose="02070309020205020404" pitchFamily="49" charset="0"/>
+              </a:rPr>
+              <a:t>namespace</a:t>
+            </a:r>
+            <a:r>
+              <a:rPr lang="it-IT" sz="1200" b="1" dirty="0">
+                <a:latin typeface="Courier New" panose="02070309020205020404" pitchFamily="49" charset="0"/>
+                <a:cs typeface="Courier New" panose="02070309020205020404" pitchFamily="49" charset="0"/>
+              </a:rPr>
+              <a:t> </a:t>
+            </a:r>
+            <a:r>
+              <a:rPr lang="it-IT" sz="1200" b="1" dirty="0" err="1">
+                <a:latin typeface="Courier New" panose="02070309020205020404" pitchFamily="49" charset="0"/>
+                <a:cs typeface="Courier New" panose="02070309020205020404" pitchFamily="49" charset="0"/>
+              </a:rPr>
+              <a:t>std</a:t>
+            </a:r>
+            <a:r>
+              <a:rPr lang="it-IT" sz="1200" b="1" dirty="0">
+                <a:latin typeface="Courier New" panose="02070309020205020404" pitchFamily="49" charset="0"/>
+                <a:cs typeface="Courier New" panose="02070309020205020404" pitchFamily="49" charset="0"/>
+              </a:rPr>
+              <a:t>;</a:t>
+            </a:r>
+          </a:p>
+          <a:p>
+            <a:pPr marL="0" indent="0">
+              <a:buNone/>
+            </a:pPr>
+            <a:r>
+              <a:rPr lang="it-IT" sz="1200" b="1" dirty="0" err="1">
+                <a:latin typeface="Courier New" panose="02070309020205020404" pitchFamily="49" charset="0"/>
+                <a:cs typeface="Courier New" panose="02070309020205020404" pitchFamily="49" charset="0"/>
+              </a:rPr>
+              <a:t>int</a:t>
+            </a:r>
+            <a:r>
+              <a:rPr lang="it-IT" sz="1200" b="1" dirty="0">
+                <a:latin typeface="Courier New" panose="02070309020205020404" pitchFamily="49" charset="0"/>
+                <a:cs typeface="Courier New" panose="02070309020205020404" pitchFamily="49" charset="0"/>
+              </a:rPr>
+              <a:t> </a:t>
+            </a:r>
+            <a:r>
+              <a:rPr lang="it-IT" sz="1200" b="1" dirty="0" err="1">
+                <a:latin typeface="Courier New" panose="02070309020205020404" pitchFamily="49" charset="0"/>
+                <a:cs typeface="Courier New" panose="02070309020205020404" pitchFamily="49" charset="0"/>
+              </a:rPr>
+              <a:t>main</a:t>
+            </a:r>
+            <a:r>
+              <a:rPr lang="it-IT" sz="1200" b="1" dirty="0">
+                <a:latin typeface="Courier New" panose="02070309020205020404" pitchFamily="49" charset="0"/>
+                <a:cs typeface="Courier New" panose="02070309020205020404" pitchFamily="49" charset="0"/>
+              </a:rPr>
+              <a:t>() {</a:t>
+            </a:r>
+          </a:p>
+          <a:p>
+            <a:pPr marL="0" indent="0">
+              <a:buNone/>
+            </a:pPr>
+            <a:r>
+              <a:rPr lang="it-IT" sz="1200" b="1" dirty="0">
+                <a:latin typeface="Courier New" panose="02070309020205020404" pitchFamily="49" charset="0"/>
+                <a:cs typeface="Courier New" panose="02070309020205020404" pitchFamily="49" charset="0"/>
+              </a:rPr>
+              <a:t>   </a:t>
+            </a:r>
+            <a:r>
+              <a:rPr lang="it-IT" sz="1200" b="1" dirty="0" err="1">
+                <a:solidFill>
+                  <a:srgbClr val="FF0000"/>
+                </a:solidFill>
+                <a:latin typeface="Courier New" panose="02070309020205020404" pitchFamily="49" charset="0"/>
+                <a:cs typeface="Courier New" panose="02070309020205020404" pitchFamily="49" charset="0"/>
+              </a:rPr>
+              <a:t>fstream</a:t>
+            </a:r>
+            <a:r>
+              <a:rPr lang="it-IT" sz="1200" b="1" dirty="0">
+                <a:latin typeface="Courier New" panose="02070309020205020404" pitchFamily="49" charset="0"/>
+                <a:cs typeface="Courier New" panose="02070309020205020404" pitchFamily="49" charset="0"/>
+              </a:rPr>
+              <a:t> f1,f2;</a:t>
+            </a:r>
+          </a:p>
+          <a:p>
+            <a:pPr marL="0" indent="0">
+              <a:buNone/>
+            </a:pPr>
+            <a:r>
+              <a:rPr lang="it-IT" sz="1200" b="1" dirty="0">
+                <a:latin typeface="Courier New" panose="02070309020205020404" pitchFamily="49" charset="0"/>
+                <a:cs typeface="Courier New" panose="02070309020205020404" pitchFamily="49" charset="0"/>
+              </a:rPr>
+              <a:t>   </a:t>
+            </a:r>
+            <a:r>
+              <a:rPr lang="it-IT" sz="1200" b="1" dirty="0" err="1">
+                <a:latin typeface="Courier New" panose="02070309020205020404" pitchFamily="49" charset="0"/>
+                <a:cs typeface="Courier New" panose="02070309020205020404" pitchFamily="49" charset="0"/>
+              </a:rPr>
+              <a:t>int</a:t>
+            </a:r>
+            <a:r>
+              <a:rPr lang="it-IT" sz="1200" b="1" dirty="0">
+                <a:latin typeface="Courier New" panose="02070309020205020404" pitchFamily="49" charset="0"/>
+                <a:cs typeface="Courier New" panose="02070309020205020404" pitchFamily="49" charset="0"/>
+              </a:rPr>
+              <a:t> r; </a:t>
+            </a:r>
+            <a:r>
+              <a:rPr lang="it-IT" sz="1200" b="1" dirty="0" err="1">
+                <a:latin typeface="Courier New" panose="02070309020205020404" pitchFamily="49" charset="0"/>
+                <a:cs typeface="Courier New" panose="02070309020205020404" pitchFamily="49" charset="0"/>
+              </a:rPr>
+              <a:t>char</a:t>
+            </a:r>
+            <a:r>
+              <a:rPr lang="it-IT" sz="1200" b="1" dirty="0">
+                <a:latin typeface="Courier New" panose="02070309020205020404" pitchFamily="49" charset="0"/>
+                <a:cs typeface="Courier New" panose="02070309020205020404" pitchFamily="49" charset="0"/>
+              </a:rPr>
+              <a:t> </a:t>
+            </a:r>
+            <a:r>
+              <a:rPr lang="it-IT" sz="1200" b="1" dirty="0" err="1">
+                <a:latin typeface="Courier New" panose="02070309020205020404" pitchFamily="49" charset="0"/>
+                <a:cs typeface="Courier New" panose="02070309020205020404" pitchFamily="49" charset="0"/>
+              </a:rPr>
+              <a:t>p,c</a:t>
+            </a:r>
+            <a:r>
+              <a:rPr lang="it-IT" sz="1200" b="1" dirty="0">
+                <a:latin typeface="Courier New" panose="02070309020205020404" pitchFamily="49" charset="0"/>
+                <a:cs typeface="Courier New" panose="02070309020205020404" pitchFamily="49" charset="0"/>
+              </a:rPr>
+              <a:t>;</a:t>
+            </a:r>
+          </a:p>
+          <a:p>
+            <a:pPr marL="0" indent="0">
+              <a:buNone/>
+            </a:pPr>
+            <a:r>
+              <a:rPr lang="it-IT" sz="1200" b="1" dirty="0">
+                <a:latin typeface="Courier New" panose="02070309020205020404" pitchFamily="49" charset="0"/>
+                <a:cs typeface="Courier New" panose="02070309020205020404" pitchFamily="49" charset="0"/>
+              </a:rPr>
+              <a:t>   f1.</a:t>
+            </a:r>
+            <a:r>
+              <a:rPr lang="it-IT" sz="1200" b="1" dirty="0">
+                <a:solidFill>
+                  <a:srgbClr val="FF0000"/>
+                </a:solidFill>
+                <a:latin typeface="Courier New" panose="02070309020205020404" pitchFamily="49" charset="0"/>
+                <a:cs typeface="Courier New" panose="02070309020205020404" pitchFamily="49" charset="0"/>
+              </a:rPr>
+              <a:t>open</a:t>
+            </a:r>
+            <a:r>
+              <a:rPr lang="it-IT" sz="1200" b="1" dirty="0">
+                <a:latin typeface="Courier New" panose="02070309020205020404" pitchFamily="49" charset="0"/>
+                <a:cs typeface="Courier New" panose="02070309020205020404" pitchFamily="49" charset="0"/>
+              </a:rPr>
+              <a:t>("pasw03c05.txt", </a:t>
+            </a:r>
+            <a:r>
+              <a:rPr lang="it-IT" sz="1200" b="1" dirty="0" err="1">
+                <a:solidFill>
+                  <a:srgbClr val="FF0000"/>
+                </a:solidFill>
+                <a:latin typeface="Courier New" panose="02070309020205020404" pitchFamily="49" charset="0"/>
+                <a:cs typeface="Courier New" panose="02070309020205020404" pitchFamily="49" charset="0"/>
+              </a:rPr>
+              <a:t>ios</a:t>
+            </a:r>
+            <a:r>
+              <a:rPr lang="it-IT" sz="1200" b="1" dirty="0">
+                <a:solidFill>
+                  <a:srgbClr val="FF0000"/>
+                </a:solidFill>
+                <a:latin typeface="Courier New" panose="02070309020205020404" pitchFamily="49" charset="0"/>
+                <a:cs typeface="Courier New" panose="02070309020205020404" pitchFamily="49" charset="0"/>
+              </a:rPr>
+              <a:t>::out</a:t>
+            </a:r>
+            <a:r>
+              <a:rPr lang="it-IT" sz="1200" b="1" dirty="0">
+                <a:latin typeface="Courier New" panose="02070309020205020404" pitchFamily="49" charset="0"/>
+                <a:cs typeface="Courier New" panose="02070309020205020404" pitchFamily="49" charset="0"/>
+              </a:rPr>
+              <a:t>);</a:t>
+            </a:r>
+          </a:p>
+          <a:p>
+            <a:pPr marL="0" indent="0">
+              <a:buNone/>
+            </a:pPr>
+            <a:r>
+              <a:rPr lang="it-IT" sz="1200" b="1" dirty="0">
+                <a:latin typeface="Courier New" panose="02070309020205020404" pitchFamily="49" charset="0"/>
+                <a:cs typeface="Courier New" panose="02070309020205020404" pitchFamily="49" charset="0"/>
+              </a:rPr>
+              <a:t>   f1 &lt;&lt; 'k' &lt;&lt; 'e' &lt;&lt; 1 &lt;&lt; </a:t>
+            </a:r>
+            <a:r>
+              <a:rPr lang="it-IT" sz="1200" b="1" dirty="0" err="1">
+                <a:latin typeface="Courier New" panose="02070309020205020404" pitchFamily="49" charset="0"/>
+                <a:cs typeface="Courier New" panose="02070309020205020404" pitchFamily="49" charset="0"/>
+              </a:rPr>
+              <a:t>endl</a:t>
+            </a:r>
+            <a:r>
+              <a:rPr lang="it-IT" sz="1200" b="1" dirty="0">
+                <a:latin typeface="Courier New" panose="02070309020205020404" pitchFamily="49" charset="0"/>
+                <a:cs typeface="Courier New" panose="02070309020205020404" pitchFamily="49" charset="0"/>
+              </a:rPr>
+              <a:t>;</a:t>
+            </a:r>
+          </a:p>
+          <a:p>
+            <a:pPr marL="0" indent="0">
+              <a:buNone/>
+            </a:pPr>
+            <a:r>
+              <a:rPr lang="it-IT" sz="1200" b="1" dirty="0">
+                <a:latin typeface="Courier New" panose="02070309020205020404" pitchFamily="49" charset="0"/>
+                <a:cs typeface="Courier New" panose="02070309020205020404" pitchFamily="49" charset="0"/>
+              </a:rPr>
+              <a:t>   f1 &lt;&lt; 'Q' &lt;&lt; 'd' &lt;&lt; 8 &lt;&lt; </a:t>
+            </a:r>
+            <a:r>
+              <a:rPr lang="it-IT" sz="1200" b="1" dirty="0" err="1">
+                <a:latin typeface="Courier New" panose="02070309020205020404" pitchFamily="49" charset="0"/>
+                <a:cs typeface="Courier New" panose="02070309020205020404" pitchFamily="49" charset="0"/>
+              </a:rPr>
+              <a:t>endl</a:t>
+            </a:r>
+            <a:r>
+              <a:rPr lang="it-IT" sz="1200" b="1" dirty="0">
+                <a:latin typeface="Courier New" panose="02070309020205020404" pitchFamily="49" charset="0"/>
+                <a:cs typeface="Courier New" panose="02070309020205020404" pitchFamily="49" charset="0"/>
+              </a:rPr>
+              <a:t>;</a:t>
+            </a:r>
+          </a:p>
+          <a:p>
+            <a:pPr marL="0" indent="0">
+              <a:buNone/>
+            </a:pPr>
+            <a:r>
+              <a:rPr lang="it-IT" sz="1200" b="1" dirty="0">
+                <a:latin typeface="Courier New" panose="02070309020205020404" pitchFamily="49" charset="0"/>
+                <a:cs typeface="Courier New" panose="02070309020205020404" pitchFamily="49" charset="0"/>
+              </a:rPr>
+              <a:t>   f1.close();</a:t>
+            </a:r>
+          </a:p>
+          <a:p>
+            <a:pPr marL="0" indent="0">
+              <a:buNone/>
+            </a:pPr>
+            <a:r>
+              <a:rPr lang="it-IT" sz="1200" b="1" dirty="0">
+                <a:latin typeface="Courier New" panose="02070309020205020404" pitchFamily="49" charset="0"/>
+                <a:cs typeface="Courier New" panose="02070309020205020404" pitchFamily="49" charset="0"/>
+              </a:rPr>
+              <a:t>   f2.open("pasw03c05.txt", </a:t>
+            </a:r>
+            <a:r>
+              <a:rPr lang="it-IT" sz="1200" b="1" dirty="0" err="1">
+                <a:solidFill>
+                  <a:srgbClr val="FF0000"/>
+                </a:solidFill>
+                <a:latin typeface="Courier New" panose="02070309020205020404" pitchFamily="49" charset="0"/>
+                <a:cs typeface="Courier New" panose="02070309020205020404" pitchFamily="49" charset="0"/>
+              </a:rPr>
+              <a:t>ios</a:t>
+            </a:r>
+            <a:r>
+              <a:rPr lang="it-IT" sz="1200" b="1" dirty="0">
+                <a:solidFill>
+                  <a:srgbClr val="FF0000"/>
+                </a:solidFill>
+                <a:latin typeface="Courier New" panose="02070309020205020404" pitchFamily="49" charset="0"/>
+                <a:cs typeface="Courier New" panose="02070309020205020404" pitchFamily="49" charset="0"/>
+              </a:rPr>
+              <a:t>::in</a:t>
+            </a:r>
+            <a:r>
+              <a:rPr lang="it-IT" sz="1200" b="1" dirty="0">
+                <a:latin typeface="Courier New" panose="02070309020205020404" pitchFamily="49" charset="0"/>
+                <a:cs typeface="Courier New" panose="02070309020205020404" pitchFamily="49" charset="0"/>
+              </a:rPr>
+              <a:t>);</a:t>
+            </a:r>
+          </a:p>
+          <a:p>
+            <a:pPr marL="0" indent="0">
+              <a:buNone/>
+            </a:pPr>
+            <a:r>
+              <a:rPr lang="it-IT" sz="1200" b="1" dirty="0">
+                <a:latin typeface="Courier New" panose="02070309020205020404" pitchFamily="49" charset="0"/>
+                <a:cs typeface="Courier New" panose="02070309020205020404" pitchFamily="49" charset="0"/>
+              </a:rPr>
+              <a:t>   f2 &gt;&gt; p;</a:t>
+            </a:r>
+          </a:p>
+          <a:p>
+            <a:pPr marL="0" indent="0">
+              <a:buNone/>
+            </a:pPr>
+            <a:r>
+              <a:rPr lang="it-IT" sz="1200" b="1" dirty="0">
+                <a:latin typeface="Courier New" panose="02070309020205020404" pitchFamily="49" charset="0"/>
+                <a:cs typeface="Courier New" panose="02070309020205020404" pitchFamily="49" charset="0"/>
+              </a:rPr>
+              <a:t>   </a:t>
+            </a:r>
+            <a:r>
+              <a:rPr lang="it-IT" sz="1200" b="1" dirty="0" err="1">
+                <a:latin typeface="Courier New" panose="02070309020205020404" pitchFamily="49" charset="0"/>
+                <a:cs typeface="Courier New" panose="02070309020205020404" pitchFamily="49" charset="0"/>
+              </a:rPr>
+              <a:t>while</a:t>
+            </a:r>
+            <a:r>
+              <a:rPr lang="it-IT" sz="1200" b="1" dirty="0">
+                <a:latin typeface="Courier New" panose="02070309020205020404" pitchFamily="49" charset="0"/>
+                <a:cs typeface="Courier New" panose="02070309020205020404" pitchFamily="49" charset="0"/>
+              </a:rPr>
+              <a:t>(!f2.eof()) {</a:t>
+            </a:r>
+          </a:p>
+          <a:p>
+            <a:pPr marL="0" indent="0">
+              <a:buNone/>
+            </a:pPr>
+            <a:r>
+              <a:rPr lang="it-IT" sz="1200" b="1" dirty="0">
+                <a:latin typeface="Courier New" panose="02070309020205020404" pitchFamily="49" charset="0"/>
+                <a:cs typeface="Courier New" panose="02070309020205020404" pitchFamily="49" charset="0"/>
+              </a:rPr>
+              <a:t>     </a:t>
+            </a:r>
+            <a:r>
+              <a:rPr lang="it-IT" sz="1200" b="1" dirty="0" err="1">
+                <a:latin typeface="Courier New" panose="02070309020205020404" pitchFamily="49" charset="0"/>
+                <a:cs typeface="Courier New" panose="02070309020205020404" pitchFamily="49" charset="0"/>
+              </a:rPr>
+              <a:t>cout</a:t>
+            </a:r>
+            <a:r>
+              <a:rPr lang="it-IT" sz="1200" b="1" dirty="0">
+                <a:latin typeface="Courier New" panose="02070309020205020404" pitchFamily="49" charset="0"/>
+                <a:cs typeface="Courier New" panose="02070309020205020404" pitchFamily="49" charset="0"/>
+              </a:rPr>
+              <a:t> &lt;&lt; p &lt;&lt; "(";</a:t>
+            </a:r>
+          </a:p>
+          <a:p>
+            <a:pPr marL="0" indent="0">
+              <a:buNone/>
+            </a:pPr>
+            <a:r>
+              <a:rPr lang="it-IT" sz="1200" b="1" dirty="0">
+                <a:latin typeface="Courier New" panose="02070309020205020404" pitchFamily="49" charset="0"/>
+                <a:cs typeface="Courier New" panose="02070309020205020404" pitchFamily="49" charset="0"/>
+              </a:rPr>
+              <a:t>     f2 &gt;&gt; c;</a:t>
+            </a:r>
+          </a:p>
+          <a:p>
+            <a:pPr marL="0" indent="0">
+              <a:buNone/>
+            </a:pPr>
+            <a:r>
+              <a:rPr lang="it-IT" sz="1200" b="1" dirty="0">
+                <a:latin typeface="Courier New" panose="02070309020205020404" pitchFamily="49" charset="0"/>
+                <a:cs typeface="Courier New" panose="02070309020205020404" pitchFamily="49" charset="0"/>
+              </a:rPr>
+              <a:t>     </a:t>
+            </a:r>
+            <a:r>
+              <a:rPr lang="it-IT" sz="1200" b="1" dirty="0" err="1">
+                <a:latin typeface="Courier New" panose="02070309020205020404" pitchFamily="49" charset="0"/>
+                <a:cs typeface="Courier New" panose="02070309020205020404" pitchFamily="49" charset="0"/>
+              </a:rPr>
+              <a:t>cout</a:t>
+            </a:r>
+            <a:r>
+              <a:rPr lang="it-IT" sz="1200" b="1" dirty="0">
+                <a:latin typeface="Courier New" panose="02070309020205020404" pitchFamily="49" charset="0"/>
+                <a:cs typeface="Courier New" panose="02070309020205020404" pitchFamily="49" charset="0"/>
+              </a:rPr>
+              <a:t> &lt;&lt; c &lt;&lt; ",";</a:t>
+            </a:r>
+          </a:p>
+          <a:p>
+            <a:pPr marL="0" indent="0">
+              <a:buNone/>
+            </a:pPr>
+            <a:r>
+              <a:rPr lang="it-IT" sz="1200" b="1" dirty="0">
+                <a:latin typeface="Courier New" panose="02070309020205020404" pitchFamily="49" charset="0"/>
+                <a:cs typeface="Courier New" panose="02070309020205020404" pitchFamily="49" charset="0"/>
+              </a:rPr>
+              <a:t>     f2 &gt;&gt; r;</a:t>
+            </a:r>
+          </a:p>
+          <a:p>
+            <a:pPr marL="0" indent="0">
+              <a:buNone/>
+            </a:pPr>
+            <a:r>
+              <a:rPr lang="it-IT" sz="1200" b="1" dirty="0">
+                <a:latin typeface="Courier New" panose="02070309020205020404" pitchFamily="49" charset="0"/>
+                <a:cs typeface="Courier New" panose="02070309020205020404" pitchFamily="49" charset="0"/>
+              </a:rPr>
+              <a:t>     </a:t>
+            </a:r>
+            <a:r>
+              <a:rPr lang="it-IT" sz="1200" b="1" dirty="0" err="1">
+                <a:latin typeface="Courier New" panose="02070309020205020404" pitchFamily="49" charset="0"/>
+                <a:cs typeface="Courier New" panose="02070309020205020404" pitchFamily="49" charset="0"/>
+              </a:rPr>
+              <a:t>cout</a:t>
+            </a:r>
+            <a:r>
+              <a:rPr lang="it-IT" sz="1200" b="1" dirty="0">
+                <a:latin typeface="Courier New" panose="02070309020205020404" pitchFamily="49" charset="0"/>
+                <a:cs typeface="Courier New" panose="02070309020205020404" pitchFamily="49" charset="0"/>
+              </a:rPr>
+              <a:t> &lt;&lt; r &lt;&lt; ")" &lt;&lt; </a:t>
+            </a:r>
+            <a:r>
+              <a:rPr lang="it-IT" sz="1200" b="1" dirty="0" err="1">
+                <a:latin typeface="Courier New" panose="02070309020205020404" pitchFamily="49" charset="0"/>
+                <a:cs typeface="Courier New" panose="02070309020205020404" pitchFamily="49" charset="0"/>
+              </a:rPr>
+              <a:t>endl</a:t>
+            </a:r>
+            <a:r>
+              <a:rPr lang="it-IT" sz="1200" b="1" dirty="0">
+                <a:latin typeface="Courier New" panose="02070309020205020404" pitchFamily="49" charset="0"/>
+                <a:cs typeface="Courier New" panose="02070309020205020404" pitchFamily="49" charset="0"/>
+              </a:rPr>
+              <a:t>;</a:t>
+            </a:r>
+          </a:p>
+          <a:p>
+            <a:pPr marL="0" indent="0">
+              <a:buNone/>
+            </a:pPr>
+            <a:r>
+              <a:rPr lang="it-IT" sz="1200" b="1" dirty="0">
+                <a:latin typeface="Courier New" panose="02070309020205020404" pitchFamily="49" charset="0"/>
+                <a:cs typeface="Courier New" panose="02070309020205020404" pitchFamily="49" charset="0"/>
+              </a:rPr>
+              <a:t>     f2 &gt;&gt; p;</a:t>
+            </a:r>
+          </a:p>
+          <a:p>
+            <a:pPr marL="0" indent="0">
+              <a:buNone/>
+            </a:pPr>
+            <a:r>
+              <a:rPr lang="it-IT" sz="1200" b="1" dirty="0">
+                <a:latin typeface="Courier New" panose="02070309020205020404" pitchFamily="49" charset="0"/>
+                <a:cs typeface="Courier New" panose="02070309020205020404" pitchFamily="49" charset="0"/>
+              </a:rPr>
+              <a:t>   }</a:t>
+            </a:r>
+          </a:p>
+          <a:p>
+            <a:pPr marL="0" indent="0">
+              <a:buNone/>
+            </a:pPr>
+            <a:r>
+              <a:rPr lang="it-IT" sz="1200" b="1" dirty="0">
+                <a:latin typeface="Courier New" panose="02070309020205020404" pitchFamily="49" charset="0"/>
+                <a:cs typeface="Courier New" panose="02070309020205020404" pitchFamily="49" charset="0"/>
+              </a:rPr>
+              <a:t>   f2.close();	</a:t>
+            </a:r>
+          </a:p>
+          <a:p>
+            <a:pPr marL="0" indent="0">
+              <a:buNone/>
+            </a:pPr>
+            <a:r>
+              <a:rPr lang="it-IT" sz="1200" b="1" dirty="0">
+                <a:latin typeface="Courier New" panose="02070309020205020404" pitchFamily="49" charset="0"/>
+                <a:cs typeface="Courier New" panose="02070309020205020404" pitchFamily="49" charset="0"/>
+              </a:rPr>
+              <a:t>}</a:t>
+            </a:r>
+          </a:p>
+        </p:txBody>
+      </p:sp>
+      <p:sp>
+        <p:nvSpPr>
+          <p:cNvPr id="4" name="Segnaposto contenuto 3">
+            <a:extLst>
+              <a:ext uri="{FF2B5EF4-FFF2-40B4-BE49-F238E27FC236}">
+                <a16:creationId xmlns:a16="http://schemas.microsoft.com/office/drawing/2014/main" id="{96A38C42-313B-4315-821E-D25C2D162524}"/>
+              </a:ext>
+            </a:extLst>
+          </p:cNvPr>
+          <p:cNvSpPr>
+            <a:spLocks noGrp="1"/>
+          </p:cNvSpPr>
+          <p:nvPr>
+            <p:ph sz="half" idx="2"/>
+          </p:nvPr>
+        </p:nvSpPr>
+        <p:spPr/>
+        <p:txBody>
+          <a:bodyPr/>
+          <a:lstStyle/>
+          <a:p>
+            <a:r>
+              <a:rPr lang="it-IT" b="1" i="1" dirty="0" err="1"/>
+              <a:t>fstream</a:t>
+            </a:r>
+            <a:r>
+              <a:rPr lang="it-IT" dirty="0"/>
+              <a:t> (file stream)</a:t>
+            </a:r>
+          </a:p>
+          <a:p>
+            <a:r>
+              <a:rPr lang="it-IT" b="1" i="1" dirty="0"/>
+              <a:t>open</a:t>
+            </a:r>
+            <a:r>
+              <a:rPr lang="it-IT" dirty="0"/>
+              <a:t> </a:t>
+            </a:r>
+          </a:p>
+          <a:p>
+            <a:pPr lvl="1"/>
+            <a:r>
+              <a:rPr lang="it-IT" sz="2000" b="1" i="1" dirty="0" err="1"/>
+              <a:t>ios</a:t>
+            </a:r>
+            <a:r>
+              <a:rPr lang="it-IT" sz="2000" b="1" i="1" dirty="0"/>
+              <a:t>::out </a:t>
+            </a:r>
+            <a:r>
+              <a:rPr lang="it-IT" sz="2000" dirty="0"/>
+              <a:t>(output)</a:t>
+            </a:r>
+          </a:p>
+          <a:p>
+            <a:pPr lvl="2"/>
+            <a:r>
+              <a:rPr lang="it-IT" sz="1600" dirty="0"/>
+              <a:t>il file viene creato</a:t>
+            </a:r>
+          </a:p>
+          <a:p>
+            <a:pPr lvl="1"/>
+            <a:r>
+              <a:rPr lang="it-IT" sz="2000" b="1" i="1" dirty="0" err="1"/>
+              <a:t>ios</a:t>
+            </a:r>
+            <a:r>
+              <a:rPr lang="it-IT" sz="2000" b="1" i="1" dirty="0"/>
+              <a:t>::in </a:t>
+            </a:r>
+            <a:r>
+              <a:rPr lang="it-IT" sz="2000" dirty="0"/>
+              <a:t>(input)</a:t>
+            </a:r>
+          </a:p>
+          <a:p>
+            <a:pPr lvl="2"/>
+            <a:r>
+              <a:rPr lang="it-IT" sz="1600" dirty="0"/>
+              <a:t>controllare </a:t>
+            </a:r>
+            <a:r>
+              <a:rPr lang="it-IT" sz="1600" dirty="0" err="1"/>
+              <a:t>fail</a:t>
+            </a:r>
+            <a:endParaRPr lang="it-IT" sz="1600" dirty="0"/>
+          </a:p>
+          <a:p>
+            <a:pPr lvl="1"/>
+            <a:r>
+              <a:rPr lang="it-IT" sz="2000" b="1" i="1" dirty="0" err="1"/>
+              <a:t>ios</a:t>
+            </a:r>
+            <a:r>
+              <a:rPr lang="it-IT" sz="2000" b="1" i="1" dirty="0"/>
+              <a:t>::</a:t>
+            </a:r>
+            <a:r>
+              <a:rPr lang="it-IT" sz="2000" b="1" i="1" dirty="0" err="1"/>
+              <a:t>app</a:t>
+            </a:r>
+            <a:r>
+              <a:rPr lang="it-IT" sz="2000" b="1" i="1" dirty="0"/>
+              <a:t> </a:t>
+            </a:r>
+            <a:r>
+              <a:rPr lang="it-IT" sz="2000" dirty="0"/>
+              <a:t>(</a:t>
+            </a:r>
+            <a:r>
+              <a:rPr lang="it-IT" sz="2000" dirty="0" err="1"/>
+              <a:t>append</a:t>
+            </a:r>
+            <a:r>
+              <a:rPr lang="it-IT" sz="2000" dirty="0"/>
+              <a:t>)</a:t>
+            </a:r>
+          </a:p>
+          <a:p>
+            <a:pPr lvl="2"/>
+            <a:r>
+              <a:rPr lang="it-IT" sz="1600" dirty="0"/>
+              <a:t>il file deve esistere</a:t>
+            </a:r>
+          </a:p>
+          <a:p>
+            <a:pPr lvl="2"/>
+            <a:r>
+              <a:rPr lang="it-IT" sz="1600" dirty="0"/>
+              <a:t>scritture in aggiunta al file precedente</a:t>
+            </a:r>
+          </a:p>
+        </p:txBody>
+      </p:sp>
+      <p:sp>
+        <p:nvSpPr>
+          <p:cNvPr id="5" name="Segnaposto piè di pagina 4">
+            <a:extLst>
+              <a:ext uri="{FF2B5EF4-FFF2-40B4-BE49-F238E27FC236}">
+                <a16:creationId xmlns:a16="http://schemas.microsoft.com/office/drawing/2014/main" id="{6FCFEE22-26D1-46F4-8E55-17BE8F449854}"/>
+              </a:ext>
+            </a:extLst>
+          </p:cNvPr>
+          <p:cNvSpPr>
+            <a:spLocks noGrp="1"/>
+          </p:cNvSpPr>
+          <p:nvPr>
+            <p:ph type="ftr" sz="quarter" idx="11"/>
+          </p:nvPr>
+        </p:nvSpPr>
+        <p:spPr/>
+        <p:txBody>
+          <a:bodyPr/>
+          <a:lstStyle/>
+          <a:p>
+            <a:pPr>
+              <a:defRPr/>
+            </a:pPr>
+            <a:r>
+              <a:rPr lang="it-IT"/>
+              <a:t>Alberto Ferrari – Programmazione di applicazioni SW</a:t>
+            </a:r>
+            <a:endParaRPr lang="it-IT" dirty="0"/>
+          </a:p>
+        </p:txBody>
+      </p:sp>
+    </p:spTree>
+    <p:extLst>
+      <p:ext uri="{BB962C8B-B14F-4D97-AF65-F5344CB8AC3E}">
+        <p14:creationId xmlns:p14="http://schemas.microsoft.com/office/powerpoint/2010/main" val="2669194939"/>
+      </p:ext>
+    </p:extLst>
+  </p:cSld>
+  <p:clrMapOvr>
+    <a:masterClrMapping/>
+  </p:clrMapOvr>
+</p:sld>
+</file>
+
 <file path=ppt/slides/slide2.xml><?xml version="1.0" encoding="utf-8"?>
 <p:sld xmlns:a="http://schemas.openxmlformats.org/drawingml/2006/main" xmlns:r="http://schemas.openxmlformats.org/officeDocument/2006/relationships" xmlns:p="http://schemas.openxmlformats.org/presentationml/2006/main">
   <p:cSld>
@@ -5168,11 +8102,19 @@
           <a:p>
             <a:r>
               <a:rPr lang="en-US" sz="2000" dirty="0" err="1"/>
-              <a:t>l’input</a:t>
+              <a:t>l’</a:t>
+            </a:r>
+            <a:r>
+              <a:rPr lang="en-US" sz="2000" b="1" i="1" dirty="0" err="1"/>
+              <a:t>input</a:t>
+            </a:r>
+            <a:r>
+              <a:rPr lang="en-US" sz="2000" b="1" i="1" dirty="0"/>
+              <a:t>/output </a:t>
             </a:r>
             <a:r>
               <a:rPr lang="en-US" sz="2000" dirty="0"/>
-              <a:t>/output del C++ è </a:t>
+              <a:t>del C++ è </a:t>
             </a:r>
             <a:r>
               <a:rPr lang="en-US" sz="2000" dirty="0" err="1"/>
@@ -5188,7 +8130,11 @@
             </a:r>
             <a:r>
               <a:rPr lang="en-US" sz="2000" dirty="0"/>
-              <a:t> stream</a:t>
+              <a:t> </a:t>
+            </a:r>
+            <a:r>
+              <a:rPr lang="en-US" sz="2000" b="1" i="1" dirty="0"/>
+              <a:t>stream</a:t>
             </a:r>
           </a:p>
           <a:p>
@@ -5209,11 +8155,11 @@
               <a:t> </a:t>
             </a:r>
             <a:r>
-              <a:rPr lang="en-US" sz="2000" dirty="0" err="1"/>
+              <a:rPr lang="en-US" sz="2000" b="1" i="1" dirty="0" err="1"/>
               <a:t>sequenze</a:t>
             </a:r>
             <a:r>
-              <a:rPr lang="en-US" sz="2000" dirty="0"/>
+              <a:rPr lang="en-US" sz="2000" b="1" i="1" dirty="0"/>
               <a:t> di byte </a:t>
             </a:r>
             <a:r>
@@ -5241,7 +8187,7 @@
               <a:t> </a:t>
             </a:r>
             <a:r>
-              <a:rPr lang="en-US" sz="2000" dirty="0" err="1"/>
+              <a:rPr lang="en-US" sz="2000" b="1" i="1" dirty="0" err="1"/>
               <a:t>flusso</a:t>
             </a:r>
             <a:r>
@@ -5285,7 +8231,15 @@
             </a:r>
             <a:r>
               <a:rPr lang="en-US" sz="2000" dirty="0"/>
-              <a:t> da intermediary </a:t>
+              <a:t> da </a:t>
+            </a:r>
+            <a:r>
+              <a:rPr lang="en-US" sz="2000" b="1" i="1" dirty="0" err="1"/>
+              <a:t>intermediari</a:t>
+            </a:r>
+            <a:r>
+              <a:rPr lang="en-US" sz="2000" dirty="0"/>
+              <a:t> </a:t>
             </a:r>
             <a:r>
               <a:rPr lang="en-US" sz="2000" dirty="0" err="1"/>
@@ -5526,7 +8480,19 @@
           <a:p>
             <a:r>
               <a:rPr lang="it-IT" dirty="0"/>
-              <a:t>nelle operazioni di input i dati vanno da una sorgente di input verso il programma</a:t>
+              <a:t>nelle operazioni di input i dati vanno da una </a:t>
+            </a:r>
+            <a:r>
+              <a:rPr lang="it-IT" b="1" i="1" dirty="0"/>
+              <a:t>sorgente di input </a:t>
+            </a:r>
+            <a:r>
+              <a:rPr lang="it-IT" dirty="0"/>
+              <a:t>verso il </a:t>
+            </a:r>
+            <a:r>
+              <a:rPr lang="it-IT" b="1" i="1" dirty="0"/>
+              <a:t>programma</a:t>
             </a:r>
           </a:p>
           <a:p>
@@ -5540,28 +8506,56 @@
             <a:pPr lvl="2"/>
             <a:r>
               <a:rPr lang="it-IT" dirty="0"/>
-              <a:t>la tastiera</a:t>
+              <a:t>la </a:t>
+            </a:r>
+            <a:r>
+              <a:rPr lang="it-IT" b="1" i="1" dirty="0"/>
+              <a:t>tastiera </a:t>
+            </a:r>
+            <a:r>
+              <a:rPr lang="it-IT" i="1" dirty="0"/>
+              <a:t>(console input standard)</a:t>
             </a:r>
           </a:p>
           <a:p>
             <a:pPr lvl="2"/>
             <a:r>
               <a:rPr lang="it-IT" dirty="0"/>
-              <a:t>un file</a:t>
+              <a:t>un </a:t>
+            </a:r>
+            <a:r>
+              <a:rPr lang="it-IT" b="1" i="1" dirty="0"/>
+              <a:t>file</a:t>
             </a:r>
           </a:p>
           <a:p>
             <a:pPr lvl="2"/>
             <a:r>
               <a:rPr lang="it-IT" dirty="0"/>
-              <a:t>una risorsa di rete</a:t>
+              <a:t>una </a:t>
+            </a:r>
+            <a:r>
+              <a:rPr lang="it-IT" b="1" i="1" dirty="0"/>
+              <a:t>risorsa di rete</a:t>
             </a:r>
           </a:p>
           <a:p>
             <a:pPr lvl="2"/>
             <a:r>
               <a:rPr lang="it-IT" dirty="0"/>
-              <a:t>l’output di un altro programma) </a:t>
+              <a:t>l’</a:t>
+            </a:r>
+            <a:r>
+              <a:rPr lang="it-IT" b="1" i="1" dirty="0"/>
+              <a:t>output</a:t>
+            </a:r>
+            <a:r>
+              <a:rPr lang="it-IT" dirty="0"/>
+              <a:t> di un altro </a:t>
+            </a:r>
+            <a:r>
+              <a:rPr lang="it-IT" b="1" i="1" dirty="0"/>
+              <a:t>programma</a:t>
             </a:r>
           </a:p>
           <a:p>
@@ -5729,7 +8723,7 @@
               <a:t> ha come </a:t>
             </a:r>
             <a:r>
-              <a:rPr lang="en-US" dirty="0" err="1"/>
+              <a:rPr lang="en-US" b="1" i="1" dirty="0" err="1"/>
               <a:t>sorgente</a:t>
             </a:r>
             <a:r>
@@ -5745,7 +8739,7 @@
               <a:t> </a:t>
             </a:r>
             <a:r>
-              <a:rPr lang="en-US" dirty="0" err="1"/>
+              <a:rPr lang="en-US" b="1" i="1" dirty="0" err="1"/>
               <a:t>programma</a:t>
             </a:r>
             <a:r>
@@ -5780,22 +8774,28 @@
           <a:p>
             <a:pPr lvl="1"/>
             <a:r>
+              <a:rPr lang="en-US" dirty="0" err="1"/>
+              <a:t>il</a:t>
+            </a:r>
+            <a:r>
               <a:rPr lang="en-US" dirty="0"/>
-              <a:t>la console (video)</a:t>
-            </a:r>
-          </a:p>
-          <a:p>
-            <a:pPr lvl="1"/>
+              <a:t> </a:t>
+            </a:r>
+            <a:r>
+              <a:rPr lang="en-US" b="1" i="1" dirty="0"/>
+              <a:t>video</a:t>
+            </a:r>
             <a:r>
               <a:rPr lang="en-US" dirty="0"/>
-              <a:t>un file </a:t>
-            </a:r>
-          </a:p>
-          <a:p>
-            <a:pPr lvl="1"/>
+              <a:t> (</a:t>
+            </a:r>
+            <a:r>
+              <a:rPr lang="en-US" i="1" dirty="0"/>
+              <a:t>console output standard</a:t>
+            </a:r>
             <a:r>
               <a:rPr lang="en-US" dirty="0"/>
-              <a:t>la rete</a:t>
+              <a:t>)</a:t>
             </a:r>
           </a:p>
           <a:p>
@@ -5805,6 +8805,32 @@
               <a:t>un </a:t>
             </a:r>
             <a:r>
+              <a:rPr lang="en-US" b="1" i="1" dirty="0"/>
+              <a:t>file</a:t>
+            </a:r>
+            <a:r>
+              <a:rPr lang="en-US" dirty="0"/>
+              <a:t> </a:t>
+            </a:r>
+          </a:p>
+          <a:p>
+            <a:pPr lvl="1"/>
+            <a:r>
+              <a:rPr lang="en-US" dirty="0"/>
+              <a:t>la </a:t>
+            </a:r>
+            <a:r>
+              <a:rPr lang="en-US" b="1" i="1" dirty="0"/>
+              <a:t>rete</a:t>
+            </a:r>
+          </a:p>
+          <a:p>
+            <a:pPr lvl="1"/>
+            <a:r>
+              <a:rPr lang="en-US" dirty="0"/>
+              <a:t>un </a:t>
+            </a:r>
+            <a:r>
               <a:rPr lang="en-US" dirty="0" err="1"/>
               <a:t>altro</a:t>
             </a:r>
@@ -5813,10 +8839,10 @@
               <a:t> </a:t>
             </a:r>
             <a:r>
-              <a:rPr lang="en-US" dirty="0" err="1"/>
+              <a:rPr lang="en-US" b="1" i="1" dirty="0" err="1"/>
               <a:t>programma</a:t>
             </a:r>
-            <a:endParaRPr lang="en-US" dirty="0"/>
+            <a:endParaRPr lang="en-US" b="1" i="1" dirty="0"/>
           </a:p>
         </p:txBody>
       </p:sp>
@@ -5932,29 +8958,73 @@
           <a:lstStyle/>
           <a:p>
             <a:r>
+              <a:rPr lang="it-IT" b="1" dirty="0"/>
+              <a:t>&lt;&lt;</a:t>
+            </a:r>
+            <a:r>
               <a:rPr lang="it-IT" dirty="0"/>
-              <a:t>&lt;&lt; e &gt;&gt; sono operatori di flusso che operano sugli stream</a:t>
-            </a:r>
-          </a:p>
-          <a:p>
+              <a:t> e </a:t>
+            </a:r>
+            <a:r>
+              <a:rPr lang="it-IT" b="1" dirty="0"/>
+              <a:t>&gt;&gt;</a:t>
+            </a:r>
             <a:r>
               <a:rPr lang="it-IT" dirty="0"/>
-              <a:t>&lt;&lt; estrazione da uno stream</a:t>
-            </a:r>
-          </a:p>
-          <a:p>
+              <a:t> sono </a:t>
+            </a:r>
+            <a:r>
+              <a:rPr lang="it-IT" b="1" i="1" dirty="0"/>
+              <a:t>operatori</a:t>
+            </a:r>
             <a:r>
               <a:rPr lang="it-IT" dirty="0"/>
-              <a:t>&gt;&gt; inserimento in uno stream</a:t>
+              <a:t> di flusso che operano sugli </a:t>
+            </a:r>
+            <a:r>
+              <a:rPr lang="it-IT" b="1" i="1" dirty="0"/>
+              <a:t>stream</a:t>
             </a:r>
           </a:p>
           <a:p>
             <a:r>
               <a:rPr lang="it-IT" dirty="0"/>
-              <a:t>cin, </a:t>
-            </a:r>
-            <a:r>
-              <a:rPr lang="it-IT" dirty="0" err="1"/>
+              <a:t>&lt;&lt; </a:t>
+            </a:r>
+            <a:r>
+              <a:rPr lang="it-IT" b="1" i="1" dirty="0"/>
+              <a:t>estrazione</a:t>
+            </a:r>
+            <a:r>
+              <a:rPr lang="it-IT" dirty="0"/>
+              <a:t> da uno stream</a:t>
+            </a:r>
+          </a:p>
+          <a:p>
+            <a:r>
+              <a:rPr lang="it-IT" dirty="0"/>
+              <a:t>&gt;&gt; </a:t>
+            </a:r>
+            <a:r>
+              <a:rPr lang="it-IT" b="1" i="1" dirty="0"/>
+              <a:t>inserimento</a:t>
+            </a:r>
+            <a:r>
+              <a:rPr lang="it-IT" dirty="0"/>
+              <a:t> in uno stream</a:t>
+            </a:r>
+          </a:p>
+          <a:p>
+            <a:r>
+              <a:rPr lang="it-IT" b="1" i="1" dirty="0"/>
+              <a:t>cin</a:t>
+            </a:r>
+            <a:r>
+              <a:rPr lang="it-IT" dirty="0"/>
+              <a:t>, </a:t>
+            </a:r>
+            <a:r>
+              <a:rPr lang="it-IT" b="1" i="1" dirty="0" err="1"/>
               <a:t>cout</a:t>
             </a:r>
             <a:r>
@@ -5962,7 +9032,7 @@
               <a:t> (e </a:t>
             </a:r>
             <a:r>
-              <a:rPr lang="it-IT" dirty="0" err="1"/>
+              <a:rPr lang="it-IT" b="1" i="1" dirty="0" err="1"/>
               <a:t>cerr</a:t>
             </a:r>
             <a:r>
@@ -5977,6 +9047,64 @@
               <a:rPr lang="it-IT" dirty="0"/>
               <a:t> standard</a:t>
             </a:r>
+          </a:p>
+          <a:p>
+            <a:pPr lvl="1"/>
+            <a:r>
+              <a:rPr lang="it-IT" b="1" i="1" dirty="0"/>
+              <a:t>c</a:t>
+            </a:r>
+            <a:r>
+              <a:rPr lang="it-IT" dirty="0"/>
+              <a:t>onsole </a:t>
+            </a:r>
+            <a:r>
+              <a:rPr lang="it-IT" b="1" i="1" dirty="0"/>
+              <a:t>in</a:t>
+            </a:r>
+            <a:r>
+              <a:rPr lang="it-IT" dirty="0"/>
+              <a:t>put</a:t>
+            </a:r>
+          </a:p>
+          <a:p>
+            <a:pPr lvl="1"/>
+            <a:r>
+              <a:rPr lang="it-IT" b="1" i="1" dirty="0"/>
+              <a:t>c</a:t>
+            </a:r>
+            <a:r>
+              <a:rPr lang="it-IT" dirty="0"/>
+              <a:t>onsole </a:t>
+            </a:r>
+            <a:r>
+              <a:rPr lang="it-IT" b="1" i="1" dirty="0"/>
+              <a:t>out</a:t>
+            </a:r>
+            <a:r>
+              <a:rPr lang="it-IT" dirty="0"/>
+              <a:t>put</a:t>
+            </a:r>
+          </a:p>
+          <a:p>
+            <a:pPr lvl="1"/>
+            <a:r>
+              <a:rPr lang="it-IT" b="1" i="1" dirty="0"/>
+              <a:t>c</a:t>
+            </a:r>
+            <a:r>
+              <a:rPr lang="it-IT" dirty="0"/>
+              <a:t>onsole </a:t>
+            </a:r>
+            <a:r>
+              <a:rPr lang="it-IT" b="1" i="1" dirty="0" err="1"/>
+              <a:t>err</a:t>
+            </a:r>
+            <a:r>
+              <a:rPr lang="it-IT" dirty="0" err="1"/>
+              <a:t>or</a:t>
+            </a:r>
+            <a:endParaRPr lang="it-IT" dirty="0"/>
           </a:p>
           <a:p>
             <a:endParaRPr lang="it-IT" dirty="0"/>
@@ -6029,6 +9157,132 @@
 </file>
 
 <file path=ppt/slides/slide6.xml><?xml version="1.0" encoding="utf-8"?>
+<p:sld xmlns:a="http://schemas.openxmlformats.org/drawingml/2006/main" xmlns:r="http://schemas.openxmlformats.org/officeDocument/2006/relationships" xmlns:p="http://schemas.openxmlformats.org/presentationml/2006/main">
+  <p:cSld>
+    <p:spTree>
+      <p:nvGrpSpPr>
+        <p:cNvPr id="1" name=""/>
+        <p:cNvGrpSpPr/>
+        <p:nvPr/>
+      </p:nvGrpSpPr>
+      <p:grpSpPr>
+        <a:xfrm>
+          <a:off x="0" y="0"/>
+          <a:ext cx="0" cy="0"/>
+          <a:chOff x="0" y="0"/>
+          <a:chExt cx="0" cy="0"/>
+        </a:xfrm>
+      </p:grpSpPr>
+      <p:sp>
+        <p:nvSpPr>
+          <p:cNvPr id="5" name="Titolo 4">
+            <a:extLst>
+              <a:ext uri="{FF2B5EF4-FFF2-40B4-BE49-F238E27FC236}">
+                <a16:creationId xmlns:a16="http://schemas.microsoft.com/office/drawing/2014/main" id="{6D76AB36-10F9-457C-AAA5-1D151166CAFB}"/>
+              </a:ext>
+            </a:extLst>
+          </p:cNvPr>
+          <p:cNvSpPr>
+            <a:spLocks noGrp="1"/>
+          </p:cNvSpPr>
+          <p:nvPr>
+            <p:ph type="title"/>
+          </p:nvPr>
+        </p:nvSpPr>
+        <p:spPr/>
+        <p:txBody>
+          <a:bodyPr/>
+          <a:lstStyle/>
+          <a:p>
+            <a:r>
+              <a:rPr lang="it-IT" cap="none" dirty="0"/>
+              <a:t>cin &gt;&gt; 		</a:t>
+            </a:r>
+            <a:r>
+              <a:rPr lang="it-IT" cap="none" dirty="0" err="1"/>
+              <a:t>cout</a:t>
+            </a:r>
+            <a:r>
+              <a:rPr lang="it-IT" cap="none" dirty="0"/>
+              <a:t> &lt;&lt; </a:t>
+            </a:r>
+          </a:p>
+        </p:txBody>
+      </p:sp>
+      <p:sp>
+        <p:nvSpPr>
+          <p:cNvPr id="6" name="Segnaposto testo 5">
+            <a:extLst>
+              <a:ext uri="{FF2B5EF4-FFF2-40B4-BE49-F238E27FC236}">
+                <a16:creationId xmlns:a16="http://schemas.microsoft.com/office/drawing/2014/main" id="{8C834CE3-236D-4951-A109-1DFB2180EEE4}"/>
+              </a:ext>
+            </a:extLst>
+          </p:cNvPr>
+          <p:cNvSpPr>
+            <a:spLocks noGrp="1"/>
+          </p:cNvSpPr>
+          <p:nvPr>
+            <p:ph type="body" idx="1"/>
+          </p:nvPr>
+        </p:nvSpPr>
+        <p:spPr/>
+        <p:txBody>
+          <a:bodyPr/>
+          <a:lstStyle/>
+          <a:p>
+            <a:r>
+              <a:rPr lang="it-IT" dirty="0"/>
+              <a:t>I/O console</a:t>
+            </a:r>
+          </a:p>
+        </p:txBody>
+      </p:sp>
+      <p:sp>
+        <p:nvSpPr>
+          <p:cNvPr id="4" name="Segnaposto piè di pagina 3">
+            <a:extLst>
+              <a:ext uri="{FF2B5EF4-FFF2-40B4-BE49-F238E27FC236}">
+                <a16:creationId xmlns:a16="http://schemas.microsoft.com/office/drawing/2014/main" id="{C372061F-8D44-4F07-8488-B4A62D018C84}"/>
+              </a:ext>
+            </a:extLst>
+          </p:cNvPr>
+          <p:cNvSpPr>
+            <a:spLocks noGrp="1"/>
+          </p:cNvSpPr>
+          <p:nvPr>
+            <p:ph type="ftr" sz="quarter" idx="11"/>
+          </p:nvPr>
+        </p:nvSpPr>
+        <p:spPr/>
+        <p:txBody>
+          <a:bodyPr/>
+          <a:lstStyle/>
+          <a:p>
+            <a:pPr>
+              <a:defRPr/>
+            </a:pPr>
+            <a:r>
+              <a:rPr lang="it-IT"/>
+              <a:t>Alberto Ferrari – Programmazione di applicazioni SW</a:t>
+            </a:r>
+            <a:endParaRPr lang="it-IT" dirty="0"/>
+          </a:p>
+        </p:txBody>
+      </p:sp>
+    </p:spTree>
+    <p:extLst>
+      <p:ext uri="{BB962C8B-B14F-4D97-AF65-F5344CB8AC3E}">
+        <p14:creationId xmlns:p14="http://schemas.microsoft.com/office/powerpoint/2010/main" val="2206539186"/>
+      </p:ext>
+    </p:extLst>
+  </p:cSld>
+  <p:clrMapOvr>
+    <a:masterClrMapping/>
+  </p:clrMapOvr>
+</p:sld>
+</file>
+
+<file path=ppt/slides/slide7.xml><?xml version="1.0" encoding="utf-8"?>
 <p:sld xmlns:a="http://schemas.openxmlformats.org/drawingml/2006/main" xmlns:r="http://schemas.openxmlformats.org/officeDocument/2006/relationships" xmlns:p="http://schemas.openxmlformats.org/presentationml/2006/main">
   <p:cSld>
     <p:spTree>
@@ -7128,7 +10382,7 @@
 </p:sld>
 </file>
 
-<file path=ppt/slides/slide7.xml><?xml version="1.0" encoding="utf-8"?>
+<file path=ppt/slides/slide8.xml><?xml version="1.0" encoding="utf-8"?>
 <p:sld xmlns:a="http://schemas.openxmlformats.org/drawingml/2006/main" xmlns:r="http://schemas.openxmlformats.org/officeDocument/2006/relationships" xmlns:p="http://schemas.openxmlformats.org/presentationml/2006/main">
   <p:cSld>
     <p:spTree>
@@ -7492,6 +10746,125 @@
     <p:extLst>
       <p:ext uri="{BB962C8B-B14F-4D97-AF65-F5344CB8AC3E}">
         <p14:creationId xmlns:p14="http://schemas.microsoft.com/office/powerpoint/2010/main" val="3763043185"/>
+      </p:ext>
+    </p:extLst>
+  </p:cSld>
+  <p:clrMapOvr>
+    <a:masterClrMapping/>
+  </p:clrMapOvr>
+</p:sld>
+</file>
+
+<file path=ppt/slides/slide9.xml><?xml version="1.0" encoding="utf-8"?>
+<p:sld xmlns:a="http://schemas.openxmlformats.org/drawingml/2006/main" xmlns:r="http://schemas.openxmlformats.org/officeDocument/2006/relationships" xmlns:p="http://schemas.openxmlformats.org/presentationml/2006/main">
+  <p:cSld>
+    <p:spTree>
+      <p:nvGrpSpPr>
+        <p:cNvPr id="1" name=""/>
+        <p:cNvGrpSpPr/>
+        <p:nvPr/>
+      </p:nvGrpSpPr>
+      <p:grpSpPr>
+        <a:xfrm>
+          <a:off x="0" y="0"/>
+          <a:ext cx="0" cy="0"/>
+          <a:chOff x="0" y="0"/>
+          <a:chExt cx="0" cy="0"/>
+        </a:xfrm>
+      </p:grpSpPr>
+      <p:sp>
+        <p:nvSpPr>
+          <p:cNvPr id="5" name="Titolo 4">
+            <a:extLst>
+              <a:ext uri="{FF2B5EF4-FFF2-40B4-BE49-F238E27FC236}">
+                <a16:creationId xmlns:a16="http://schemas.microsoft.com/office/drawing/2014/main" id="{CC4E5C47-524D-4780-9916-F656A1FC5751}"/>
+              </a:ext>
+            </a:extLst>
+          </p:cNvPr>
+          <p:cNvSpPr>
+            <a:spLocks noGrp="1"/>
+          </p:cNvSpPr>
+          <p:nvPr>
+            <p:ph type="title"/>
+          </p:nvPr>
+        </p:nvSpPr>
+        <p:spPr/>
+        <p:txBody>
+          <a:bodyPr/>
+          <a:lstStyle/>
+          <a:p>
+            <a:r>
+              <a:rPr lang="it-IT" cap="none" dirty="0" err="1"/>
+              <a:t>fstrem</a:t>
+            </a:r>
+            <a:endParaRPr lang="it-IT" cap="none" dirty="0"/>
+          </a:p>
+        </p:txBody>
+      </p:sp>
+      <p:sp>
+        <p:nvSpPr>
+          <p:cNvPr id="6" name="Segnaposto testo 5">
+            <a:extLst>
+              <a:ext uri="{FF2B5EF4-FFF2-40B4-BE49-F238E27FC236}">
+                <a16:creationId xmlns:a16="http://schemas.microsoft.com/office/drawing/2014/main" id="{90AA0D93-EEE3-47D1-A52A-15A2D91CB8A1}"/>
+              </a:ext>
+            </a:extLst>
+          </p:cNvPr>
+          <p:cNvSpPr>
+            <a:spLocks noGrp="1"/>
+          </p:cNvSpPr>
+          <p:nvPr>
+            <p:ph type="body" idx="1"/>
+          </p:nvPr>
+        </p:nvSpPr>
+        <p:spPr/>
+        <p:txBody>
+          <a:bodyPr/>
+          <a:lstStyle/>
+          <a:p>
+            <a:r>
+              <a:rPr lang="it-IT" dirty="0"/>
+              <a:t>I/O file</a:t>
+            </a:r>
+          </a:p>
+        </p:txBody>
+      </p:sp>
+      <p:sp>
+        <p:nvSpPr>
+          <p:cNvPr id="4" name="Segnaposto piè di pagina 3">
+            <a:extLst>
+              <a:ext uri="{FF2B5EF4-FFF2-40B4-BE49-F238E27FC236}">
+                <a16:creationId xmlns:a16="http://schemas.microsoft.com/office/drawing/2014/main" id="{B07429E8-CFAA-492D-87F1-DAA1687A5A9A}"/>
+              </a:ext>
+            </a:extLst>
+          </p:cNvPr>
+          <p:cNvSpPr>
+            <a:spLocks noGrp="1"/>
+          </p:cNvSpPr>
+          <p:nvPr>
+            <p:ph type="ftr" sz="quarter" idx="11"/>
+          </p:nvPr>
+        </p:nvSpPr>
+        <p:spPr/>
+        <p:txBody>
+          <a:bodyPr/>
+          <a:lstStyle/>
+          <a:p>
+            <a:pPr>
+              <a:defRPr/>
+            </a:pPr>
+            <a:r>
+              <a:rPr lang="it-IT"/>
+              <a:t>Alberto Ferrari – Programmazione di applicazioni SW</a:t>
+            </a:r>
+            <a:endParaRPr lang="it-IT" dirty="0"/>
+          </a:p>
+        </p:txBody>
+      </p:sp>
+    </p:spTree>
+    <p:extLst>
+      <p:ext uri="{BB962C8B-B14F-4D97-AF65-F5344CB8AC3E}">
+        <p14:creationId xmlns:p14="http://schemas.microsoft.com/office/powerpoint/2010/main" val="1372416771"/>
       </p:ext>
     </p:extLst>
   </p:cSld>

--- a/lezioni/PASW03c - C++ input output.pptx
+++ b/lezioni/PASW03c - C++ input output.pptx
@@ -5,7 +5,7 @@
     <p:sldMasterId id="2147483649" r:id="rId1"/>
   </p:sldMasterIdLst>
   <p:notesMasterIdLst>
-    <p:notesMasterId r:id="rId17"/>
+    <p:notesMasterId r:id="rId19"/>
   </p:notesMasterIdLst>
   <p:sldIdLst>
     <p:sldId id="258" r:id="rId2"/>
@@ -23,6 +23,8 @@
     <p:sldId id="271" r:id="rId14"/>
     <p:sldId id="272" r:id="rId15"/>
     <p:sldId id="273" r:id="rId16"/>
+    <p:sldId id="274" r:id="rId17"/>
+    <p:sldId id="275" r:id="rId18"/>
   </p:sldIdLst>
   <p:sldSz cx="12192000" cy="6858000"/>
   <p:notesSz cx="6858000" cy="9144000"/>
@@ -8025,6 +8027,1601 @@
     <p:extLst>
       <p:ext uri="{BB962C8B-B14F-4D97-AF65-F5344CB8AC3E}">
         <p14:creationId xmlns:p14="http://schemas.microsoft.com/office/powerpoint/2010/main" val="2669194939"/>
+      </p:ext>
+    </p:extLst>
+  </p:cSld>
+  <p:clrMapOvr>
+    <a:masterClrMapping/>
+  </p:clrMapOvr>
+</p:sld>
+</file>
+
+<file path=ppt/slides/slide16.xml><?xml version="1.0" encoding="utf-8"?>
+<p:sld xmlns:a="http://schemas.openxmlformats.org/drawingml/2006/main" xmlns:r="http://schemas.openxmlformats.org/officeDocument/2006/relationships" xmlns:p="http://schemas.openxmlformats.org/presentationml/2006/main">
+  <p:cSld>
+    <p:spTree>
+      <p:nvGrpSpPr>
+        <p:cNvPr id="1" name=""/>
+        <p:cNvGrpSpPr/>
+        <p:nvPr/>
+      </p:nvGrpSpPr>
+      <p:grpSpPr>
+        <a:xfrm>
+          <a:off x="0" y="0"/>
+          <a:ext cx="0" cy="0"/>
+          <a:chOff x="0" y="0"/>
+          <a:chExt cx="0" cy="0"/>
+        </a:xfrm>
+      </p:grpSpPr>
+      <p:sp>
+        <p:nvSpPr>
+          <p:cNvPr id="2" name="Titolo 1">
+            <a:extLst>
+              <a:ext uri="{FF2B5EF4-FFF2-40B4-BE49-F238E27FC236}">
+                <a16:creationId xmlns:a16="http://schemas.microsoft.com/office/drawing/2014/main" id="{297B3B15-F07C-4EAF-967B-D6D7B565C7FF}"/>
+              </a:ext>
+            </a:extLst>
+          </p:cNvPr>
+          <p:cNvSpPr>
+            <a:spLocks noGrp="1"/>
+          </p:cNvSpPr>
+          <p:nvPr>
+            <p:ph type="title"/>
+          </p:nvPr>
+        </p:nvSpPr>
+        <p:spPr/>
+        <p:txBody>
+          <a:bodyPr/>
+          <a:lstStyle/>
+          <a:p>
+            <a:r>
+              <a:rPr lang="it-IT" sz="2400" dirty="0"/>
+              <a:t>es. uso dei separatori</a:t>
+            </a:r>
+          </a:p>
+        </p:txBody>
+      </p:sp>
+      <p:sp>
+        <p:nvSpPr>
+          <p:cNvPr id="3" name="Segnaposto contenuto 2">
+            <a:extLst>
+              <a:ext uri="{FF2B5EF4-FFF2-40B4-BE49-F238E27FC236}">
+                <a16:creationId xmlns:a16="http://schemas.microsoft.com/office/drawing/2014/main" id="{56330E9F-B9A6-43AC-9B41-2978893517AD}"/>
+              </a:ext>
+            </a:extLst>
+          </p:cNvPr>
+          <p:cNvSpPr>
+            <a:spLocks noGrp="1"/>
+          </p:cNvSpPr>
+          <p:nvPr>
+            <p:ph sz="half" idx="1"/>
+          </p:nvPr>
+        </p:nvSpPr>
+        <p:spPr/>
+        <p:txBody>
+          <a:bodyPr/>
+          <a:lstStyle/>
+          <a:p>
+            <a:pPr marL="0" indent="0">
+              <a:buNone/>
+            </a:pPr>
+            <a:r>
+              <a:rPr lang="it-IT" sz="1200" b="1" dirty="0">
+                <a:latin typeface="Courier New" panose="02070309020205020404" pitchFamily="49" charset="0"/>
+                <a:cs typeface="Courier New" panose="02070309020205020404" pitchFamily="49" charset="0"/>
+              </a:rPr>
+              <a:t>#include &lt;</a:t>
+            </a:r>
+            <a:r>
+              <a:rPr lang="it-IT" sz="1200" b="1" dirty="0" err="1">
+                <a:latin typeface="Courier New" panose="02070309020205020404" pitchFamily="49" charset="0"/>
+                <a:cs typeface="Courier New" panose="02070309020205020404" pitchFamily="49" charset="0"/>
+              </a:rPr>
+              <a:t>iostream</a:t>
+            </a:r>
+            <a:r>
+              <a:rPr lang="it-IT" sz="1200" b="1" dirty="0">
+                <a:latin typeface="Courier New" panose="02070309020205020404" pitchFamily="49" charset="0"/>
+                <a:cs typeface="Courier New" panose="02070309020205020404" pitchFamily="49" charset="0"/>
+              </a:rPr>
+              <a:t>&gt;</a:t>
+            </a:r>
+          </a:p>
+          <a:p>
+            <a:pPr marL="0" indent="0">
+              <a:buNone/>
+            </a:pPr>
+            <a:r>
+              <a:rPr lang="it-IT" sz="1200" b="1" dirty="0">
+                <a:latin typeface="Courier New" panose="02070309020205020404" pitchFamily="49" charset="0"/>
+                <a:cs typeface="Courier New" panose="02070309020205020404" pitchFamily="49" charset="0"/>
+              </a:rPr>
+              <a:t>#include &lt;</a:t>
+            </a:r>
+            <a:r>
+              <a:rPr lang="it-IT" sz="1200" b="1" dirty="0" err="1">
+                <a:latin typeface="Courier New" panose="02070309020205020404" pitchFamily="49" charset="0"/>
+                <a:cs typeface="Courier New" panose="02070309020205020404" pitchFamily="49" charset="0"/>
+              </a:rPr>
+              <a:t>fstream</a:t>
+            </a:r>
+            <a:r>
+              <a:rPr lang="it-IT" sz="1200" b="1" dirty="0">
+                <a:latin typeface="Courier New" panose="02070309020205020404" pitchFamily="49" charset="0"/>
+                <a:cs typeface="Courier New" panose="02070309020205020404" pitchFamily="49" charset="0"/>
+              </a:rPr>
+              <a:t>&gt;</a:t>
+            </a:r>
+          </a:p>
+          <a:p>
+            <a:pPr marL="0" indent="0">
+              <a:buNone/>
+            </a:pPr>
+            <a:r>
+              <a:rPr lang="it-IT" sz="1200" b="1" dirty="0">
+                <a:latin typeface="Courier New" panose="02070309020205020404" pitchFamily="49" charset="0"/>
+                <a:cs typeface="Courier New" panose="02070309020205020404" pitchFamily="49" charset="0"/>
+              </a:rPr>
+              <a:t>#include &lt;</a:t>
+            </a:r>
+            <a:r>
+              <a:rPr lang="it-IT" sz="1200" b="1" dirty="0" err="1">
+                <a:latin typeface="Courier New" panose="02070309020205020404" pitchFamily="49" charset="0"/>
+                <a:cs typeface="Courier New" panose="02070309020205020404" pitchFamily="49" charset="0"/>
+              </a:rPr>
+              <a:t>string</a:t>
+            </a:r>
+            <a:r>
+              <a:rPr lang="it-IT" sz="1200" b="1" dirty="0">
+                <a:latin typeface="Courier New" panose="02070309020205020404" pitchFamily="49" charset="0"/>
+                <a:cs typeface="Courier New" panose="02070309020205020404" pitchFamily="49" charset="0"/>
+              </a:rPr>
+              <a:t>&gt;</a:t>
+            </a:r>
+          </a:p>
+          <a:p>
+            <a:pPr marL="0" indent="0">
+              <a:buNone/>
+            </a:pPr>
+            <a:r>
+              <a:rPr lang="it-IT" sz="1200" b="1" dirty="0" err="1">
+                <a:latin typeface="Courier New" panose="02070309020205020404" pitchFamily="49" charset="0"/>
+                <a:cs typeface="Courier New" panose="02070309020205020404" pitchFamily="49" charset="0"/>
+              </a:rPr>
+              <a:t>using</a:t>
+            </a:r>
+            <a:r>
+              <a:rPr lang="it-IT" sz="1200" b="1" dirty="0">
+                <a:latin typeface="Courier New" panose="02070309020205020404" pitchFamily="49" charset="0"/>
+                <a:cs typeface="Courier New" panose="02070309020205020404" pitchFamily="49" charset="0"/>
+              </a:rPr>
+              <a:t> </a:t>
+            </a:r>
+            <a:r>
+              <a:rPr lang="it-IT" sz="1200" b="1" dirty="0" err="1">
+                <a:latin typeface="Courier New" panose="02070309020205020404" pitchFamily="49" charset="0"/>
+                <a:cs typeface="Courier New" panose="02070309020205020404" pitchFamily="49" charset="0"/>
+              </a:rPr>
+              <a:t>namespace</a:t>
+            </a:r>
+            <a:r>
+              <a:rPr lang="it-IT" sz="1200" b="1" dirty="0">
+                <a:latin typeface="Courier New" panose="02070309020205020404" pitchFamily="49" charset="0"/>
+                <a:cs typeface="Courier New" panose="02070309020205020404" pitchFamily="49" charset="0"/>
+              </a:rPr>
+              <a:t> </a:t>
+            </a:r>
+            <a:r>
+              <a:rPr lang="it-IT" sz="1200" b="1" dirty="0" err="1">
+                <a:latin typeface="Courier New" panose="02070309020205020404" pitchFamily="49" charset="0"/>
+                <a:cs typeface="Courier New" panose="02070309020205020404" pitchFamily="49" charset="0"/>
+              </a:rPr>
+              <a:t>std</a:t>
+            </a:r>
+            <a:r>
+              <a:rPr lang="it-IT" sz="1200" b="1" dirty="0">
+                <a:latin typeface="Courier New" panose="02070309020205020404" pitchFamily="49" charset="0"/>
+                <a:cs typeface="Courier New" panose="02070309020205020404" pitchFamily="49" charset="0"/>
+              </a:rPr>
+              <a:t>;</a:t>
+            </a:r>
+          </a:p>
+          <a:p>
+            <a:pPr marL="0" indent="0">
+              <a:buNone/>
+            </a:pPr>
+            <a:r>
+              <a:rPr lang="it-IT" sz="1200" b="1" dirty="0" err="1">
+                <a:latin typeface="Courier New" panose="02070309020205020404" pitchFamily="49" charset="0"/>
+                <a:cs typeface="Courier New" panose="02070309020205020404" pitchFamily="49" charset="0"/>
+              </a:rPr>
+              <a:t>int</a:t>
+            </a:r>
+            <a:r>
+              <a:rPr lang="it-IT" sz="1200" b="1" dirty="0">
+                <a:latin typeface="Courier New" panose="02070309020205020404" pitchFamily="49" charset="0"/>
+                <a:cs typeface="Courier New" panose="02070309020205020404" pitchFamily="49" charset="0"/>
+              </a:rPr>
+              <a:t> </a:t>
+            </a:r>
+            <a:r>
+              <a:rPr lang="it-IT" sz="1200" b="1" dirty="0" err="1">
+                <a:latin typeface="Courier New" panose="02070309020205020404" pitchFamily="49" charset="0"/>
+                <a:cs typeface="Courier New" panose="02070309020205020404" pitchFamily="49" charset="0"/>
+              </a:rPr>
+              <a:t>main</a:t>
+            </a:r>
+            <a:r>
+              <a:rPr lang="it-IT" sz="1200" b="1" dirty="0">
+                <a:latin typeface="Courier New" panose="02070309020205020404" pitchFamily="49" charset="0"/>
+                <a:cs typeface="Courier New" panose="02070309020205020404" pitchFamily="49" charset="0"/>
+              </a:rPr>
+              <a:t>() {</a:t>
+            </a:r>
+          </a:p>
+          <a:p>
+            <a:pPr marL="400050" lvl="1" indent="0">
+              <a:buNone/>
+            </a:pPr>
+            <a:r>
+              <a:rPr lang="it-IT" sz="1200" b="1" dirty="0" err="1">
+                <a:latin typeface="Courier New" panose="02070309020205020404" pitchFamily="49" charset="0"/>
+                <a:cs typeface="Courier New" panose="02070309020205020404" pitchFamily="49" charset="0"/>
+              </a:rPr>
+              <a:t>fstream</a:t>
+            </a:r>
+            <a:r>
+              <a:rPr lang="it-IT" sz="1200" b="1" dirty="0">
+                <a:latin typeface="Courier New" panose="02070309020205020404" pitchFamily="49" charset="0"/>
+                <a:cs typeface="Courier New" panose="02070309020205020404" pitchFamily="49" charset="0"/>
+              </a:rPr>
+              <a:t> f1,f2;</a:t>
+            </a:r>
+          </a:p>
+          <a:p>
+            <a:pPr marL="400050" lvl="1" indent="0">
+              <a:buNone/>
+            </a:pPr>
+            <a:r>
+              <a:rPr lang="it-IT" sz="1200" b="1" dirty="0" err="1">
+                <a:latin typeface="Courier New" panose="02070309020205020404" pitchFamily="49" charset="0"/>
+                <a:cs typeface="Courier New" panose="02070309020205020404" pitchFamily="49" charset="0"/>
+              </a:rPr>
+              <a:t>int</a:t>
+            </a:r>
+            <a:r>
+              <a:rPr lang="it-IT" sz="1200" b="1" dirty="0">
+                <a:latin typeface="Courier New" panose="02070309020205020404" pitchFamily="49" charset="0"/>
+                <a:cs typeface="Courier New" panose="02070309020205020404" pitchFamily="49" charset="0"/>
+              </a:rPr>
+              <a:t> i; </a:t>
+            </a:r>
+            <a:r>
+              <a:rPr lang="it-IT" sz="1200" b="1" dirty="0" err="1">
+                <a:latin typeface="Courier New" panose="02070309020205020404" pitchFamily="49" charset="0"/>
+                <a:cs typeface="Courier New" panose="02070309020205020404" pitchFamily="49" charset="0"/>
+              </a:rPr>
+              <a:t>char</a:t>
+            </a:r>
+            <a:r>
+              <a:rPr lang="it-IT" sz="1200" b="1" dirty="0">
+                <a:latin typeface="Courier New" panose="02070309020205020404" pitchFamily="49" charset="0"/>
+                <a:cs typeface="Courier New" panose="02070309020205020404" pitchFamily="49" charset="0"/>
+              </a:rPr>
+              <a:t> c; </a:t>
+            </a:r>
+            <a:r>
+              <a:rPr lang="it-IT" sz="1200" b="1" dirty="0" err="1">
+                <a:latin typeface="Courier New" panose="02070309020205020404" pitchFamily="49" charset="0"/>
+                <a:cs typeface="Courier New" panose="02070309020205020404" pitchFamily="49" charset="0"/>
+              </a:rPr>
+              <a:t>string</a:t>
+            </a:r>
+            <a:r>
+              <a:rPr lang="it-IT" sz="1200" b="1" dirty="0">
+                <a:latin typeface="Courier New" panose="02070309020205020404" pitchFamily="49" charset="0"/>
+                <a:cs typeface="Courier New" panose="02070309020205020404" pitchFamily="49" charset="0"/>
+              </a:rPr>
+              <a:t> s; double d; f1.open("pasw03c06.txt", </a:t>
+            </a:r>
+            <a:r>
+              <a:rPr lang="it-IT" sz="1200" b="1" dirty="0" err="1">
+                <a:latin typeface="Courier New" panose="02070309020205020404" pitchFamily="49" charset="0"/>
+                <a:cs typeface="Courier New" panose="02070309020205020404" pitchFamily="49" charset="0"/>
+              </a:rPr>
+              <a:t>ios</a:t>
+            </a:r>
+            <a:r>
+              <a:rPr lang="it-IT" sz="1200" b="1" dirty="0">
+                <a:latin typeface="Courier New" panose="02070309020205020404" pitchFamily="49" charset="0"/>
+                <a:cs typeface="Courier New" panose="02070309020205020404" pitchFamily="49" charset="0"/>
+              </a:rPr>
+              <a:t>::out);</a:t>
+            </a:r>
+          </a:p>
+          <a:p>
+            <a:pPr marL="400050" lvl="1" indent="0">
+              <a:buNone/>
+            </a:pPr>
+            <a:r>
+              <a:rPr lang="it-IT" sz="1200" b="1" dirty="0">
+                <a:latin typeface="Courier New" panose="02070309020205020404" pitchFamily="49" charset="0"/>
+                <a:cs typeface="Courier New" panose="02070309020205020404" pitchFamily="49" charset="0"/>
+              </a:rPr>
+              <a:t>f1 &lt;&lt; 123 &lt;&lt; </a:t>
+            </a:r>
+            <a:r>
+              <a:rPr lang="it-IT" sz="1200" b="1" dirty="0">
+                <a:solidFill>
+                  <a:srgbClr val="FF0000"/>
+                </a:solidFill>
+                <a:latin typeface="Courier New" panose="02070309020205020404" pitchFamily="49" charset="0"/>
+                <a:cs typeface="Courier New" panose="02070309020205020404" pitchFamily="49" charset="0"/>
+              </a:rPr>
+              <a:t>" "</a:t>
+            </a:r>
+            <a:r>
+              <a:rPr lang="it-IT" sz="1200" b="1" dirty="0">
+                <a:latin typeface="Courier New" panose="02070309020205020404" pitchFamily="49" charset="0"/>
+                <a:cs typeface="Courier New" panose="02070309020205020404" pitchFamily="49" charset="0"/>
+              </a:rPr>
+              <a:t> &lt;&lt; 'a' &lt;&lt; </a:t>
+            </a:r>
+            <a:r>
+              <a:rPr lang="it-IT" sz="1200" b="1" dirty="0">
+                <a:solidFill>
+                  <a:srgbClr val="FF0000"/>
+                </a:solidFill>
+                <a:latin typeface="Courier New" panose="02070309020205020404" pitchFamily="49" charset="0"/>
+                <a:cs typeface="Courier New" panose="02070309020205020404" pitchFamily="49" charset="0"/>
+              </a:rPr>
+              <a:t>'\t'</a:t>
+            </a:r>
+            <a:r>
+              <a:rPr lang="it-IT" sz="1200" b="1" dirty="0">
+                <a:latin typeface="Courier New" panose="02070309020205020404" pitchFamily="49" charset="0"/>
+                <a:cs typeface="Courier New" panose="02070309020205020404" pitchFamily="49" charset="0"/>
+              </a:rPr>
+              <a:t> &lt;&lt; "text" </a:t>
+            </a:r>
+          </a:p>
+          <a:p>
+            <a:pPr marL="400050" lvl="1" indent="0">
+              <a:buNone/>
+            </a:pPr>
+            <a:r>
+              <a:rPr lang="it-IT" sz="1200" b="1" dirty="0">
+                <a:latin typeface="Courier New" panose="02070309020205020404" pitchFamily="49" charset="0"/>
+                <a:cs typeface="Courier New" panose="02070309020205020404" pitchFamily="49" charset="0"/>
+              </a:rPr>
+              <a:t>   &lt;&lt; </a:t>
+            </a:r>
+            <a:r>
+              <a:rPr lang="it-IT" sz="1200" b="1" dirty="0">
+                <a:solidFill>
+                  <a:srgbClr val="FF0000"/>
+                </a:solidFill>
+                <a:latin typeface="Courier New" panose="02070309020205020404" pitchFamily="49" charset="0"/>
+                <a:cs typeface="Courier New" panose="02070309020205020404" pitchFamily="49" charset="0"/>
+              </a:rPr>
+              <a:t>" "</a:t>
+            </a:r>
+            <a:r>
+              <a:rPr lang="it-IT" sz="1200" b="1" dirty="0">
+                <a:latin typeface="Courier New" panose="02070309020205020404" pitchFamily="49" charset="0"/>
+                <a:cs typeface="Courier New" panose="02070309020205020404" pitchFamily="49" charset="0"/>
+              </a:rPr>
+              <a:t> &lt;&lt; 3.14  &lt;&lt; </a:t>
+            </a:r>
+            <a:r>
+              <a:rPr lang="it-IT" sz="1200" b="1" dirty="0" err="1">
+                <a:solidFill>
+                  <a:srgbClr val="FF0000"/>
+                </a:solidFill>
+                <a:latin typeface="Courier New" panose="02070309020205020404" pitchFamily="49" charset="0"/>
+                <a:cs typeface="Courier New" panose="02070309020205020404" pitchFamily="49" charset="0"/>
+              </a:rPr>
+              <a:t>endl</a:t>
+            </a:r>
+            <a:r>
+              <a:rPr lang="it-IT" sz="1200" b="1" dirty="0">
+                <a:solidFill>
+                  <a:srgbClr val="FF0000"/>
+                </a:solidFill>
+                <a:latin typeface="Courier New" panose="02070309020205020404" pitchFamily="49" charset="0"/>
+                <a:cs typeface="Courier New" panose="02070309020205020404" pitchFamily="49" charset="0"/>
+              </a:rPr>
+              <a:t>;</a:t>
+            </a:r>
+          </a:p>
+          <a:p>
+            <a:pPr marL="400050" lvl="1" indent="0">
+              <a:buNone/>
+            </a:pPr>
+            <a:r>
+              <a:rPr lang="it-IT" sz="1200" b="1" dirty="0">
+                <a:latin typeface="Courier New" panose="02070309020205020404" pitchFamily="49" charset="0"/>
+                <a:cs typeface="Courier New" panose="02070309020205020404" pitchFamily="49" charset="0"/>
+              </a:rPr>
+              <a:t>f1.close();</a:t>
+            </a:r>
+          </a:p>
+          <a:p>
+            <a:pPr marL="400050" lvl="1" indent="0">
+              <a:buNone/>
+            </a:pPr>
+            <a:r>
+              <a:rPr lang="it-IT" sz="1200" b="1" dirty="0">
+                <a:latin typeface="Courier New" panose="02070309020205020404" pitchFamily="49" charset="0"/>
+                <a:cs typeface="Courier New" panose="02070309020205020404" pitchFamily="49" charset="0"/>
+              </a:rPr>
+              <a:t>f2.open("pasw03c06.txt", </a:t>
+            </a:r>
+            <a:r>
+              <a:rPr lang="it-IT" sz="1200" b="1" dirty="0" err="1">
+                <a:latin typeface="Courier New" panose="02070309020205020404" pitchFamily="49" charset="0"/>
+                <a:cs typeface="Courier New" panose="02070309020205020404" pitchFamily="49" charset="0"/>
+              </a:rPr>
+              <a:t>ios</a:t>
+            </a:r>
+            <a:r>
+              <a:rPr lang="it-IT" sz="1200" b="1" dirty="0">
+                <a:latin typeface="Courier New" panose="02070309020205020404" pitchFamily="49" charset="0"/>
+                <a:cs typeface="Courier New" panose="02070309020205020404" pitchFamily="49" charset="0"/>
+              </a:rPr>
+              <a:t>::in);</a:t>
+            </a:r>
+          </a:p>
+          <a:p>
+            <a:pPr marL="400050" lvl="1" indent="0">
+              <a:buNone/>
+            </a:pPr>
+            <a:r>
+              <a:rPr lang="it-IT" sz="1200" b="1" dirty="0">
+                <a:latin typeface="Courier New" panose="02070309020205020404" pitchFamily="49" charset="0"/>
+                <a:cs typeface="Courier New" panose="02070309020205020404" pitchFamily="49" charset="0"/>
+              </a:rPr>
+              <a:t>f2 &gt;&gt; i &gt;&gt; c &gt;&gt; s &gt;&gt; d;</a:t>
+            </a:r>
+          </a:p>
+          <a:p>
+            <a:pPr marL="400050" lvl="1" indent="0">
+              <a:buNone/>
+            </a:pPr>
+            <a:r>
+              <a:rPr lang="it-IT" sz="1200" b="1" dirty="0" err="1">
+                <a:latin typeface="Courier New" panose="02070309020205020404" pitchFamily="49" charset="0"/>
+                <a:cs typeface="Courier New" panose="02070309020205020404" pitchFamily="49" charset="0"/>
+              </a:rPr>
+              <a:t>cout</a:t>
+            </a:r>
+            <a:r>
+              <a:rPr lang="it-IT" sz="1200" b="1" dirty="0">
+                <a:latin typeface="Courier New" panose="02070309020205020404" pitchFamily="49" charset="0"/>
+                <a:cs typeface="Courier New" panose="02070309020205020404" pitchFamily="49" charset="0"/>
+              </a:rPr>
+              <a:t> &lt;&lt; "i: " &lt;&lt; i &lt;&lt; </a:t>
+            </a:r>
+            <a:r>
+              <a:rPr lang="it-IT" sz="1200" b="1" dirty="0" err="1">
+                <a:latin typeface="Courier New" panose="02070309020205020404" pitchFamily="49" charset="0"/>
+                <a:cs typeface="Courier New" panose="02070309020205020404" pitchFamily="49" charset="0"/>
+              </a:rPr>
+              <a:t>endl</a:t>
+            </a:r>
+            <a:r>
+              <a:rPr lang="it-IT" sz="1200" b="1" dirty="0">
+                <a:latin typeface="Courier New" panose="02070309020205020404" pitchFamily="49" charset="0"/>
+                <a:cs typeface="Courier New" panose="02070309020205020404" pitchFamily="49" charset="0"/>
+              </a:rPr>
+              <a:t>;</a:t>
+            </a:r>
+          </a:p>
+          <a:p>
+            <a:pPr marL="400050" lvl="1" indent="0">
+              <a:buNone/>
+            </a:pPr>
+            <a:r>
+              <a:rPr lang="it-IT" sz="1200" b="1" dirty="0" err="1">
+                <a:latin typeface="Courier New" panose="02070309020205020404" pitchFamily="49" charset="0"/>
+                <a:cs typeface="Courier New" panose="02070309020205020404" pitchFamily="49" charset="0"/>
+              </a:rPr>
+              <a:t>cout</a:t>
+            </a:r>
+            <a:r>
+              <a:rPr lang="it-IT" sz="1200" b="1" dirty="0">
+                <a:latin typeface="Courier New" panose="02070309020205020404" pitchFamily="49" charset="0"/>
+                <a:cs typeface="Courier New" panose="02070309020205020404" pitchFamily="49" charset="0"/>
+              </a:rPr>
+              <a:t> &lt;&lt; "c: " &lt;&lt; c &lt;&lt; </a:t>
+            </a:r>
+            <a:r>
+              <a:rPr lang="it-IT" sz="1200" b="1" dirty="0" err="1">
+                <a:latin typeface="Courier New" panose="02070309020205020404" pitchFamily="49" charset="0"/>
+                <a:cs typeface="Courier New" panose="02070309020205020404" pitchFamily="49" charset="0"/>
+              </a:rPr>
+              <a:t>endl</a:t>
+            </a:r>
+            <a:r>
+              <a:rPr lang="it-IT" sz="1200" b="1" dirty="0">
+                <a:latin typeface="Courier New" panose="02070309020205020404" pitchFamily="49" charset="0"/>
+                <a:cs typeface="Courier New" panose="02070309020205020404" pitchFamily="49" charset="0"/>
+              </a:rPr>
+              <a:t>;</a:t>
+            </a:r>
+          </a:p>
+          <a:p>
+            <a:pPr marL="400050" lvl="1" indent="0">
+              <a:buNone/>
+            </a:pPr>
+            <a:r>
+              <a:rPr lang="it-IT" sz="1200" b="1" dirty="0" err="1">
+                <a:latin typeface="Courier New" panose="02070309020205020404" pitchFamily="49" charset="0"/>
+                <a:cs typeface="Courier New" panose="02070309020205020404" pitchFamily="49" charset="0"/>
+              </a:rPr>
+              <a:t>cout</a:t>
+            </a:r>
+            <a:r>
+              <a:rPr lang="it-IT" sz="1200" b="1" dirty="0">
+                <a:latin typeface="Courier New" panose="02070309020205020404" pitchFamily="49" charset="0"/>
+                <a:cs typeface="Courier New" panose="02070309020205020404" pitchFamily="49" charset="0"/>
+              </a:rPr>
+              <a:t> &lt;&lt; "s: " &lt;&lt; s &lt;&lt; </a:t>
+            </a:r>
+            <a:r>
+              <a:rPr lang="it-IT" sz="1200" b="1" dirty="0" err="1">
+                <a:latin typeface="Courier New" panose="02070309020205020404" pitchFamily="49" charset="0"/>
+                <a:cs typeface="Courier New" panose="02070309020205020404" pitchFamily="49" charset="0"/>
+              </a:rPr>
+              <a:t>endl</a:t>
+            </a:r>
+            <a:r>
+              <a:rPr lang="it-IT" sz="1200" b="1" dirty="0">
+                <a:latin typeface="Courier New" panose="02070309020205020404" pitchFamily="49" charset="0"/>
+                <a:cs typeface="Courier New" panose="02070309020205020404" pitchFamily="49" charset="0"/>
+              </a:rPr>
+              <a:t>;</a:t>
+            </a:r>
+          </a:p>
+          <a:p>
+            <a:pPr marL="400050" lvl="1" indent="0">
+              <a:buNone/>
+            </a:pPr>
+            <a:r>
+              <a:rPr lang="it-IT" sz="1200" b="1" dirty="0" err="1">
+                <a:latin typeface="Courier New" panose="02070309020205020404" pitchFamily="49" charset="0"/>
+                <a:cs typeface="Courier New" panose="02070309020205020404" pitchFamily="49" charset="0"/>
+              </a:rPr>
+              <a:t>cout</a:t>
+            </a:r>
+            <a:r>
+              <a:rPr lang="it-IT" sz="1200" b="1" dirty="0">
+                <a:latin typeface="Courier New" panose="02070309020205020404" pitchFamily="49" charset="0"/>
+                <a:cs typeface="Courier New" panose="02070309020205020404" pitchFamily="49" charset="0"/>
+              </a:rPr>
+              <a:t> &lt;&lt; "d: " &lt;&lt; d &lt;&lt; </a:t>
+            </a:r>
+            <a:r>
+              <a:rPr lang="it-IT" sz="1200" b="1" dirty="0" err="1">
+                <a:latin typeface="Courier New" panose="02070309020205020404" pitchFamily="49" charset="0"/>
+                <a:cs typeface="Courier New" panose="02070309020205020404" pitchFamily="49" charset="0"/>
+              </a:rPr>
+              <a:t>endl</a:t>
+            </a:r>
+            <a:r>
+              <a:rPr lang="it-IT" sz="1200" b="1" dirty="0">
+                <a:latin typeface="Courier New" panose="02070309020205020404" pitchFamily="49" charset="0"/>
+                <a:cs typeface="Courier New" panose="02070309020205020404" pitchFamily="49" charset="0"/>
+              </a:rPr>
+              <a:t>;			</a:t>
+            </a:r>
+          </a:p>
+          <a:p>
+            <a:pPr marL="400050" lvl="1" indent="0">
+              <a:buNone/>
+            </a:pPr>
+            <a:r>
+              <a:rPr lang="it-IT" sz="1200" b="1" dirty="0">
+                <a:latin typeface="Courier New" panose="02070309020205020404" pitchFamily="49" charset="0"/>
+                <a:cs typeface="Courier New" panose="02070309020205020404" pitchFamily="49" charset="0"/>
+              </a:rPr>
+              <a:t>f2.close();				</a:t>
+            </a:r>
+          </a:p>
+          <a:p>
+            <a:pPr marL="400050" lvl="1" indent="0">
+              <a:buNone/>
+            </a:pPr>
+            <a:r>
+              <a:rPr lang="it-IT" sz="1200" b="1" dirty="0" err="1">
+                <a:latin typeface="Courier New" panose="02070309020205020404" pitchFamily="49" charset="0"/>
+                <a:cs typeface="Courier New" panose="02070309020205020404" pitchFamily="49" charset="0"/>
+              </a:rPr>
+              <a:t>return</a:t>
+            </a:r>
+            <a:r>
+              <a:rPr lang="it-IT" sz="1200" b="1" dirty="0">
+                <a:latin typeface="Courier New" panose="02070309020205020404" pitchFamily="49" charset="0"/>
+                <a:cs typeface="Courier New" panose="02070309020205020404" pitchFamily="49" charset="0"/>
+              </a:rPr>
+              <a:t> 0;</a:t>
+            </a:r>
+          </a:p>
+          <a:p>
+            <a:pPr marL="0" indent="0">
+              <a:buNone/>
+            </a:pPr>
+            <a:r>
+              <a:rPr lang="it-IT" sz="1200" b="1" dirty="0">
+                <a:latin typeface="Courier New" panose="02070309020205020404" pitchFamily="49" charset="0"/>
+                <a:cs typeface="Courier New" panose="02070309020205020404" pitchFamily="49" charset="0"/>
+              </a:rPr>
+              <a:t>}</a:t>
+            </a:r>
+          </a:p>
+        </p:txBody>
+      </p:sp>
+      <p:sp>
+        <p:nvSpPr>
+          <p:cNvPr id="4" name="Segnaposto contenuto 3">
+            <a:extLst>
+              <a:ext uri="{FF2B5EF4-FFF2-40B4-BE49-F238E27FC236}">
+                <a16:creationId xmlns:a16="http://schemas.microsoft.com/office/drawing/2014/main" id="{96A38C42-313B-4315-821E-D25C2D162524}"/>
+              </a:ext>
+            </a:extLst>
+          </p:cNvPr>
+          <p:cNvSpPr>
+            <a:spLocks noGrp="1"/>
+          </p:cNvSpPr>
+          <p:nvPr>
+            <p:ph sz="half" idx="2"/>
+          </p:nvPr>
+        </p:nvSpPr>
+        <p:spPr/>
+        <p:txBody>
+          <a:bodyPr/>
+          <a:lstStyle/>
+          <a:p>
+            <a:r>
+              <a:rPr lang="it-IT" sz="2400" b="1" i="1" dirty="0"/>
+              <a:t>separatori</a:t>
+            </a:r>
+            <a:r>
+              <a:rPr lang="it-IT" sz="2400" dirty="0"/>
+              <a:t> fra i valori memorizzati nel file</a:t>
+            </a:r>
+          </a:p>
+          <a:p>
+            <a:pPr lvl="1"/>
+            <a:r>
+              <a:rPr lang="it-IT" sz="1800" b="1" i="1" dirty="0"/>
+              <a:t>" " </a:t>
+            </a:r>
+            <a:r>
+              <a:rPr lang="it-IT" sz="1800" i="1" dirty="0"/>
+              <a:t>(</a:t>
+            </a:r>
+            <a:r>
+              <a:rPr lang="it-IT" sz="1800" i="1" dirty="0" err="1"/>
+              <a:t>blank</a:t>
+            </a:r>
+            <a:r>
+              <a:rPr lang="it-IT" sz="1800" i="1" dirty="0"/>
+              <a:t>) </a:t>
+            </a:r>
+          </a:p>
+          <a:p>
+            <a:pPr lvl="1"/>
+            <a:r>
+              <a:rPr lang="it-IT" sz="1800" b="1" i="1" dirty="0"/>
+              <a:t>'\t’ </a:t>
+            </a:r>
+            <a:r>
+              <a:rPr lang="it-IT" sz="1800" dirty="0"/>
+              <a:t>(tabulazione)</a:t>
+            </a:r>
+          </a:p>
+          <a:p>
+            <a:pPr lvl="1"/>
+            <a:r>
+              <a:rPr lang="it-IT" sz="1800" b="1" i="1" dirty="0" err="1"/>
+              <a:t>endl</a:t>
+            </a:r>
+            <a:r>
+              <a:rPr lang="it-IT" sz="1800" b="1" i="1" dirty="0"/>
+              <a:t> </a:t>
+            </a:r>
+            <a:r>
+              <a:rPr lang="it-IT" sz="1800" dirty="0"/>
+              <a:t>(CRLF fine riga)</a:t>
+            </a:r>
+          </a:p>
+        </p:txBody>
+      </p:sp>
+      <p:sp>
+        <p:nvSpPr>
+          <p:cNvPr id="5" name="Segnaposto piè di pagina 4">
+            <a:extLst>
+              <a:ext uri="{FF2B5EF4-FFF2-40B4-BE49-F238E27FC236}">
+                <a16:creationId xmlns:a16="http://schemas.microsoft.com/office/drawing/2014/main" id="{6FCFEE22-26D1-46F4-8E55-17BE8F449854}"/>
+              </a:ext>
+            </a:extLst>
+          </p:cNvPr>
+          <p:cNvSpPr>
+            <a:spLocks noGrp="1"/>
+          </p:cNvSpPr>
+          <p:nvPr>
+            <p:ph type="ftr" sz="quarter" idx="11"/>
+          </p:nvPr>
+        </p:nvSpPr>
+        <p:spPr/>
+        <p:txBody>
+          <a:bodyPr/>
+          <a:lstStyle/>
+          <a:p>
+            <a:pPr>
+              <a:defRPr/>
+            </a:pPr>
+            <a:r>
+              <a:rPr lang="it-IT"/>
+              <a:t>Alberto Ferrari – Programmazione di applicazioni SW</a:t>
+            </a:r>
+            <a:endParaRPr lang="it-IT" dirty="0"/>
+          </a:p>
+        </p:txBody>
+      </p:sp>
+    </p:spTree>
+    <p:extLst>
+      <p:ext uri="{BB962C8B-B14F-4D97-AF65-F5344CB8AC3E}">
+        <p14:creationId xmlns:p14="http://schemas.microsoft.com/office/powerpoint/2010/main" val="2575595307"/>
+      </p:ext>
+    </p:extLst>
+  </p:cSld>
+  <p:clrMapOvr>
+    <a:masterClrMapping/>
+  </p:clrMapOvr>
+</p:sld>
+</file>
+
+<file path=ppt/slides/slide17.xml><?xml version="1.0" encoding="utf-8"?>
+<p:sld xmlns:a="http://schemas.openxmlformats.org/drawingml/2006/main" xmlns:r="http://schemas.openxmlformats.org/officeDocument/2006/relationships" xmlns:p="http://schemas.openxmlformats.org/presentationml/2006/main">
+  <p:cSld>
+    <p:spTree>
+      <p:nvGrpSpPr>
+        <p:cNvPr id="1" name=""/>
+        <p:cNvGrpSpPr/>
+        <p:nvPr/>
+      </p:nvGrpSpPr>
+      <p:grpSpPr>
+        <a:xfrm>
+          <a:off x="0" y="0"/>
+          <a:ext cx="0" cy="0"/>
+          <a:chOff x="0" y="0"/>
+          <a:chExt cx="0" cy="0"/>
+        </a:xfrm>
+      </p:grpSpPr>
+      <p:sp>
+        <p:nvSpPr>
+          <p:cNvPr id="6" name="Titolo 5">
+            <a:extLst>
+              <a:ext uri="{FF2B5EF4-FFF2-40B4-BE49-F238E27FC236}">
+                <a16:creationId xmlns:a16="http://schemas.microsoft.com/office/drawing/2014/main" id="{92F1534E-1A35-40EF-8535-16D6C84069D1}"/>
+              </a:ext>
+            </a:extLst>
+          </p:cNvPr>
+          <p:cNvSpPr>
+            <a:spLocks noGrp="1"/>
+          </p:cNvSpPr>
+          <p:nvPr>
+            <p:ph type="title"/>
+          </p:nvPr>
+        </p:nvSpPr>
+        <p:spPr/>
+        <p:txBody>
+          <a:bodyPr/>
+          <a:lstStyle/>
+          <a:p>
+            <a:r>
+              <a:rPr lang="it-IT" sz="2400" dirty="0"/>
+              <a:t>lettura righe</a:t>
+            </a:r>
+          </a:p>
+        </p:txBody>
+      </p:sp>
+      <p:sp>
+        <p:nvSpPr>
+          <p:cNvPr id="7" name="Segnaposto contenuto 6">
+            <a:extLst>
+              <a:ext uri="{FF2B5EF4-FFF2-40B4-BE49-F238E27FC236}">
+                <a16:creationId xmlns:a16="http://schemas.microsoft.com/office/drawing/2014/main" id="{8C79323C-7C71-4668-A9B1-CCF0B4C6EC96}"/>
+              </a:ext>
+            </a:extLst>
+          </p:cNvPr>
+          <p:cNvSpPr>
+            <a:spLocks noGrp="1"/>
+          </p:cNvSpPr>
+          <p:nvPr>
+            <p:ph sz="half" idx="1"/>
+          </p:nvPr>
+        </p:nvSpPr>
+        <p:spPr/>
+        <p:txBody>
+          <a:bodyPr/>
+          <a:lstStyle/>
+          <a:p>
+            <a:pPr marL="0" indent="0">
+              <a:buNone/>
+            </a:pPr>
+            <a:r>
+              <a:rPr lang="it-IT" sz="1400" b="1" dirty="0" err="1">
+                <a:latin typeface="Courier New" panose="02070309020205020404" pitchFamily="49" charset="0"/>
+                <a:cs typeface="Courier New" panose="02070309020205020404" pitchFamily="49" charset="0"/>
+              </a:rPr>
+              <a:t>ifstream</a:t>
+            </a:r>
+            <a:r>
+              <a:rPr lang="it-IT" sz="1400" b="1" dirty="0">
+                <a:latin typeface="Courier New" panose="02070309020205020404" pitchFamily="49" charset="0"/>
+                <a:cs typeface="Courier New" panose="02070309020205020404" pitchFamily="49" charset="0"/>
+              </a:rPr>
+              <a:t> cost{"costituzione.txt"};	</a:t>
+            </a:r>
+          </a:p>
+          <a:p>
+            <a:pPr marL="0" indent="0">
+              <a:buNone/>
+            </a:pPr>
+            <a:r>
+              <a:rPr lang="it-IT" sz="1400" b="1" dirty="0" err="1">
+                <a:latin typeface="Courier New" panose="02070309020205020404" pitchFamily="49" charset="0"/>
+                <a:cs typeface="Courier New" panose="02070309020205020404" pitchFamily="49" charset="0"/>
+              </a:rPr>
+              <a:t>string</a:t>
+            </a:r>
+            <a:r>
+              <a:rPr lang="it-IT" sz="1400" b="1" dirty="0">
+                <a:latin typeface="Courier New" panose="02070309020205020404" pitchFamily="49" charset="0"/>
+                <a:cs typeface="Courier New" panose="02070309020205020404" pitchFamily="49" charset="0"/>
+              </a:rPr>
+              <a:t> riga1,riga2;</a:t>
+            </a:r>
+          </a:p>
+          <a:p>
+            <a:pPr marL="0" indent="0">
+              <a:buNone/>
+            </a:pPr>
+            <a:r>
+              <a:rPr lang="it-IT" sz="1400" b="1" dirty="0" err="1">
+                <a:latin typeface="Courier New" panose="02070309020205020404" pitchFamily="49" charset="0"/>
+                <a:cs typeface="Courier New" panose="02070309020205020404" pitchFamily="49" charset="0"/>
+              </a:rPr>
+              <a:t>cout</a:t>
+            </a:r>
+            <a:r>
+              <a:rPr lang="it-IT" sz="1400" b="1" dirty="0">
+                <a:latin typeface="Courier New" panose="02070309020205020404" pitchFamily="49" charset="0"/>
+                <a:cs typeface="Courier New" panose="02070309020205020404" pitchFamily="49" charset="0"/>
+              </a:rPr>
+              <a:t> &lt;&lt; "- </a:t>
+            </a:r>
+            <a:r>
+              <a:rPr lang="it-IT" sz="1400" b="1" dirty="0">
+                <a:solidFill>
+                  <a:srgbClr val="FF0000"/>
+                </a:solidFill>
+                <a:latin typeface="Courier New" panose="02070309020205020404" pitchFamily="49" charset="0"/>
+                <a:cs typeface="Courier New" panose="02070309020205020404" pitchFamily="49" charset="0"/>
+              </a:rPr>
+              <a:t>prime due righe (non legge </a:t>
+            </a:r>
+            <a:r>
+              <a:rPr lang="it-IT" sz="1400" b="1" dirty="0" err="1">
+                <a:solidFill>
+                  <a:srgbClr val="FF0000"/>
+                </a:solidFill>
+                <a:latin typeface="Courier New" panose="02070309020205020404" pitchFamily="49" charset="0"/>
+                <a:cs typeface="Courier New" panose="02070309020205020404" pitchFamily="49" charset="0"/>
+              </a:rPr>
+              <a:t>endl</a:t>
+            </a:r>
+            <a:r>
+              <a:rPr lang="it-IT" sz="1400" b="1" dirty="0">
+                <a:solidFill>
+                  <a:srgbClr val="FF0000"/>
+                </a:solidFill>
+                <a:latin typeface="Courier New" panose="02070309020205020404" pitchFamily="49" charset="0"/>
+                <a:cs typeface="Courier New" panose="02070309020205020404" pitchFamily="49" charset="0"/>
+              </a:rPr>
+              <a:t>) </a:t>
+            </a:r>
+            <a:r>
+              <a:rPr lang="it-IT" sz="1400" b="1" dirty="0">
+                <a:latin typeface="Courier New" panose="02070309020205020404" pitchFamily="49" charset="0"/>
+                <a:cs typeface="Courier New" panose="02070309020205020404" pitchFamily="49" charset="0"/>
+              </a:rPr>
+              <a:t>–"</a:t>
+            </a:r>
+          </a:p>
+          <a:p>
+            <a:pPr marL="0" indent="0">
+              <a:buNone/>
+            </a:pPr>
+            <a:r>
+              <a:rPr lang="it-IT" sz="1400" b="1" dirty="0">
+                <a:latin typeface="Courier New" panose="02070309020205020404" pitchFamily="49" charset="0"/>
+                <a:cs typeface="Courier New" panose="02070309020205020404" pitchFamily="49" charset="0"/>
+              </a:rPr>
+              <a:t>     &lt;&lt; </a:t>
+            </a:r>
+            <a:r>
+              <a:rPr lang="it-IT" sz="1400" b="1" dirty="0" err="1">
+                <a:latin typeface="Courier New" panose="02070309020205020404" pitchFamily="49" charset="0"/>
+                <a:cs typeface="Courier New" panose="02070309020205020404" pitchFamily="49" charset="0"/>
+              </a:rPr>
+              <a:t>endl</a:t>
+            </a:r>
+            <a:r>
+              <a:rPr lang="it-IT" sz="1400" b="1" dirty="0">
+                <a:latin typeface="Courier New" panose="02070309020205020404" pitchFamily="49" charset="0"/>
+                <a:cs typeface="Courier New" panose="02070309020205020404" pitchFamily="49" charset="0"/>
+              </a:rPr>
+              <a:t>;</a:t>
+            </a:r>
+          </a:p>
+          <a:p>
+            <a:pPr marL="0" indent="0">
+              <a:buNone/>
+            </a:pPr>
+            <a:r>
+              <a:rPr lang="it-IT" sz="1400" b="1" dirty="0" err="1">
+                <a:latin typeface="Courier New" panose="02070309020205020404" pitchFamily="49" charset="0"/>
+                <a:cs typeface="Courier New" panose="02070309020205020404" pitchFamily="49" charset="0"/>
+              </a:rPr>
+              <a:t>if</a:t>
+            </a:r>
+            <a:r>
+              <a:rPr lang="it-IT" sz="1400" b="1" dirty="0">
+                <a:latin typeface="Courier New" panose="02070309020205020404" pitchFamily="49" charset="0"/>
+                <a:cs typeface="Courier New" panose="02070309020205020404" pitchFamily="49" charset="0"/>
+              </a:rPr>
+              <a:t> (</a:t>
+            </a:r>
+            <a:r>
+              <a:rPr lang="it-IT" sz="1400" b="1" dirty="0" err="1">
+                <a:latin typeface="Courier New" panose="02070309020205020404" pitchFamily="49" charset="0"/>
+                <a:cs typeface="Courier New" panose="02070309020205020404" pitchFamily="49" charset="0"/>
+              </a:rPr>
+              <a:t>cost.good</a:t>
+            </a:r>
+            <a:r>
+              <a:rPr lang="it-IT" sz="1400" b="1" dirty="0">
+                <a:latin typeface="Courier New" panose="02070309020205020404" pitchFamily="49" charset="0"/>
+                <a:cs typeface="Courier New" panose="02070309020205020404" pitchFamily="49" charset="0"/>
+              </a:rPr>
+              <a:t>()) {</a:t>
+            </a:r>
+          </a:p>
+          <a:p>
+            <a:pPr marL="0" indent="0">
+              <a:buNone/>
+            </a:pPr>
+            <a:r>
+              <a:rPr lang="it-IT" sz="1400" b="1" dirty="0">
+                <a:latin typeface="Courier New" panose="02070309020205020404" pitchFamily="49" charset="0"/>
+                <a:cs typeface="Courier New" panose="02070309020205020404" pitchFamily="49" charset="0"/>
+              </a:rPr>
+              <a:t>   </a:t>
+            </a:r>
+            <a:r>
+              <a:rPr lang="it-IT" sz="1400" b="1" dirty="0" err="1">
+                <a:solidFill>
+                  <a:srgbClr val="FF0000"/>
+                </a:solidFill>
+                <a:latin typeface="Courier New" panose="02070309020205020404" pitchFamily="49" charset="0"/>
+                <a:cs typeface="Courier New" panose="02070309020205020404" pitchFamily="49" charset="0"/>
+              </a:rPr>
+              <a:t>getline</a:t>
+            </a:r>
+            <a:r>
+              <a:rPr lang="it-IT" sz="1400" b="1" dirty="0">
+                <a:solidFill>
+                  <a:srgbClr val="FF0000"/>
+                </a:solidFill>
+                <a:latin typeface="Courier New" panose="02070309020205020404" pitchFamily="49" charset="0"/>
+                <a:cs typeface="Courier New" panose="02070309020205020404" pitchFamily="49" charset="0"/>
+              </a:rPr>
+              <a:t>(cost, riga1);</a:t>
+            </a:r>
+          </a:p>
+          <a:p>
+            <a:pPr marL="0" indent="0">
+              <a:buNone/>
+            </a:pPr>
+            <a:r>
+              <a:rPr lang="it-IT" sz="1400" b="1" dirty="0">
+                <a:solidFill>
+                  <a:srgbClr val="FF0000"/>
+                </a:solidFill>
+                <a:latin typeface="Courier New" panose="02070309020205020404" pitchFamily="49" charset="0"/>
+                <a:cs typeface="Courier New" panose="02070309020205020404" pitchFamily="49" charset="0"/>
+              </a:rPr>
+              <a:t>   </a:t>
+            </a:r>
+            <a:r>
+              <a:rPr lang="it-IT" sz="1400" b="1" dirty="0" err="1">
+                <a:solidFill>
+                  <a:srgbClr val="FF0000"/>
+                </a:solidFill>
+                <a:latin typeface="Courier New" panose="02070309020205020404" pitchFamily="49" charset="0"/>
+                <a:cs typeface="Courier New" panose="02070309020205020404" pitchFamily="49" charset="0"/>
+              </a:rPr>
+              <a:t>getline</a:t>
+            </a:r>
+            <a:r>
+              <a:rPr lang="it-IT" sz="1400" b="1" dirty="0">
+                <a:solidFill>
+                  <a:srgbClr val="FF0000"/>
+                </a:solidFill>
+                <a:latin typeface="Courier New" panose="02070309020205020404" pitchFamily="49" charset="0"/>
+                <a:cs typeface="Courier New" panose="02070309020205020404" pitchFamily="49" charset="0"/>
+              </a:rPr>
+              <a:t>(cost, riga2);</a:t>
+            </a:r>
+          </a:p>
+          <a:p>
+            <a:pPr marL="0" indent="0">
+              <a:buNone/>
+            </a:pPr>
+            <a:r>
+              <a:rPr lang="it-IT" sz="1400" b="1" dirty="0">
+                <a:latin typeface="Courier New" panose="02070309020205020404" pitchFamily="49" charset="0"/>
+                <a:cs typeface="Courier New" panose="02070309020205020404" pitchFamily="49" charset="0"/>
+              </a:rPr>
+              <a:t>   </a:t>
+            </a:r>
+            <a:r>
+              <a:rPr lang="it-IT" sz="1400" b="1" dirty="0" err="1">
+                <a:latin typeface="Courier New" panose="02070309020205020404" pitchFamily="49" charset="0"/>
+                <a:cs typeface="Courier New" panose="02070309020205020404" pitchFamily="49" charset="0"/>
+              </a:rPr>
+              <a:t>cout</a:t>
+            </a:r>
+            <a:r>
+              <a:rPr lang="it-IT" sz="1400" b="1" dirty="0">
+                <a:latin typeface="Courier New" panose="02070309020205020404" pitchFamily="49" charset="0"/>
+                <a:cs typeface="Courier New" panose="02070309020205020404" pitchFamily="49" charset="0"/>
+              </a:rPr>
+              <a:t> &lt;&lt; riga1 &lt;&lt; riga2 &lt;&lt; </a:t>
+            </a:r>
+            <a:r>
+              <a:rPr lang="it-IT" sz="1400" b="1" dirty="0" err="1">
+                <a:latin typeface="Courier New" panose="02070309020205020404" pitchFamily="49" charset="0"/>
+                <a:cs typeface="Courier New" panose="02070309020205020404" pitchFamily="49" charset="0"/>
+              </a:rPr>
+              <a:t>endl</a:t>
+            </a:r>
+            <a:r>
+              <a:rPr lang="it-IT" sz="1400" b="1" dirty="0">
+                <a:latin typeface="Courier New" panose="02070309020205020404" pitchFamily="49" charset="0"/>
+                <a:cs typeface="Courier New" panose="02070309020205020404" pitchFamily="49" charset="0"/>
+              </a:rPr>
+              <a:t>;</a:t>
+            </a:r>
+          </a:p>
+          <a:p>
+            <a:pPr marL="0" indent="0">
+              <a:buNone/>
+            </a:pPr>
+            <a:r>
+              <a:rPr lang="it-IT" sz="1400" b="1" dirty="0">
+                <a:latin typeface="Courier New" panose="02070309020205020404" pitchFamily="49" charset="0"/>
+                <a:cs typeface="Courier New" panose="02070309020205020404" pitchFamily="49" charset="0"/>
+              </a:rPr>
+              <a:t>}		</a:t>
+            </a:r>
+          </a:p>
+          <a:p>
+            <a:pPr marL="0" indent="0">
+              <a:buNone/>
+            </a:pPr>
+            <a:r>
+              <a:rPr lang="it-IT" sz="1400" b="1" dirty="0" err="1">
+                <a:latin typeface="Courier New" panose="02070309020205020404" pitchFamily="49" charset="0"/>
+                <a:cs typeface="Courier New" panose="02070309020205020404" pitchFamily="49" charset="0"/>
+              </a:rPr>
+              <a:t>cost.close</a:t>
+            </a:r>
+            <a:r>
+              <a:rPr lang="it-IT" sz="1400" b="1" dirty="0">
+                <a:latin typeface="Courier New" panose="02070309020205020404" pitchFamily="49" charset="0"/>
+                <a:cs typeface="Courier New" panose="02070309020205020404" pitchFamily="49" charset="0"/>
+              </a:rPr>
+              <a:t>();	</a:t>
+            </a:r>
+          </a:p>
+          <a:p>
+            <a:pPr marL="0" indent="0">
+              <a:buNone/>
+            </a:pPr>
+            <a:endParaRPr lang="it-IT" sz="1400" b="1" dirty="0">
+              <a:latin typeface="Courier New" panose="02070309020205020404" pitchFamily="49" charset="0"/>
+              <a:cs typeface="Courier New" panose="02070309020205020404" pitchFamily="49" charset="0"/>
+            </a:endParaRPr>
+          </a:p>
+          <a:p>
+            <a:pPr marL="0" indent="0">
+              <a:buNone/>
+            </a:pPr>
+            <a:r>
+              <a:rPr lang="it-IT" sz="1400" b="1" dirty="0" err="1">
+                <a:latin typeface="Courier New" panose="02070309020205020404" pitchFamily="49" charset="0"/>
+                <a:cs typeface="Courier New" panose="02070309020205020404" pitchFamily="49" charset="0"/>
+              </a:rPr>
+              <a:t>cout</a:t>
+            </a:r>
+            <a:r>
+              <a:rPr lang="it-IT" sz="1400" b="1" dirty="0">
+                <a:latin typeface="Courier New" panose="02070309020205020404" pitchFamily="49" charset="0"/>
+                <a:cs typeface="Courier New" panose="02070309020205020404" pitchFamily="49" charset="0"/>
+              </a:rPr>
+              <a:t> &lt;&lt; "--- </a:t>
+            </a:r>
+            <a:r>
+              <a:rPr lang="it-IT" sz="1400" b="1" dirty="0">
+                <a:solidFill>
+                  <a:srgbClr val="FF0000"/>
+                </a:solidFill>
+                <a:latin typeface="Courier New" panose="02070309020205020404" pitchFamily="49" charset="0"/>
+                <a:cs typeface="Courier New" panose="02070309020205020404" pitchFamily="49" charset="0"/>
+              </a:rPr>
+              <a:t>tutto il testo (fino a </a:t>
+            </a:r>
+            <a:r>
+              <a:rPr lang="it-IT" sz="1400" b="1" dirty="0" err="1">
+                <a:solidFill>
+                  <a:srgbClr val="FF0000"/>
+                </a:solidFill>
+                <a:latin typeface="Courier New" panose="02070309020205020404" pitchFamily="49" charset="0"/>
+                <a:cs typeface="Courier New" panose="02070309020205020404" pitchFamily="49" charset="0"/>
+              </a:rPr>
+              <a:t>eof</a:t>
+            </a:r>
+            <a:r>
+              <a:rPr lang="it-IT" sz="1400" b="1" dirty="0">
+                <a:solidFill>
+                  <a:srgbClr val="FF0000"/>
+                </a:solidFill>
+                <a:latin typeface="Courier New" panose="02070309020205020404" pitchFamily="49" charset="0"/>
+                <a:cs typeface="Courier New" panose="02070309020205020404" pitchFamily="49" charset="0"/>
+              </a:rPr>
+              <a:t>) </a:t>
+            </a:r>
+            <a:r>
+              <a:rPr lang="it-IT" sz="1400" b="1" dirty="0">
+                <a:latin typeface="Courier New" panose="02070309020205020404" pitchFamily="49" charset="0"/>
+                <a:cs typeface="Courier New" panose="02070309020205020404" pitchFamily="49" charset="0"/>
+              </a:rPr>
+              <a:t>---" </a:t>
+            </a:r>
+          </a:p>
+          <a:p>
+            <a:pPr marL="0" indent="0">
+              <a:buNone/>
+            </a:pPr>
+            <a:r>
+              <a:rPr lang="it-IT" sz="1400" b="1" dirty="0">
+                <a:latin typeface="Courier New" panose="02070309020205020404" pitchFamily="49" charset="0"/>
+                <a:cs typeface="Courier New" panose="02070309020205020404" pitchFamily="49" charset="0"/>
+              </a:rPr>
+              <a:t>     &lt;&lt; </a:t>
+            </a:r>
+            <a:r>
+              <a:rPr lang="it-IT" sz="1400" b="1" dirty="0" err="1">
+                <a:latin typeface="Courier New" panose="02070309020205020404" pitchFamily="49" charset="0"/>
+                <a:cs typeface="Courier New" panose="02070309020205020404" pitchFamily="49" charset="0"/>
+              </a:rPr>
+              <a:t>endl</a:t>
+            </a:r>
+            <a:r>
+              <a:rPr lang="it-IT" sz="1400" b="1" dirty="0">
+                <a:latin typeface="Courier New" panose="02070309020205020404" pitchFamily="49" charset="0"/>
+                <a:cs typeface="Courier New" panose="02070309020205020404" pitchFamily="49" charset="0"/>
+              </a:rPr>
+              <a:t>;</a:t>
+            </a:r>
+          </a:p>
+          <a:p>
+            <a:pPr marL="0" indent="0">
+              <a:buNone/>
+            </a:pPr>
+            <a:r>
+              <a:rPr lang="it-IT" sz="1400" b="1" dirty="0" err="1">
+                <a:latin typeface="Courier New" panose="02070309020205020404" pitchFamily="49" charset="0"/>
+                <a:cs typeface="Courier New" panose="02070309020205020404" pitchFamily="49" charset="0"/>
+              </a:rPr>
+              <a:t>cost.open</a:t>
+            </a:r>
+            <a:r>
+              <a:rPr lang="it-IT" sz="1400" b="1" dirty="0">
+                <a:latin typeface="Courier New" panose="02070309020205020404" pitchFamily="49" charset="0"/>
+                <a:cs typeface="Courier New" panose="02070309020205020404" pitchFamily="49" charset="0"/>
+              </a:rPr>
+              <a:t>("costituzione.txt");		</a:t>
+            </a:r>
+          </a:p>
+          <a:p>
+            <a:pPr marL="0" indent="0">
+              <a:buNone/>
+            </a:pPr>
+            <a:r>
+              <a:rPr lang="it-IT" sz="1400" b="1" dirty="0" err="1">
+                <a:solidFill>
+                  <a:srgbClr val="FF0000"/>
+                </a:solidFill>
+                <a:latin typeface="Courier New" panose="02070309020205020404" pitchFamily="49" charset="0"/>
+                <a:cs typeface="Courier New" panose="02070309020205020404" pitchFamily="49" charset="0"/>
+              </a:rPr>
+              <a:t>getline</a:t>
+            </a:r>
+            <a:r>
+              <a:rPr lang="it-IT" sz="1400" b="1" dirty="0">
+                <a:solidFill>
+                  <a:srgbClr val="FF0000"/>
+                </a:solidFill>
+                <a:latin typeface="Courier New" panose="02070309020205020404" pitchFamily="49" charset="0"/>
+                <a:cs typeface="Courier New" panose="02070309020205020404" pitchFamily="49" charset="0"/>
+              </a:rPr>
+              <a:t>(cost, </a:t>
+            </a:r>
+            <a:r>
+              <a:rPr lang="it-IT" sz="1400" b="1" dirty="0" err="1">
+                <a:solidFill>
+                  <a:srgbClr val="FF0000"/>
+                </a:solidFill>
+                <a:latin typeface="Courier New" panose="02070309020205020404" pitchFamily="49" charset="0"/>
+                <a:cs typeface="Courier New" panose="02070309020205020404" pitchFamily="49" charset="0"/>
+              </a:rPr>
+              <a:t>tuttoIlTesto</a:t>
+            </a:r>
+            <a:r>
+              <a:rPr lang="it-IT" sz="1400" b="1" dirty="0">
+                <a:solidFill>
+                  <a:srgbClr val="FF0000"/>
+                </a:solidFill>
+                <a:latin typeface="Courier New" panose="02070309020205020404" pitchFamily="49" charset="0"/>
+                <a:cs typeface="Courier New" panose="02070309020205020404" pitchFamily="49" charset="0"/>
+              </a:rPr>
+              <a:t>, '\0');	</a:t>
+            </a:r>
+          </a:p>
+          <a:p>
+            <a:pPr marL="0" indent="0">
+              <a:buNone/>
+            </a:pPr>
+            <a:r>
+              <a:rPr lang="it-IT" sz="1400" b="1" dirty="0" err="1">
+                <a:latin typeface="Courier New" panose="02070309020205020404" pitchFamily="49" charset="0"/>
+                <a:cs typeface="Courier New" panose="02070309020205020404" pitchFamily="49" charset="0"/>
+              </a:rPr>
+              <a:t>cout</a:t>
+            </a:r>
+            <a:r>
+              <a:rPr lang="it-IT" sz="1400" b="1" dirty="0">
+                <a:latin typeface="Courier New" panose="02070309020205020404" pitchFamily="49" charset="0"/>
+                <a:cs typeface="Courier New" panose="02070309020205020404" pitchFamily="49" charset="0"/>
+              </a:rPr>
+              <a:t> &lt;&lt; </a:t>
+            </a:r>
+            <a:r>
+              <a:rPr lang="it-IT" sz="1400" b="1" dirty="0" err="1">
+                <a:latin typeface="Courier New" panose="02070309020205020404" pitchFamily="49" charset="0"/>
+                <a:cs typeface="Courier New" panose="02070309020205020404" pitchFamily="49" charset="0"/>
+              </a:rPr>
+              <a:t>tuttoIlTesto</a:t>
+            </a:r>
+            <a:r>
+              <a:rPr lang="it-IT" sz="1400" b="1" dirty="0">
+                <a:latin typeface="Courier New" panose="02070309020205020404" pitchFamily="49" charset="0"/>
+                <a:cs typeface="Courier New" panose="02070309020205020404" pitchFamily="49" charset="0"/>
+              </a:rPr>
+              <a:t> &lt;&lt; </a:t>
+            </a:r>
+            <a:r>
+              <a:rPr lang="it-IT" sz="1400" b="1" dirty="0" err="1">
+                <a:latin typeface="Courier New" panose="02070309020205020404" pitchFamily="49" charset="0"/>
+                <a:cs typeface="Courier New" panose="02070309020205020404" pitchFamily="49" charset="0"/>
+              </a:rPr>
+              <a:t>endl</a:t>
+            </a:r>
+            <a:r>
+              <a:rPr lang="it-IT" sz="1400" b="1" dirty="0">
+                <a:latin typeface="Courier New" panose="02070309020205020404" pitchFamily="49" charset="0"/>
+                <a:cs typeface="Courier New" panose="02070309020205020404" pitchFamily="49" charset="0"/>
+              </a:rPr>
+              <a:t>;</a:t>
+            </a:r>
+          </a:p>
+          <a:p>
+            <a:pPr marL="0" indent="0">
+              <a:buNone/>
+            </a:pPr>
+            <a:r>
+              <a:rPr lang="it-IT" sz="1400" b="1" dirty="0" err="1">
+                <a:latin typeface="Courier New" panose="02070309020205020404" pitchFamily="49" charset="0"/>
+                <a:cs typeface="Courier New" panose="02070309020205020404" pitchFamily="49" charset="0"/>
+              </a:rPr>
+              <a:t>cost.close</a:t>
+            </a:r>
+            <a:r>
+              <a:rPr lang="it-IT" sz="1400" b="1" dirty="0">
+                <a:latin typeface="Courier New" panose="02070309020205020404" pitchFamily="49" charset="0"/>
+                <a:cs typeface="Courier New" panose="02070309020205020404" pitchFamily="49" charset="0"/>
+              </a:rPr>
+              <a:t>();</a:t>
+            </a:r>
+          </a:p>
+        </p:txBody>
+      </p:sp>
+      <p:sp>
+        <p:nvSpPr>
+          <p:cNvPr id="8" name="Segnaposto contenuto 7">
+            <a:extLst>
+              <a:ext uri="{FF2B5EF4-FFF2-40B4-BE49-F238E27FC236}">
+                <a16:creationId xmlns:a16="http://schemas.microsoft.com/office/drawing/2014/main" id="{3CBE26F3-46C0-44BB-9EA9-A19A3651628A}"/>
+              </a:ext>
+            </a:extLst>
+          </p:cNvPr>
+          <p:cNvSpPr>
+            <a:spLocks noGrp="1"/>
+          </p:cNvSpPr>
+          <p:nvPr>
+            <p:ph sz="half" idx="2"/>
+          </p:nvPr>
+        </p:nvSpPr>
+        <p:spPr/>
+        <p:txBody>
+          <a:bodyPr/>
+          <a:lstStyle/>
+          <a:p>
+            <a:pPr marL="0" indent="0">
+              <a:buNone/>
+            </a:pPr>
+            <a:r>
+              <a:rPr lang="it-IT" sz="1400" b="1" dirty="0" err="1">
+                <a:latin typeface="Courier New" panose="02070309020205020404" pitchFamily="49" charset="0"/>
+                <a:cs typeface="Courier New" panose="02070309020205020404" pitchFamily="49" charset="0"/>
+              </a:rPr>
+              <a:t>cout</a:t>
+            </a:r>
+            <a:r>
+              <a:rPr lang="it-IT" sz="1400" b="1" dirty="0">
+                <a:latin typeface="Courier New" panose="02070309020205020404" pitchFamily="49" charset="0"/>
+                <a:cs typeface="Courier New" panose="02070309020205020404" pitchFamily="49" charset="0"/>
+              </a:rPr>
+              <a:t> &lt;&lt; "--- </a:t>
+            </a:r>
+            <a:r>
+              <a:rPr lang="it-IT" sz="1400" b="1" dirty="0">
+                <a:solidFill>
+                  <a:srgbClr val="FF0000"/>
+                </a:solidFill>
+                <a:latin typeface="Courier New" panose="02070309020205020404" pitchFamily="49" charset="0"/>
+                <a:cs typeface="Courier New" panose="02070309020205020404" pitchFamily="49" charset="0"/>
+              </a:rPr>
+              <a:t>tutto il testo (riga per riga) </a:t>
+            </a:r>
+            <a:r>
+              <a:rPr lang="it-IT" sz="1400" b="1" dirty="0">
+                <a:latin typeface="Courier New" panose="02070309020205020404" pitchFamily="49" charset="0"/>
+                <a:cs typeface="Courier New" panose="02070309020205020404" pitchFamily="49" charset="0"/>
+              </a:rPr>
+              <a:t>---"</a:t>
+            </a:r>
+          </a:p>
+          <a:p>
+            <a:pPr marL="0" indent="0">
+              <a:buNone/>
+            </a:pPr>
+            <a:r>
+              <a:rPr lang="it-IT" sz="1400" b="1" dirty="0">
+                <a:latin typeface="Courier New" panose="02070309020205020404" pitchFamily="49" charset="0"/>
+                <a:cs typeface="Courier New" panose="02070309020205020404" pitchFamily="49" charset="0"/>
+              </a:rPr>
+              <a:t>     &lt;&lt; </a:t>
+            </a:r>
+            <a:r>
+              <a:rPr lang="it-IT" sz="1400" b="1" dirty="0" err="1">
+                <a:latin typeface="Courier New" panose="02070309020205020404" pitchFamily="49" charset="0"/>
+                <a:cs typeface="Courier New" panose="02070309020205020404" pitchFamily="49" charset="0"/>
+              </a:rPr>
+              <a:t>endl</a:t>
+            </a:r>
+            <a:r>
+              <a:rPr lang="it-IT" sz="1400" b="1" dirty="0">
+                <a:latin typeface="Courier New" panose="02070309020205020404" pitchFamily="49" charset="0"/>
+                <a:cs typeface="Courier New" panose="02070309020205020404" pitchFamily="49" charset="0"/>
+              </a:rPr>
+              <a:t>;</a:t>
+            </a:r>
+          </a:p>
+          <a:p>
+            <a:pPr marL="0" indent="0">
+              <a:buNone/>
+            </a:pPr>
+            <a:r>
+              <a:rPr lang="it-IT" sz="1400" b="1" dirty="0" err="1">
+                <a:latin typeface="Courier New" panose="02070309020205020404" pitchFamily="49" charset="0"/>
+                <a:cs typeface="Courier New" panose="02070309020205020404" pitchFamily="49" charset="0"/>
+              </a:rPr>
+              <a:t>cost.open</a:t>
+            </a:r>
+            <a:r>
+              <a:rPr lang="it-IT" sz="1400" b="1" dirty="0">
+                <a:latin typeface="Courier New" panose="02070309020205020404" pitchFamily="49" charset="0"/>
+                <a:cs typeface="Courier New" panose="02070309020205020404" pitchFamily="49" charset="0"/>
+              </a:rPr>
+              <a:t>("costituzione.txt");	</a:t>
+            </a:r>
+          </a:p>
+          <a:p>
+            <a:pPr marL="0" indent="0">
+              <a:buNone/>
+            </a:pPr>
+            <a:r>
+              <a:rPr lang="it-IT" sz="1400" b="1" dirty="0" err="1">
+                <a:latin typeface="Courier New" panose="02070309020205020404" pitchFamily="49" charset="0"/>
+                <a:cs typeface="Courier New" panose="02070309020205020404" pitchFamily="49" charset="0"/>
+              </a:rPr>
+              <a:t>while</a:t>
+            </a:r>
+            <a:r>
+              <a:rPr lang="it-IT" sz="1400" b="1" dirty="0">
+                <a:latin typeface="Courier New" panose="02070309020205020404" pitchFamily="49" charset="0"/>
+                <a:cs typeface="Courier New" panose="02070309020205020404" pitchFamily="49" charset="0"/>
+              </a:rPr>
+              <a:t> (</a:t>
+            </a:r>
+            <a:r>
+              <a:rPr lang="it-IT" sz="1400" b="1" dirty="0" err="1">
+                <a:solidFill>
+                  <a:srgbClr val="FF0000"/>
+                </a:solidFill>
+                <a:latin typeface="Courier New" panose="02070309020205020404" pitchFamily="49" charset="0"/>
+                <a:cs typeface="Courier New" panose="02070309020205020404" pitchFamily="49" charset="0"/>
+              </a:rPr>
+              <a:t>getline</a:t>
+            </a:r>
+            <a:r>
+              <a:rPr lang="it-IT" sz="1400" b="1" dirty="0">
+                <a:solidFill>
+                  <a:srgbClr val="FF0000"/>
+                </a:solidFill>
+                <a:latin typeface="Courier New" panose="02070309020205020404" pitchFamily="49" charset="0"/>
+                <a:cs typeface="Courier New" panose="02070309020205020404" pitchFamily="49" charset="0"/>
+              </a:rPr>
+              <a:t>(cost, riga)</a:t>
+            </a:r>
+            <a:r>
+              <a:rPr lang="it-IT" sz="1400" b="1" dirty="0">
+                <a:latin typeface="Courier New" panose="02070309020205020404" pitchFamily="49" charset="0"/>
+                <a:cs typeface="Courier New" panose="02070309020205020404" pitchFamily="49" charset="0"/>
+              </a:rPr>
+              <a:t>) { </a:t>
+            </a:r>
+          </a:p>
+          <a:p>
+            <a:pPr marL="0" indent="0">
+              <a:buNone/>
+            </a:pPr>
+            <a:r>
+              <a:rPr lang="it-IT" sz="1400" b="1" dirty="0">
+                <a:latin typeface="Courier New" panose="02070309020205020404" pitchFamily="49" charset="0"/>
+                <a:cs typeface="Courier New" panose="02070309020205020404" pitchFamily="49" charset="0"/>
+              </a:rPr>
+              <a:t>   </a:t>
+            </a:r>
+            <a:r>
+              <a:rPr lang="it-IT" sz="1400" b="1" dirty="0" err="1">
+                <a:latin typeface="Courier New" panose="02070309020205020404" pitchFamily="49" charset="0"/>
+                <a:cs typeface="Courier New" panose="02070309020205020404" pitchFamily="49" charset="0"/>
+              </a:rPr>
+              <a:t>cout</a:t>
+            </a:r>
+            <a:r>
+              <a:rPr lang="it-IT" sz="1400" b="1" dirty="0">
+                <a:latin typeface="Courier New" panose="02070309020205020404" pitchFamily="49" charset="0"/>
+                <a:cs typeface="Courier New" panose="02070309020205020404" pitchFamily="49" charset="0"/>
+              </a:rPr>
+              <a:t> &lt;&lt; riga &lt;&lt; </a:t>
+            </a:r>
+            <a:r>
+              <a:rPr lang="it-IT" sz="1400" b="1" dirty="0" err="1">
+                <a:latin typeface="Courier New" panose="02070309020205020404" pitchFamily="49" charset="0"/>
+                <a:cs typeface="Courier New" panose="02070309020205020404" pitchFamily="49" charset="0"/>
+              </a:rPr>
+              <a:t>endl</a:t>
+            </a:r>
+            <a:r>
+              <a:rPr lang="it-IT" sz="1400" b="1" dirty="0">
+                <a:latin typeface="Courier New" panose="02070309020205020404" pitchFamily="49" charset="0"/>
+                <a:cs typeface="Courier New" panose="02070309020205020404" pitchFamily="49" charset="0"/>
+              </a:rPr>
+              <a:t>;</a:t>
+            </a:r>
+          </a:p>
+          <a:p>
+            <a:pPr marL="0" indent="0">
+              <a:buNone/>
+            </a:pPr>
+            <a:r>
+              <a:rPr lang="it-IT" sz="1400" b="1" dirty="0">
+                <a:latin typeface="Courier New" panose="02070309020205020404" pitchFamily="49" charset="0"/>
+                <a:cs typeface="Courier New" panose="02070309020205020404" pitchFamily="49" charset="0"/>
+              </a:rPr>
+              <a:t>}</a:t>
+            </a:r>
+          </a:p>
+          <a:p>
+            <a:pPr marL="0" indent="0">
+              <a:buNone/>
+            </a:pPr>
+            <a:r>
+              <a:rPr lang="it-IT" sz="1400" b="1" dirty="0" err="1">
+                <a:latin typeface="Courier New" panose="02070309020205020404" pitchFamily="49" charset="0"/>
+                <a:cs typeface="Courier New" panose="02070309020205020404" pitchFamily="49" charset="0"/>
+              </a:rPr>
+              <a:t>cost.close</a:t>
+            </a:r>
+            <a:r>
+              <a:rPr lang="it-IT" sz="1400" b="1" dirty="0">
+                <a:latin typeface="Courier New" panose="02070309020205020404" pitchFamily="49" charset="0"/>
+                <a:cs typeface="Courier New" panose="02070309020205020404" pitchFamily="49" charset="0"/>
+              </a:rPr>
+              <a:t>();	</a:t>
+            </a:r>
+            <a:endParaRPr lang="it-IT" sz="1400" dirty="0">
+              <a:latin typeface="Courier New" panose="02070309020205020404" pitchFamily="49" charset="0"/>
+              <a:cs typeface="Courier New" panose="02070309020205020404" pitchFamily="49" charset="0"/>
+            </a:endParaRPr>
+          </a:p>
+        </p:txBody>
+      </p:sp>
+      <p:sp>
+        <p:nvSpPr>
+          <p:cNvPr id="5" name="Segnaposto piè di pagina 4">
+            <a:extLst>
+              <a:ext uri="{FF2B5EF4-FFF2-40B4-BE49-F238E27FC236}">
+                <a16:creationId xmlns:a16="http://schemas.microsoft.com/office/drawing/2014/main" id="{F9597E22-592E-412F-92CF-F7097A0CDC3A}"/>
+              </a:ext>
+            </a:extLst>
+          </p:cNvPr>
+          <p:cNvSpPr>
+            <a:spLocks noGrp="1"/>
+          </p:cNvSpPr>
+          <p:nvPr>
+            <p:ph type="ftr" sz="quarter" idx="11"/>
+          </p:nvPr>
+        </p:nvSpPr>
+        <p:spPr/>
+        <p:txBody>
+          <a:bodyPr/>
+          <a:lstStyle/>
+          <a:p>
+            <a:pPr>
+              <a:defRPr/>
+            </a:pPr>
+            <a:r>
+              <a:rPr lang="it-IT"/>
+              <a:t>Alberto Ferrari – Programmazione di applicazioni SW</a:t>
+            </a:r>
+            <a:endParaRPr lang="it-IT" dirty="0"/>
+          </a:p>
+        </p:txBody>
+      </p:sp>
+    </p:spTree>
+    <p:extLst>
+      <p:ext uri="{BB962C8B-B14F-4D97-AF65-F5344CB8AC3E}">
+        <p14:creationId xmlns:p14="http://schemas.microsoft.com/office/powerpoint/2010/main" val="3853530822"/>
       </p:ext>
     </p:extLst>
   </p:cSld>
